--- a/Slides/Module 2 - Schemas.pptx
+++ b/Slides/Module 2 - Schemas.pptx
@@ -2,7 +2,7 @@
 <file path=ppt/presentation.xml><?xml version="1.0" encoding="utf-8"?>
 <p:presentation xmlns:a="http://schemas.openxmlformats.org/drawingml/2006/main" xmlns:r="http://schemas.openxmlformats.org/officeDocument/2006/relationships" xmlns:p="http://schemas.openxmlformats.org/presentationml/2006/main" saveSubsetFonts="1">
   <p:sldMasterIdLst>
-    <p:sldMasterId id="2147483974" r:id="rId2"/>
+    <p:sldMasterId id="2147484022" r:id="rId2"/>
   </p:sldMasterIdLst>
   <p:notesMasterIdLst>
     <p:notesMasterId r:id="rId28"/>
@@ -3212,7 +3212,7 @@
           <a:bodyPr/>
           <a:lstStyle/>
           <a:p>
-            <a:fld id="{3C164389-E47D-4193-A0E7-4594578CEB51}" type="datetimeFigureOut">
+            <a:fld id="{076141BC-180D-4B6E-943F-01699F625B70}" type="datetimeFigureOut">
               <a:rPr lang="en-US" smtClean="0"/>
               <a:t>12/9/2016</a:t>
             </a:fld>
@@ -3254,7 +3254,7 @@
           <a:bodyPr/>
           <a:lstStyle/>
           <a:p>
-            <a:fld id="{E1FCE30F-D603-437F-9E9E-A8EA4C265284}" type="slidenum">
+            <a:fld id="{CCAA386F-3D15-4B92-B297-DF453D3056C9}" type="slidenum">
               <a:rPr lang="en-US" smtClean="0"/>
               <a:t>‹#›</a:t>
             </a:fld>
@@ -3265,7 +3265,7 @@
     </p:spTree>
     <p:extLst>
       <p:ext uri="{BB962C8B-B14F-4D97-AF65-F5344CB8AC3E}">
-        <p14:creationId xmlns:p14="http://schemas.microsoft.com/office/powerpoint/2010/main" val="1651685291"/>
+        <p14:creationId xmlns:p14="http://schemas.microsoft.com/office/powerpoint/2010/main" val="1299666300"/>
       </p:ext>
     </p:extLst>
   </p:cSld>
@@ -3382,7 +3382,7 @@
           <a:bodyPr/>
           <a:lstStyle/>
           <a:p>
-            <a:fld id="{3C164389-E47D-4193-A0E7-4594578CEB51}" type="datetimeFigureOut">
+            <a:fld id="{076141BC-180D-4B6E-943F-01699F625B70}" type="datetimeFigureOut">
               <a:rPr lang="en-US" smtClean="0"/>
               <a:t>12/9/2016</a:t>
             </a:fld>
@@ -3424,7 +3424,7 @@
           <a:bodyPr/>
           <a:lstStyle/>
           <a:p>
-            <a:fld id="{E1FCE30F-D603-437F-9E9E-A8EA4C265284}" type="slidenum">
+            <a:fld id="{CCAA386F-3D15-4B92-B297-DF453D3056C9}" type="slidenum">
               <a:rPr lang="en-US" smtClean="0"/>
               <a:t>‹#›</a:t>
             </a:fld>
@@ -3435,7 +3435,7 @@
     </p:spTree>
     <p:extLst>
       <p:ext uri="{BB962C8B-B14F-4D97-AF65-F5344CB8AC3E}">
-        <p14:creationId xmlns:p14="http://schemas.microsoft.com/office/powerpoint/2010/main" val="2800888986"/>
+        <p14:creationId xmlns:p14="http://schemas.microsoft.com/office/powerpoint/2010/main" val="2044213448"/>
       </p:ext>
     </p:extLst>
   </p:cSld>
@@ -3562,7 +3562,7 @@
           <a:bodyPr/>
           <a:lstStyle/>
           <a:p>
-            <a:fld id="{3C164389-E47D-4193-A0E7-4594578CEB51}" type="datetimeFigureOut">
+            <a:fld id="{076141BC-180D-4B6E-943F-01699F625B70}" type="datetimeFigureOut">
               <a:rPr lang="en-US" smtClean="0"/>
               <a:t>12/9/2016</a:t>
             </a:fld>
@@ -3604,7 +3604,7 @@
           <a:bodyPr/>
           <a:lstStyle/>
           <a:p>
-            <a:fld id="{E1FCE30F-D603-437F-9E9E-A8EA4C265284}" type="slidenum">
+            <a:fld id="{CCAA386F-3D15-4B92-B297-DF453D3056C9}" type="slidenum">
               <a:rPr lang="en-US" smtClean="0"/>
               <a:t>‹#›</a:t>
             </a:fld>
@@ -3615,7 +3615,7 @@
     </p:spTree>
     <p:extLst>
       <p:ext uri="{BB962C8B-B14F-4D97-AF65-F5344CB8AC3E}">
-        <p14:creationId xmlns:p14="http://schemas.microsoft.com/office/powerpoint/2010/main" val="2541286625"/>
+        <p14:creationId xmlns:p14="http://schemas.microsoft.com/office/powerpoint/2010/main" val="2124667242"/>
       </p:ext>
     </p:extLst>
   </p:cSld>
@@ -3732,7 +3732,7 @@
           <a:bodyPr/>
           <a:lstStyle/>
           <a:p>
-            <a:fld id="{3C164389-E47D-4193-A0E7-4594578CEB51}" type="datetimeFigureOut">
+            <a:fld id="{076141BC-180D-4B6E-943F-01699F625B70}" type="datetimeFigureOut">
               <a:rPr lang="en-US" smtClean="0"/>
               <a:t>12/9/2016</a:t>
             </a:fld>
@@ -3774,7 +3774,7 @@
           <a:bodyPr/>
           <a:lstStyle/>
           <a:p>
-            <a:fld id="{E1FCE30F-D603-437F-9E9E-A8EA4C265284}" type="slidenum">
+            <a:fld id="{CCAA386F-3D15-4B92-B297-DF453D3056C9}" type="slidenum">
               <a:rPr lang="en-US" smtClean="0"/>
               <a:t>‹#›</a:t>
             </a:fld>
@@ -3785,7 +3785,7 @@
     </p:spTree>
     <p:extLst>
       <p:ext uri="{BB962C8B-B14F-4D97-AF65-F5344CB8AC3E}">
-        <p14:creationId xmlns:p14="http://schemas.microsoft.com/office/powerpoint/2010/main" val="4096447955"/>
+        <p14:creationId xmlns:p14="http://schemas.microsoft.com/office/powerpoint/2010/main" val="166217396"/>
       </p:ext>
     </p:extLst>
   </p:cSld>
@@ -3978,7 +3978,7 @@
           <a:bodyPr/>
           <a:lstStyle/>
           <a:p>
-            <a:fld id="{3C164389-E47D-4193-A0E7-4594578CEB51}" type="datetimeFigureOut">
+            <a:fld id="{076141BC-180D-4B6E-943F-01699F625B70}" type="datetimeFigureOut">
               <a:rPr lang="en-US" smtClean="0"/>
               <a:t>12/9/2016</a:t>
             </a:fld>
@@ -4020,7 +4020,7 @@
           <a:bodyPr/>
           <a:lstStyle/>
           <a:p>
-            <a:fld id="{E1FCE30F-D603-437F-9E9E-A8EA4C265284}" type="slidenum">
+            <a:fld id="{CCAA386F-3D15-4B92-B297-DF453D3056C9}" type="slidenum">
               <a:rPr lang="en-US" smtClean="0"/>
               <a:t>‹#›</a:t>
             </a:fld>
@@ -4031,7 +4031,7 @@
     </p:spTree>
     <p:extLst>
       <p:ext uri="{BB962C8B-B14F-4D97-AF65-F5344CB8AC3E}">
-        <p14:creationId xmlns:p14="http://schemas.microsoft.com/office/powerpoint/2010/main" val="1843582940"/>
+        <p14:creationId xmlns:p14="http://schemas.microsoft.com/office/powerpoint/2010/main" val="3143300769"/>
       </p:ext>
     </p:extLst>
   </p:cSld>
@@ -4210,7 +4210,7 @@
           <a:bodyPr/>
           <a:lstStyle/>
           <a:p>
-            <a:fld id="{3C164389-E47D-4193-A0E7-4594578CEB51}" type="datetimeFigureOut">
+            <a:fld id="{076141BC-180D-4B6E-943F-01699F625B70}" type="datetimeFigureOut">
               <a:rPr lang="en-US" smtClean="0"/>
               <a:t>12/9/2016</a:t>
             </a:fld>
@@ -4252,7 +4252,7 @@
           <a:bodyPr/>
           <a:lstStyle/>
           <a:p>
-            <a:fld id="{E1FCE30F-D603-437F-9E9E-A8EA4C265284}" type="slidenum">
+            <a:fld id="{CCAA386F-3D15-4B92-B297-DF453D3056C9}" type="slidenum">
               <a:rPr lang="en-US" smtClean="0"/>
               <a:t>‹#›</a:t>
             </a:fld>
@@ -4263,7 +4263,7 @@
     </p:spTree>
     <p:extLst>
       <p:ext uri="{BB962C8B-B14F-4D97-AF65-F5344CB8AC3E}">
-        <p14:creationId xmlns:p14="http://schemas.microsoft.com/office/powerpoint/2010/main" val="1728096590"/>
+        <p14:creationId xmlns:p14="http://schemas.microsoft.com/office/powerpoint/2010/main" val="2129743594"/>
       </p:ext>
     </p:extLst>
   </p:cSld>
@@ -4577,7 +4577,7 @@
           <a:bodyPr/>
           <a:lstStyle/>
           <a:p>
-            <a:fld id="{3C164389-E47D-4193-A0E7-4594578CEB51}" type="datetimeFigureOut">
+            <a:fld id="{076141BC-180D-4B6E-943F-01699F625B70}" type="datetimeFigureOut">
               <a:rPr lang="en-US" smtClean="0"/>
               <a:t>12/9/2016</a:t>
             </a:fld>
@@ -4619,7 +4619,7 @@
           <a:bodyPr/>
           <a:lstStyle/>
           <a:p>
-            <a:fld id="{E1FCE30F-D603-437F-9E9E-A8EA4C265284}" type="slidenum">
+            <a:fld id="{CCAA386F-3D15-4B92-B297-DF453D3056C9}" type="slidenum">
               <a:rPr lang="en-US" smtClean="0"/>
               <a:t>‹#›</a:t>
             </a:fld>
@@ -4630,7 +4630,7 @@
     </p:spTree>
     <p:extLst>
       <p:ext uri="{BB962C8B-B14F-4D97-AF65-F5344CB8AC3E}">
-        <p14:creationId xmlns:p14="http://schemas.microsoft.com/office/powerpoint/2010/main" val="2502827307"/>
+        <p14:creationId xmlns:p14="http://schemas.microsoft.com/office/powerpoint/2010/main" val="3779064135"/>
       </p:ext>
     </p:extLst>
   </p:cSld>
@@ -4695,7 +4695,7 @@
           <a:bodyPr/>
           <a:lstStyle/>
           <a:p>
-            <a:fld id="{3C164389-E47D-4193-A0E7-4594578CEB51}" type="datetimeFigureOut">
+            <a:fld id="{076141BC-180D-4B6E-943F-01699F625B70}" type="datetimeFigureOut">
               <a:rPr lang="en-US" smtClean="0"/>
               <a:t>12/9/2016</a:t>
             </a:fld>
@@ -4737,7 +4737,7 @@
           <a:bodyPr/>
           <a:lstStyle/>
           <a:p>
-            <a:fld id="{E1FCE30F-D603-437F-9E9E-A8EA4C265284}" type="slidenum">
+            <a:fld id="{CCAA386F-3D15-4B92-B297-DF453D3056C9}" type="slidenum">
               <a:rPr lang="en-US" smtClean="0"/>
               <a:t>‹#›</a:t>
             </a:fld>
@@ -4748,7 +4748,7 @@
     </p:spTree>
     <p:extLst>
       <p:ext uri="{BB962C8B-B14F-4D97-AF65-F5344CB8AC3E}">
-        <p14:creationId xmlns:p14="http://schemas.microsoft.com/office/powerpoint/2010/main" val="2312714239"/>
+        <p14:creationId xmlns:p14="http://schemas.microsoft.com/office/powerpoint/2010/main" val="2867779670"/>
       </p:ext>
     </p:extLst>
   </p:cSld>
@@ -4790,7 +4790,7 @@
           <a:bodyPr/>
           <a:lstStyle/>
           <a:p>
-            <a:fld id="{3C164389-E47D-4193-A0E7-4594578CEB51}" type="datetimeFigureOut">
+            <a:fld id="{076141BC-180D-4B6E-943F-01699F625B70}" type="datetimeFigureOut">
               <a:rPr lang="en-US" smtClean="0"/>
               <a:t>12/9/2016</a:t>
             </a:fld>
@@ -4832,7 +4832,7 @@
           <a:bodyPr/>
           <a:lstStyle/>
           <a:p>
-            <a:fld id="{E1FCE30F-D603-437F-9E9E-A8EA4C265284}" type="slidenum">
+            <a:fld id="{CCAA386F-3D15-4B92-B297-DF453D3056C9}" type="slidenum">
               <a:rPr lang="en-US" smtClean="0"/>
               <a:t>‹#›</a:t>
             </a:fld>
@@ -4843,7 +4843,7 @@
     </p:spTree>
     <p:extLst>
       <p:ext uri="{BB962C8B-B14F-4D97-AF65-F5344CB8AC3E}">
-        <p14:creationId xmlns:p14="http://schemas.microsoft.com/office/powerpoint/2010/main" val="2038123121"/>
+        <p14:creationId xmlns:p14="http://schemas.microsoft.com/office/powerpoint/2010/main" val="3518352223"/>
       </p:ext>
     </p:extLst>
   </p:cSld>
@@ -5067,7 +5067,7 @@
           <a:bodyPr/>
           <a:lstStyle/>
           <a:p>
-            <a:fld id="{3C164389-E47D-4193-A0E7-4594578CEB51}" type="datetimeFigureOut">
+            <a:fld id="{076141BC-180D-4B6E-943F-01699F625B70}" type="datetimeFigureOut">
               <a:rPr lang="en-US" smtClean="0"/>
               <a:t>12/9/2016</a:t>
             </a:fld>
@@ -5109,7 +5109,7 @@
           <a:bodyPr/>
           <a:lstStyle/>
           <a:p>
-            <a:fld id="{E1FCE30F-D603-437F-9E9E-A8EA4C265284}" type="slidenum">
+            <a:fld id="{CCAA386F-3D15-4B92-B297-DF453D3056C9}" type="slidenum">
               <a:rPr lang="en-US" smtClean="0"/>
               <a:t>‹#›</a:t>
             </a:fld>
@@ -5120,7 +5120,7 @@
     </p:spTree>
     <p:extLst>
       <p:ext uri="{BB962C8B-B14F-4D97-AF65-F5344CB8AC3E}">
-        <p14:creationId xmlns:p14="http://schemas.microsoft.com/office/powerpoint/2010/main" val="2598454407"/>
+        <p14:creationId xmlns:p14="http://schemas.microsoft.com/office/powerpoint/2010/main" val="3999426513"/>
       </p:ext>
     </p:extLst>
   </p:cSld>
@@ -5320,7 +5320,7 @@
           <a:bodyPr/>
           <a:lstStyle/>
           <a:p>
-            <a:fld id="{3C164389-E47D-4193-A0E7-4594578CEB51}" type="datetimeFigureOut">
+            <a:fld id="{076141BC-180D-4B6E-943F-01699F625B70}" type="datetimeFigureOut">
               <a:rPr lang="en-US" smtClean="0"/>
               <a:t>12/9/2016</a:t>
             </a:fld>
@@ -5362,7 +5362,7 @@
           <a:bodyPr/>
           <a:lstStyle/>
           <a:p>
-            <a:fld id="{E1FCE30F-D603-437F-9E9E-A8EA4C265284}" type="slidenum">
+            <a:fld id="{CCAA386F-3D15-4B92-B297-DF453D3056C9}" type="slidenum">
               <a:rPr lang="en-US" smtClean="0"/>
               <a:t>‹#›</a:t>
             </a:fld>
@@ -5373,7 +5373,7 @@
     </p:spTree>
     <p:extLst>
       <p:ext uri="{BB962C8B-B14F-4D97-AF65-F5344CB8AC3E}">
-        <p14:creationId xmlns:p14="http://schemas.microsoft.com/office/powerpoint/2010/main" val="2598413691"/>
+        <p14:creationId xmlns:p14="http://schemas.microsoft.com/office/powerpoint/2010/main" val="3103677714"/>
       </p:ext>
     </p:extLst>
   </p:cSld>
@@ -5533,7 +5533,7 @@
             </a:lvl1pPr>
           </a:lstStyle>
           <a:p>
-            <a:fld id="{3C164389-E47D-4193-A0E7-4594578CEB51}" type="datetimeFigureOut">
+            <a:fld id="{076141BC-180D-4B6E-943F-01699F625B70}" type="datetimeFigureOut">
               <a:rPr lang="en-US" smtClean="0"/>
               <a:t>12/9/2016</a:t>
             </a:fld>
@@ -5611,7 +5611,7 @@
             </a:lvl1pPr>
           </a:lstStyle>
           <a:p>
-            <a:fld id="{E1FCE30F-D603-437F-9E9E-A8EA4C265284}" type="slidenum">
+            <a:fld id="{CCAA386F-3D15-4B92-B297-DF453D3056C9}" type="slidenum">
               <a:rPr lang="en-US" smtClean="0"/>
               <a:t>‹#›</a:t>
             </a:fld>
@@ -5622,23 +5622,23 @@
     </p:spTree>
     <p:extLst>
       <p:ext uri="{BB962C8B-B14F-4D97-AF65-F5344CB8AC3E}">
-        <p14:creationId xmlns:p14="http://schemas.microsoft.com/office/powerpoint/2010/main" val="4280476114"/>
+        <p14:creationId xmlns:p14="http://schemas.microsoft.com/office/powerpoint/2010/main" val="240711658"/>
       </p:ext>
     </p:extLst>
   </p:cSld>
   <p:clrMap bg1="lt1" tx1="dk1" bg2="lt2" tx2="dk2" accent1="accent1" accent2="accent2" accent3="accent3" accent4="accent4" accent5="accent5" accent6="accent6" hlink="hlink" folHlink="folHlink"/>
   <p:sldLayoutIdLst>
-    <p:sldLayoutId id="2147483975" r:id="rId1"/>
-    <p:sldLayoutId id="2147483976" r:id="rId2"/>
-    <p:sldLayoutId id="2147483977" r:id="rId3"/>
-    <p:sldLayoutId id="2147483978" r:id="rId4"/>
-    <p:sldLayoutId id="2147483979" r:id="rId5"/>
-    <p:sldLayoutId id="2147483980" r:id="rId6"/>
-    <p:sldLayoutId id="2147483981" r:id="rId7"/>
-    <p:sldLayoutId id="2147483982" r:id="rId8"/>
-    <p:sldLayoutId id="2147483983" r:id="rId9"/>
-    <p:sldLayoutId id="2147483984" r:id="rId10"/>
-    <p:sldLayoutId id="2147483985" r:id="rId11"/>
+    <p:sldLayoutId id="2147484023" r:id="rId1"/>
+    <p:sldLayoutId id="2147484024" r:id="rId2"/>
+    <p:sldLayoutId id="2147484025" r:id="rId3"/>
+    <p:sldLayoutId id="2147484026" r:id="rId4"/>
+    <p:sldLayoutId id="2147484027" r:id="rId5"/>
+    <p:sldLayoutId id="2147484028" r:id="rId6"/>
+    <p:sldLayoutId id="2147484029" r:id="rId7"/>
+    <p:sldLayoutId id="2147484030" r:id="rId8"/>
+    <p:sldLayoutId id="2147484031" r:id="rId9"/>
+    <p:sldLayoutId id="2147484032" r:id="rId10"/>
+    <p:sldLayoutId id="2147484033" r:id="rId11"/>
   </p:sldLayoutIdLst>
   <p:txStyles>
     <p:titleStyle>
@@ -5957,11 +5957,7 @@
           <a:p>
             <a:r>
               <a:rPr lang="en-US" dirty="0"/>
-              <a:t>Developing Integration Solutions using Microsoft BizTalk </a:t>
-            </a:r>
-            <a:r>
-              <a:rPr lang="en-US"/>
-              <a:t>Server 2013</a:t>
+              <a:t>Developing Integration Solutions using Microsoft BizTalk Server 2016</a:t>
             </a:r>
             <a:endParaRPr lang="en-GB" dirty="0"/>
           </a:p>
@@ -5986,58 +5982,6 @@
               <a:rPr lang="en-GB" dirty="0"/>
               <a:t>Schemas</a:t>
             </a:r>
-          </a:p>
-        </p:txBody>
-      </p:sp>
-      <p:sp>
-        <p:nvSpPr>
-          <p:cNvPr id="4101" name="Platshållare för datum 4"/>
-          <p:cNvSpPr>
-            <a:spLocks noGrp="1"/>
-          </p:cNvSpPr>
-          <p:nvPr>
-            <p:ph type="dt" sz="half" idx="10"/>
-          </p:nvPr>
-        </p:nvSpPr>
-        <p:spPr>
-          <a:xfrm>
-            <a:off x="790216" y="6350023"/>
-            <a:ext cx="1117487" cy="365125"/>
-          </a:xfrm>
-        </p:spPr>
-        <p:txBody>
-          <a:bodyPr/>
-          <a:lstStyle/>
-          <a:p>
-            <a:r>
-              <a:rPr lang="sv-SE" dirty="0"/>
-              <a:t>2010-01-11</a:t>
-            </a:r>
-            <a:endParaRPr lang="en-GB" dirty="0"/>
-          </a:p>
-        </p:txBody>
-      </p:sp>
-      <p:sp>
-        <p:nvSpPr>
-          <p:cNvPr id="4100" name="Platshållare för bildnummer 3"/>
-          <p:cNvSpPr>
-            <a:spLocks noGrp="1"/>
-          </p:cNvSpPr>
-          <p:nvPr>
-            <p:ph type="sldNum" sz="quarter" idx="12"/>
-          </p:nvPr>
-        </p:nvSpPr>
-        <p:spPr/>
-        <p:txBody>
-          <a:bodyPr/>
-          <a:lstStyle/>
-          <a:p>
-            <a:fld id="{C7263310-FD83-4AA7-B24E-B918A77480DB}" type="slidenum">
-              <a:rPr lang="en-GB" smtClean="0"/>
-              <a:pPr/>
-              <a:t>1</a:t>
-            </a:fld>
-            <a:endParaRPr lang="en-GB"/>
           </a:p>
         </p:txBody>
       </p:sp>
@@ -18358,7 +18302,7 @@
         </p:nvSpPr>
         <p:spPr bwMode="auto">
           <a:xfrm>
-            <a:off x="642938" y="1772816"/>
+            <a:off x="642938" y="1700808"/>
             <a:ext cx="7715250" cy="1008112"/>
           </a:xfrm>
           <a:prstGeom prst="roundRect">
@@ -18486,7 +18430,7 @@
               <a:defRPr/>
             </a:pPr>
             <a:r>
-              <a:rPr lang="en-US" b="1" dirty="0"/>
+              <a:rPr lang="en-US" sz="1700" b="1" dirty="0"/>
               <a:t>Module 2: Schemas</a:t>
             </a:r>
           </a:p>
@@ -18678,22 +18622,15 @@
               <a:defRPr/>
             </a:pPr>
             <a:r>
-              <a:rPr lang="en-US" sz="1500">
+              <a:rPr lang="en-US" sz="1500" dirty="0">
                 <a:solidFill>
                   <a:schemeClr val="bg1">
                     <a:lumMod val="65000"/>
                   </a:schemeClr>
                 </a:solidFill>
               </a:rPr>
-              <a:t>Module 14: Windows Azure BizTalk Services</a:t>
-            </a:r>
-            <a:endParaRPr lang="en-US" sz="1500" dirty="0">
-              <a:solidFill>
-                <a:schemeClr val="bg1">
-                  <a:lumMod val="65000"/>
-                </a:schemeClr>
-              </a:solidFill>
-            </a:endParaRPr>
+              <a:t>Extra modules</a:t>
+            </a:r>
           </a:p>
         </p:txBody>
       </p:sp>
@@ -26222,7 +26159,7 @@
         </p:nvSpPr>
         <p:spPr bwMode="auto">
           <a:xfrm rot="3286430" flipH="1">
-            <a:off x="4237037" y="4379913"/>
+            <a:off x="4161606" y="4954042"/>
             <a:ext cx="766763" cy="452438"/>
           </a:xfrm>
           <a:custGeom>
@@ -26838,7 +26775,7 @@
         </p:blipFill>
         <p:spPr bwMode="auto">
           <a:xfrm>
-            <a:off x="1443038" y="4133850"/>
+            <a:off x="1367607" y="4707979"/>
             <a:ext cx="3038475" cy="666750"/>
           </a:xfrm>
           <a:prstGeom prst="rect">
@@ -26928,7 +26865,7 @@
         </p:blipFill>
         <p:spPr bwMode="auto">
           <a:xfrm>
-            <a:off x="4572000" y="4876800"/>
+            <a:off x="4496569" y="5450929"/>
             <a:ext cx="914400" cy="738188"/>
           </a:xfrm>
           <a:prstGeom prst="rect">
@@ -26982,7 +26919,7 @@
         </p:blipFill>
         <p:spPr bwMode="auto">
           <a:xfrm>
-            <a:off x="428625" y="2876550"/>
+            <a:off x="353194" y="3450679"/>
             <a:ext cx="428625" cy="695325"/>
           </a:xfrm>
           <a:prstGeom prst="rect">
@@ -27023,7 +26960,7 @@
         </p:nvSpPr>
         <p:spPr bwMode="auto">
           <a:xfrm rot="75452" flipH="1">
-            <a:off x="582613" y="3317875"/>
+            <a:off x="507182" y="3892004"/>
             <a:ext cx="1163637" cy="1076325"/>
           </a:xfrm>
           <a:custGeom>
@@ -27706,7 +27643,7 @@
         </p:nvSpPr>
         <p:spPr bwMode="auto">
           <a:xfrm>
-            <a:off x="3571875" y="3162300"/>
+            <a:off x="3496444" y="3736429"/>
             <a:ext cx="1928813" cy="642938"/>
           </a:xfrm>
           <a:prstGeom prst="accentCallout1">
@@ -27790,7 +27727,7 @@
         </p:nvSpPr>
         <p:spPr bwMode="auto">
           <a:xfrm>
-            <a:off x="4143375" y="5591175"/>
+            <a:off x="4067944" y="6165304"/>
             <a:ext cx="1857375" cy="338138"/>
           </a:xfrm>
           <a:prstGeom prst="rect">
@@ -27948,7 +27885,7 @@
         </p:nvSpPr>
         <p:spPr>
           <a:xfrm>
-            <a:off x="214313" y="1214438"/>
+            <a:off x="138882" y="1788567"/>
             <a:ext cx="3683000" cy="1862137"/>
           </a:xfrm>
           <a:prstGeom prst="rect">
@@ -28498,7 +28435,7 @@
         </p:nvSpPr>
         <p:spPr>
           <a:xfrm>
-            <a:off x="5008563" y="4214813"/>
+            <a:off x="4933132" y="4788942"/>
             <a:ext cx="4249048" cy="338554"/>
           </a:xfrm>
           <a:prstGeom prst="rect">

--- a/Slides/Module 2 - Schemas.pptx
+++ b/Slides/Module 2 - Schemas.pptx
@@ -312,7 +312,7 @@
               <a:pPr>
                 <a:defRPr/>
               </a:pPr>
-              <a:t>09 December 2016</a:t>
+              <a:t>13 December 2016</a:t>
             </a:fld>
             <a:endParaRPr lang="de-DE"/>
           </a:p>
@@ -624,7 +624,7 @@
               <a:pPr>
                 <a:defRPr/>
               </a:pPr>
-              <a:t>9. Dezember 2016</a:t>
+              <a:t>13. Dezember 2016</a:t>
             </a:fld>
             <a:r>
               <a:rPr lang="de-DE"/>
@@ -942,7 +942,7 @@
               <a:pPr>
                 <a:defRPr/>
               </a:pPr>
-              <a:t>9. Dezember 2016</a:t>
+              <a:t>13. Dezember 2016</a:t>
             </a:fld>
             <a:r>
               <a:rPr lang="de-DE"/>
@@ -1066,7 +1066,7 @@
               <a:pPr>
                 <a:defRPr/>
               </a:pPr>
-              <a:t>9. Dezember 2016</a:t>
+              <a:t>13. Dezember 2016</a:t>
             </a:fld>
             <a:r>
               <a:rPr lang="de-DE"/>
@@ -1188,7 +1188,7 @@
               <a:pPr>
                 <a:defRPr/>
               </a:pPr>
-              <a:t>9. Dezember 2016</a:t>
+              <a:t>13. Dezember 2016</a:t>
             </a:fld>
             <a:r>
               <a:rPr lang="de-DE"/>
@@ -1718,7 +1718,7 @@
               <a:pPr>
                 <a:defRPr/>
               </a:pPr>
-              <a:t>9. Dezember 2016</a:t>
+              <a:t>13. Dezember 2016</a:t>
             </a:fld>
             <a:r>
               <a:rPr lang="de-DE"/>
@@ -1840,7 +1840,7 @@
               <a:pPr>
                 <a:defRPr/>
               </a:pPr>
-              <a:t>9. Dezember 2016</a:t>
+              <a:t>13. Dezember 2016</a:t>
             </a:fld>
             <a:r>
               <a:rPr lang="de-DE"/>
@@ -2021,7 +2021,7 @@
               <a:pPr>
                 <a:defRPr/>
               </a:pPr>
-              <a:t>9. Dezember 2016</a:t>
+              <a:t>13. Dezember 2016</a:t>
             </a:fld>
             <a:r>
               <a:rPr lang="de-DE"/>
@@ -2203,7 +2203,7 @@
               <a:pPr>
                 <a:defRPr/>
               </a:pPr>
-              <a:t>9. Dezember 2016</a:t>
+              <a:t>13. Dezember 2016</a:t>
             </a:fld>
             <a:r>
               <a:rPr lang="de-DE"/>
@@ -2349,7 +2349,7 @@
               <a:pPr>
                 <a:defRPr/>
               </a:pPr>
-              <a:t>9. Dezember 2016</a:t>
+              <a:t>13. Dezember 2016</a:t>
             </a:fld>
             <a:r>
               <a:rPr lang="de-DE"/>
@@ -2479,7 +2479,7 @@
               <a:pPr>
                 <a:defRPr/>
               </a:pPr>
-              <a:t>9. Dezember 2016</a:t>
+              <a:t>13. Dezember 2016</a:t>
             </a:fld>
             <a:r>
               <a:rPr lang="de-DE"/>
@@ -2754,7 +2754,7 @@
               <a:pPr>
                 <a:defRPr/>
               </a:pPr>
-              <a:t>9. Dezember 2016</a:t>
+              <a:t>13. Dezember 2016</a:t>
             </a:fld>
             <a:r>
               <a:rPr lang="de-DE"/>
@@ -3032,7 +3032,7 @@
               <a:pPr>
                 <a:defRPr/>
               </a:pPr>
-              <a:t>9. Dezember 2016</a:t>
+              <a:t>13. Dezember 2016</a:t>
             </a:fld>
             <a:r>
               <a:rPr lang="de-DE"/>
@@ -3128,7 +3128,6 @@
               <a:rPr lang="en-US"/>
               <a:t>Click to edit Master title style</a:t>
             </a:r>
-            <a:endParaRPr lang="en-US"/>
           </a:p>
         </p:txBody>
       </p:sp>
@@ -3193,7 +3192,6 @@
               <a:rPr lang="en-US"/>
               <a:t>Click to edit Master subtitle style</a:t>
             </a:r>
-            <a:endParaRPr lang="en-US"/>
           </a:p>
         </p:txBody>
       </p:sp>
@@ -3214,7 +3212,7 @@
           <a:p>
             <a:fld id="{076141BC-180D-4B6E-943F-01699F625B70}" type="datetimeFigureOut">
               <a:rPr lang="en-US" smtClean="0"/>
-              <a:t>12/9/2016</a:t>
+              <a:t>12/13/2016</a:t>
             </a:fld>
             <a:endParaRPr lang="en-US"/>
           </a:p>
@@ -3311,7 +3309,6 @@
               <a:rPr lang="en-US"/>
               <a:t>Click to edit Master title style</a:t>
             </a:r>
-            <a:endParaRPr lang="en-US"/>
           </a:p>
         </p:txBody>
       </p:sp>
@@ -3363,7 +3360,6 @@
               <a:rPr lang="en-US"/>
               <a:t>Fifth level</a:t>
             </a:r>
-            <a:endParaRPr lang="en-US"/>
           </a:p>
         </p:txBody>
       </p:sp>
@@ -3384,7 +3380,7 @@
           <a:p>
             <a:fld id="{076141BC-180D-4B6E-943F-01699F625B70}" type="datetimeFigureOut">
               <a:rPr lang="en-US" smtClean="0"/>
-              <a:t>12/9/2016</a:t>
+              <a:t>12/13/2016</a:t>
             </a:fld>
             <a:endParaRPr lang="en-US"/>
           </a:p>
@@ -3486,7 +3482,6 @@
               <a:rPr lang="en-US"/>
               <a:t>Click to edit Master title style</a:t>
             </a:r>
-            <a:endParaRPr lang="en-US"/>
           </a:p>
         </p:txBody>
       </p:sp>
@@ -3543,7 +3538,6 @@
               <a:rPr lang="en-US"/>
               <a:t>Fifth level</a:t>
             </a:r>
-            <a:endParaRPr lang="en-US"/>
           </a:p>
         </p:txBody>
       </p:sp>
@@ -3564,7 +3558,7 @@
           <a:p>
             <a:fld id="{076141BC-180D-4B6E-943F-01699F625B70}" type="datetimeFigureOut">
               <a:rPr lang="en-US" smtClean="0"/>
-              <a:t>12/9/2016</a:t>
+              <a:t>12/13/2016</a:t>
             </a:fld>
             <a:endParaRPr lang="en-US"/>
           </a:p>
@@ -3661,7 +3655,6 @@
               <a:rPr lang="en-US"/>
               <a:t>Click to edit Master title style</a:t>
             </a:r>
-            <a:endParaRPr lang="en-US"/>
           </a:p>
         </p:txBody>
       </p:sp>
@@ -3713,7 +3706,6 @@
               <a:rPr lang="en-US"/>
               <a:t>Fifth level</a:t>
             </a:r>
-            <a:endParaRPr lang="en-US"/>
           </a:p>
         </p:txBody>
       </p:sp>
@@ -3734,7 +3726,7 @@
           <a:p>
             <a:fld id="{076141BC-180D-4B6E-943F-01699F625B70}" type="datetimeFigureOut">
               <a:rPr lang="en-US" smtClean="0"/>
-              <a:t>12/9/2016</a:t>
+              <a:t>12/13/2016</a:t>
             </a:fld>
             <a:endParaRPr lang="en-US"/>
           </a:p>
@@ -3840,7 +3832,6 @@
               <a:rPr lang="en-US"/>
               <a:t>Click to edit Master title style</a:t>
             </a:r>
-            <a:endParaRPr lang="en-US"/>
           </a:p>
         </p:txBody>
       </p:sp>
@@ -3980,7 +3971,7 @@
           <a:p>
             <a:fld id="{076141BC-180D-4B6E-943F-01699F625B70}" type="datetimeFigureOut">
               <a:rPr lang="en-US" smtClean="0"/>
-              <a:t>12/9/2016</a:t>
+              <a:t>12/13/2016</a:t>
             </a:fld>
             <a:endParaRPr lang="en-US"/>
           </a:p>
@@ -4077,7 +4068,6 @@
               <a:rPr lang="en-US"/>
               <a:t>Click to edit Master title style</a:t>
             </a:r>
-            <a:endParaRPr lang="en-US"/>
           </a:p>
         </p:txBody>
       </p:sp>
@@ -4134,7 +4124,6 @@
               <a:rPr lang="en-US"/>
               <a:t>Fifth level</a:t>
             </a:r>
-            <a:endParaRPr lang="en-US"/>
           </a:p>
         </p:txBody>
       </p:sp>
@@ -4191,7 +4180,6 @@
               <a:rPr lang="en-US"/>
               <a:t>Fifth level</a:t>
             </a:r>
-            <a:endParaRPr lang="en-US"/>
           </a:p>
         </p:txBody>
       </p:sp>
@@ -4212,7 +4200,7 @@
           <a:p>
             <a:fld id="{076141BC-180D-4B6E-943F-01699F625B70}" type="datetimeFigureOut">
               <a:rPr lang="en-US" smtClean="0"/>
-              <a:t>12/9/2016</a:t>
+              <a:t>12/13/2016</a:t>
             </a:fld>
             <a:endParaRPr lang="en-US"/>
           </a:p>
@@ -4314,7 +4302,6 @@
               <a:rPr lang="en-US"/>
               <a:t>Click to edit Master title style</a:t>
             </a:r>
-            <a:endParaRPr lang="en-US"/>
           </a:p>
         </p:txBody>
       </p:sp>
@@ -4436,7 +4423,6 @@
               <a:rPr lang="en-US"/>
               <a:t>Fifth level</a:t>
             </a:r>
-            <a:endParaRPr lang="en-US"/>
           </a:p>
         </p:txBody>
       </p:sp>
@@ -4558,7 +4544,6 @@
               <a:rPr lang="en-US"/>
               <a:t>Fifth level</a:t>
             </a:r>
-            <a:endParaRPr lang="en-US"/>
           </a:p>
         </p:txBody>
       </p:sp>
@@ -4579,7 +4564,7 @@
           <a:p>
             <a:fld id="{076141BC-180D-4B6E-943F-01699F625B70}" type="datetimeFigureOut">
               <a:rPr lang="en-US" smtClean="0"/>
-              <a:t>12/9/2016</a:t>
+              <a:t>12/13/2016</a:t>
             </a:fld>
             <a:endParaRPr lang="en-US"/>
           </a:p>
@@ -4676,7 +4661,6 @@
               <a:rPr lang="en-US"/>
               <a:t>Click to edit Master title style</a:t>
             </a:r>
-            <a:endParaRPr lang="en-US"/>
           </a:p>
         </p:txBody>
       </p:sp>
@@ -4697,7 +4681,7 @@
           <a:p>
             <a:fld id="{076141BC-180D-4B6E-943F-01699F625B70}" type="datetimeFigureOut">
               <a:rPr lang="en-US" smtClean="0"/>
-              <a:t>12/9/2016</a:t>
+              <a:t>12/13/2016</a:t>
             </a:fld>
             <a:endParaRPr lang="en-US"/>
           </a:p>
@@ -4792,7 +4776,7 @@
           <a:p>
             <a:fld id="{076141BC-180D-4B6E-943F-01699F625B70}" type="datetimeFigureOut">
               <a:rPr lang="en-US" smtClean="0"/>
-              <a:t>12/9/2016</a:t>
+              <a:t>12/13/2016</a:t>
             </a:fld>
             <a:endParaRPr lang="en-US"/>
           </a:p>
@@ -4898,7 +4882,6 @@
               <a:rPr lang="en-US"/>
               <a:t>Click to edit Master title style</a:t>
             </a:r>
-            <a:endParaRPr lang="en-US"/>
           </a:p>
         </p:txBody>
       </p:sp>
@@ -4983,7 +4966,6 @@
               <a:rPr lang="en-US"/>
               <a:t>Fifth level</a:t>
             </a:r>
-            <a:endParaRPr lang="en-US"/>
           </a:p>
         </p:txBody>
       </p:sp>
@@ -5069,7 +5051,7 @@
           <a:p>
             <a:fld id="{076141BC-180D-4B6E-943F-01699F625B70}" type="datetimeFigureOut">
               <a:rPr lang="en-US" smtClean="0"/>
-              <a:t>12/9/2016</a:t>
+              <a:t>12/13/2016</a:t>
             </a:fld>
             <a:endParaRPr lang="en-US"/>
           </a:p>
@@ -5175,7 +5157,6 @@
               <a:rPr lang="en-US"/>
               <a:t>Click to edit Master title style</a:t>
             </a:r>
-            <a:endParaRPr lang="en-US"/>
           </a:p>
         </p:txBody>
       </p:sp>
@@ -5322,7 +5303,7 @@
           <a:p>
             <a:fld id="{076141BC-180D-4B6E-943F-01699F625B70}" type="datetimeFigureOut">
               <a:rPr lang="en-US" smtClean="0"/>
-              <a:t>12/9/2016</a:t>
+              <a:t>12/13/2016</a:t>
             </a:fld>
             <a:endParaRPr lang="en-US"/>
           </a:p>
@@ -5434,7 +5415,6 @@
               <a:rPr lang="en-US"/>
               <a:t>Click to edit Master title style</a:t>
             </a:r>
-            <a:endParaRPr lang="en-US"/>
           </a:p>
         </p:txBody>
       </p:sp>
@@ -5496,7 +5476,6 @@
               <a:rPr lang="en-US"/>
               <a:t>Fifth level</a:t>
             </a:r>
-            <a:endParaRPr lang="en-US"/>
           </a:p>
         </p:txBody>
       </p:sp>
@@ -5535,7 +5514,7 @@
           <a:p>
             <a:fld id="{076141BC-180D-4B6E-943F-01699F625B70}" type="datetimeFigureOut">
               <a:rPr lang="en-US" smtClean="0"/>
-              <a:t>12/9/2016</a:t>
+              <a:t>12/13/2016</a:t>
             </a:fld>
             <a:endParaRPr lang="en-US"/>
           </a:p>
@@ -5979,9 +5958,10 @@
           <a:lstStyle/>
           <a:p>
             <a:r>
-              <a:rPr lang="en-GB" dirty="0"/>
-              <a:t>Schemas</a:t>
-            </a:r>
+              <a:rPr lang="en-GB"/>
+              <a:t>Schemas </a:t>
+            </a:r>
+            <a:endParaRPr lang="en-GB" dirty="0"/>
           </a:p>
         </p:txBody>
       </p:sp>

--- a/Slides/Module 2 - Schemas.pptx
+++ b/Slides/Module 2 - Schemas.pptx
@@ -3,39 +3,40 @@
 <p:presentation xmlns:a="http://schemas.openxmlformats.org/drawingml/2006/main" xmlns:r="http://schemas.openxmlformats.org/officeDocument/2006/relationships" xmlns:p="http://schemas.openxmlformats.org/presentationml/2006/main" saveSubsetFonts="1">
   <p:sldMasterIdLst>
     <p:sldMasterId id="2147484022" r:id="rId2"/>
+    <p:sldMasterId id="2147484034" r:id="rId3"/>
   </p:sldMasterIdLst>
   <p:notesMasterIdLst>
-    <p:notesMasterId r:id="rId28"/>
+    <p:notesMasterId r:id="rId29"/>
   </p:notesMasterIdLst>
   <p:handoutMasterIdLst>
-    <p:handoutMasterId r:id="rId29"/>
+    <p:handoutMasterId r:id="rId30"/>
   </p:handoutMasterIdLst>
   <p:sldIdLst>
-    <p:sldId id="309" r:id="rId3"/>
-    <p:sldId id="276" r:id="rId4"/>
-    <p:sldId id="279" r:id="rId5"/>
-    <p:sldId id="315" r:id="rId6"/>
-    <p:sldId id="288" r:id="rId7"/>
-    <p:sldId id="289" r:id="rId8"/>
-    <p:sldId id="316" r:id="rId9"/>
-    <p:sldId id="291" r:id="rId10"/>
-    <p:sldId id="292" r:id="rId11"/>
-    <p:sldId id="293" r:id="rId12"/>
-    <p:sldId id="294" r:id="rId13"/>
-    <p:sldId id="317" r:id="rId14"/>
-    <p:sldId id="300" r:id="rId15"/>
-    <p:sldId id="310" r:id="rId16"/>
-    <p:sldId id="298" r:id="rId17"/>
-    <p:sldId id="296" r:id="rId18"/>
-    <p:sldId id="301" r:id="rId19"/>
-    <p:sldId id="302" r:id="rId20"/>
-    <p:sldId id="303" r:id="rId21"/>
-    <p:sldId id="304" r:id="rId22"/>
-    <p:sldId id="305" r:id="rId23"/>
-    <p:sldId id="311" r:id="rId24"/>
-    <p:sldId id="312" r:id="rId25"/>
-    <p:sldId id="313" r:id="rId26"/>
-    <p:sldId id="314" r:id="rId27"/>
+    <p:sldId id="309" r:id="rId4"/>
+    <p:sldId id="276" r:id="rId5"/>
+    <p:sldId id="279" r:id="rId6"/>
+    <p:sldId id="315" r:id="rId7"/>
+    <p:sldId id="288" r:id="rId8"/>
+    <p:sldId id="289" r:id="rId9"/>
+    <p:sldId id="316" r:id="rId10"/>
+    <p:sldId id="291" r:id="rId11"/>
+    <p:sldId id="292" r:id="rId12"/>
+    <p:sldId id="293" r:id="rId13"/>
+    <p:sldId id="294" r:id="rId14"/>
+    <p:sldId id="317" r:id="rId15"/>
+    <p:sldId id="300" r:id="rId16"/>
+    <p:sldId id="310" r:id="rId17"/>
+    <p:sldId id="298" r:id="rId18"/>
+    <p:sldId id="296" r:id="rId19"/>
+    <p:sldId id="301" r:id="rId20"/>
+    <p:sldId id="302" r:id="rId21"/>
+    <p:sldId id="303" r:id="rId22"/>
+    <p:sldId id="304" r:id="rId23"/>
+    <p:sldId id="305" r:id="rId24"/>
+    <p:sldId id="311" r:id="rId25"/>
+    <p:sldId id="312" r:id="rId26"/>
+    <p:sldId id="313" r:id="rId27"/>
+    <p:sldId id="314" r:id="rId28"/>
   </p:sldIdLst>
   <p:sldSz cx="9144000" cy="6858000" type="screen4x3"/>
   <p:notesSz cx="6858000" cy="9144000"/>
@@ -312,7 +313,7 @@
               <a:pPr>
                 <a:defRPr/>
               </a:pPr>
-              <a:t>13 December 2016</a:t>
+              <a:t>16 December 2016</a:t>
             </a:fld>
             <a:endParaRPr lang="de-DE"/>
           </a:p>
@@ -624,7 +625,7 @@
               <a:pPr>
                 <a:defRPr/>
               </a:pPr>
-              <a:t>13. Dezember 2016</a:t>
+              <a:t>16. Dezember 2016</a:t>
             </a:fld>
             <a:r>
               <a:rPr lang="de-DE"/>
@@ -942,7 +943,7 @@
               <a:pPr>
                 <a:defRPr/>
               </a:pPr>
-              <a:t>13. Dezember 2016</a:t>
+              <a:t>16. Dezember 2016</a:t>
             </a:fld>
             <a:r>
               <a:rPr lang="de-DE"/>
@@ -1066,7 +1067,7 @@
               <a:pPr>
                 <a:defRPr/>
               </a:pPr>
-              <a:t>13. Dezember 2016</a:t>
+              <a:t>16. Dezember 2016</a:t>
             </a:fld>
             <a:r>
               <a:rPr lang="de-DE"/>
@@ -1188,7 +1189,7 @@
               <a:pPr>
                 <a:defRPr/>
               </a:pPr>
-              <a:t>13. Dezember 2016</a:t>
+              <a:t>16. Dezember 2016</a:t>
             </a:fld>
             <a:r>
               <a:rPr lang="de-DE"/>
@@ -1718,7 +1719,7 @@
               <a:pPr>
                 <a:defRPr/>
               </a:pPr>
-              <a:t>13. Dezember 2016</a:t>
+              <a:t>16. Dezember 2016</a:t>
             </a:fld>
             <a:r>
               <a:rPr lang="de-DE"/>
@@ -1840,7 +1841,7 @@
               <a:pPr>
                 <a:defRPr/>
               </a:pPr>
-              <a:t>13. Dezember 2016</a:t>
+              <a:t>16. Dezember 2016</a:t>
             </a:fld>
             <a:r>
               <a:rPr lang="de-DE"/>
@@ -2021,7 +2022,7 @@
               <a:pPr>
                 <a:defRPr/>
               </a:pPr>
-              <a:t>13. Dezember 2016</a:t>
+              <a:t>16. Dezember 2016</a:t>
             </a:fld>
             <a:r>
               <a:rPr lang="de-DE"/>
@@ -2203,7 +2204,7 @@
               <a:pPr>
                 <a:defRPr/>
               </a:pPr>
-              <a:t>13. Dezember 2016</a:t>
+              <a:t>16. Dezember 2016</a:t>
             </a:fld>
             <a:r>
               <a:rPr lang="de-DE"/>
@@ -2349,7 +2350,7 @@
               <a:pPr>
                 <a:defRPr/>
               </a:pPr>
-              <a:t>13. Dezember 2016</a:t>
+              <a:t>16. Dezember 2016</a:t>
             </a:fld>
             <a:r>
               <a:rPr lang="de-DE"/>
@@ -2479,7 +2480,7 @@
               <a:pPr>
                 <a:defRPr/>
               </a:pPr>
-              <a:t>13. Dezember 2016</a:t>
+              <a:t>16. Dezember 2016</a:t>
             </a:fld>
             <a:r>
               <a:rPr lang="de-DE"/>
@@ -2754,7 +2755,7 @@
               <a:pPr>
                 <a:defRPr/>
               </a:pPr>
-              <a:t>13. Dezember 2016</a:t>
+              <a:t>16. Dezember 2016</a:t>
             </a:fld>
             <a:r>
               <a:rPr lang="de-DE"/>
@@ -3032,7 +3033,7 @@
               <a:pPr>
                 <a:defRPr/>
               </a:pPr>
-              <a:t>13. Dezember 2016</a:t>
+              <a:t>16. Dezember 2016</a:t>
             </a:fld>
             <a:r>
               <a:rPr lang="de-DE"/>
@@ -3212,7 +3213,7 @@
           <a:p>
             <a:fld id="{076141BC-180D-4B6E-943F-01699F625B70}" type="datetimeFigureOut">
               <a:rPr lang="en-US" smtClean="0"/>
-              <a:t>12/13/2016</a:t>
+              <a:t>12/16/2016</a:t>
             </a:fld>
             <a:endParaRPr lang="en-US"/>
           </a:p>
@@ -3380,7 +3381,7 @@
           <a:p>
             <a:fld id="{076141BC-180D-4B6E-943F-01699F625B70}" type="datetimeFigureOut">
               <a:rPr lang="en-US" smtClean="0"/>
-              <a:t>12/13/2016</a:t>
+              <a:t>12/16/2016</a:t>
             </a:fld>
             <a:endParaRPr lang="en-US"/>
           </a:p>
@@ -3558,7 +3559,7 @@
           <a:p>
             <a:fld id="{076141BC-180D-4B6E-943F-01699F625B70}" type="datetimeFigureOut">
               <a:rPr lang="en-US" smtClean="0"/>
-              <a:t>12/13/2016</a:t>
+              <a:t>12/16/2016</a:t>
             </a:fld>
             <a:endParaRPr lang="en-US"/>
           </a:p>
@@ -3610,6 +3611,1282 @@
     <p:extLst>
       <p:ext uri="{BB962C8B-B14F-4D97-AF65-F5344CB8AC3E}">
         <p14:creationId xmlns:p14="http://schemas.microsoft.com/office/powerpoint/2010/main" val="2124667242"/>
+      </p:ext>
+    </p:extLst>
+  </p:cSld>
+  <p:clrMapOvr>
+    <a:masterClrMapping/>
+  </p:clrMapOvr>
+</p:sldLayout>
+</file>
+
+<file path=ppt/slideLayouts/slideLayout12.xml><?xml version="1.0" encoding="utf-8"?>
+<p:sldLayout xmlns:a="http://schemas.openxmlformats.org/drawingml/2006/main" xmlns:r="http://schemas.openxmlformats.org/officeDocument/2006/relationships" xmlns:p="http://schemas.openxmlformats.org/presentationml/2006/main" showMasterSp="0" type="title" preserve="1">
+  <p:cSld name="Rubrikbild">
+    <p:bg>
+      <p:bgPr>
+        <a:solidFill>
+          <a:schemeClr val="tx1"/>
+        </a:solidFill>
+        <a:effectLst/>
+      </p:bgPr>
+    </p:bg>
+    <p:spTree>
+      <p:nvGrpSpPr>
+        <p:cNvPr id="1" name=""/>
+        <p:cNvGrpSpPr/>
+        <p:nvPr/>
+      </p:nvGrpSpPr>
+      <p:grpSpPr>
+        <a:xfrm>
+          <a:off x="0" y="0"/>
+          <a:ext cx="0" cy="0"/>
+          <a:chOff x="0" y="0"/>
+          <a:chExt cx="0" cy="0"/>
+        </a:xfrm>
+      </p:grpSpPr>
+      <p:sp>
+        <p:nvSpPr>
+          <p:cNvPr id="9" name="Line 9"/>
+          <p:cNvSpPr>
+            <a:spLocks noChangeShapeType="1"/>
+          </p:cNvSpPr>
+          <p:nvPr/>
+        </p:nvSpPr>
+        <p:spPr bwMode="gray">
+          <a:xfrm>
+            <a:off x="1835150" y="4221163"/>
+            <a:ext cx="7308850" cy="0"/>
+          </a:xfrm>
+          <a:prstGeom prst="line">
+            <a:avLst/>
+          </a:prstGeom>
+          <a:noFill/>
+          <a:ln w="19050">
+            <a:solidFill>
+              <a:schemeClr val="bg2"/>
+            </a:solidFill>
+            <a:round/>
+            <a:headEnd/>
+            <a:tailEnd/>
+          </a:ln>
+          <a:effectLst/>
+        </p:spPr>
+        <p:txBody>
+          <a:bodyPr/>
+          <a:lstStyle/>
+          <a:p>
+            <a:pPr algn="ctr">
+              <a:buClr>
+                <a:schemeClr val="bg2"/>
+              </a:buClr>
+              <a:defRPr/>
+            </a:pPr>
+            <a:endParaRPr lang="sv-SE">
+              <a:cs typeface="+mn-cs"/>
+            </a:endParaRPr>
+          </a:p>
+        </p:txBody>
+      </p:sp>
+      <p:sp>
+        <p:nvSpPr>
+          <p:cNvPr id="5122" name="Rectangle 2"/>
+          <p:cNvSpPr>
+            <a:spLocks noGrp="1" noChangeArrowheads="1"/>
+          </p:cNvSpPr>
+          <p:nvPr>
+            <p:ph type="subTitle" idx="1"/>
+          </p:nvPr>
+        </p:nvSpPr>
+        <p:spPr>
+          <a:xfrm>
+            <a:off x="1835150" y="4221163"/>
+            <a:ext cx="6913563" cy="1800225"/>
+          </a:xfrm>
+        </p:spPr>
+        <p:txBody>
+          <a:bodyPr tIns="118800" bIns="45720"/>
+          <a:lstStyle>
+            <a:lvl1pPr marL="0" indent="0">
+              <a:buFontTx/>
+              <a:buNone/>
+              <a:defRPr sz="1600" b="1">
+                <a:solidFill>
+                  <a:schemeClr val="accent1"/>
+                </a:solidFill>
+              </a:defRPr>
+            </a:lvl1pPr>
+          </a:lstStyle>
+          <a:p>
+            <a:r>
+              <a:rPr lang="en-US"/>
+              <a:t>Click to edit Master subtitle style</a:t>
+            </a:r>
+            <a:endParaRPr lang="en-GB" dirty="0"/>
+          </a:p>
+        </p:txBody>
+      </p:sp>
+      <p:sp>
+        <p:nvSpPr>
+          <p:cNvPr id="5123" name="Rectangle 3"/>
+          <p:cNvSpPr>
+            <a:spLocks noGrp="1" noChangeArrowheads="1"/>
+          </p:cNvSpPr>
+          <p:nvPr>
+            <p:ph type="ctrTitle"/>
+          </p:nvPr>
+        </p:nvSpPr>
+        <p:spPr>
+          <a:xfrm>
+            <a:off x="1835150" y="3500438"/>
+            <a:ext cx="6913563" cy="720725"/>
+          </a:xfrm>
+        </p:spPr>
+        <p:txBody>
+          <a:bodyPr tIns="45720" bIns="82800" anchor="b"/>
+          <a:lstStyle>
+            <a:lvl1pPr>
+              <a:defRPr sz="2800">
+                <a:solidFill>
+                  <a:schemeClr val="accent1"/>
+                </a:solidFill>
+              </a:defRPr>
+            </a:lvl1pPr>
+          </a:lstStyle>
+          <a:p>
+            <a:r>
+              <a:rPr lang="en-US"/>
+              <a:t>Click to edit Master title style</a:t>
+            </a:r>
+            <a:endParaRPr lang="en-GB" dirty="0"/>
+          </a:p>
+        </p:txBody>
+      </p:sp>
+    </p:spTree>
+    <p:extLst>
+      <p:ext uri="{BB962C8B-B14F-4D97-AF65-F5344CB8AC3E}">
+        <p14:creationId xmlns:p14="http://schemas.microsoft.com/office/powerpoint/2010/main" val="1525383840"/>
+      </p:ext>
+    </p:extLst>
+  </p:cSld>
+  <p:clrMapOvr>
+    <a:masterClrMapping/>
+  </p:clrMapOvr>
+</p:sldLayout>
+</file>
+
+<file path=ppt/slideLayouts/slideLayout13.xml><?xml version="1.0" encoding="utf-8"?>
+<p:sldLayout xmlns:a="http://schemas.openxmlformats.org/drawingml/2006/main" xmlns:r="http://schemas.openxmlformats.org/officeDocument/2006/relationships" xmlns:p="http://schemas.openxmlformats.org/presentationml/2006/main" type="secHead" preserve="1">
+  <p:cSld name="Avsnittsrubrik">
+    <p:bg>
+      <p:bgPr>
+        <a:solidFill>
+          <a:schemeClr val="tx2">
+            <a:lumMod val="50000"/>
+          </a:schemeClr>
+        </a:solidFill>
+        <a:effectLst/>
+      </p:bgPr>
+    </p:bg>
+    <p:spTree>
+      <p:nvGrpSpPr>
+        <p:cNvPr id="1" name=""/>
+        <p:cNvGrpSpPr/>
+        <p:nvPr/>
+      </p:nvGrpSpPr>
+      <p:grpSpPr>
+        <a:xfrm>
+          <a:off x="0" y="0"/>
+          <a:ext cx="0" cy="0"/>
+          <a:chOff x="0" y="0"/>
+          <a:chExt cx="0" cy="0"/>
+        </a:xfrm>
+      </p:grpSpPr>
+      <p:sp>
+        <p:nvSpPr>
+          <p:cNvPr id="2" name="Title 1"/>
+          <p:cNvSpPr>
+            <a:spLocks noGrp="1"/>
+          </p:cNvSpPr>
+          <p:nvPr>
+            <p:ph type="title"/>
+          </p:nvPr>
+        </p:nvSpPr>
+        <p:spPr>
+          <a:xfrm>
+            <a:off x="722313" y="4406900"/>
+            <a:ext cx="7772400" cy="1362075"/>
+          </a:xfrm>
+        </p:spPr>
+        <p:txBody>
+          <a:bodyPr anchor="t"/>
+          <a:lstStyle>
+            <a:lvl1pPr algn="l">
+              <a:defRPr sz="4000" b="1" cap="all">
+                <a:solidFill>
+                  <a:schemeClr val="bg1"/>
+                </a:solidFill>
+              </a:defRPr>
+            </a:lvl1pPr>
+          </a:lstStyle>
+          <a:p>
+            <a:r>
+              <a:rPr lang="en-US"/>
+              <a:t>Click to edit Master title style</a:t>
+            </a:r>
+            <a:endParaRPr lang="sv-SE" dirty="0"/>
+          </a:p>
+        </p:txBody>
+      </p:sp>
+      <p:sp>
+        <p:nvSpPr>
+          <p:cNvPr id="3" name="Text Placeholder 2"/>
+          <p:cNvSpPr>
+            <a:spLocks noGrp="1"/>
+          </p:cNvSpPr>
+          <p:nvPr>
+            <p:ph type="body" idx="1"/>
+          </p:nvPr>
+        </p:nvSpPr>
+        <p:spPr>
+          <a:xfrm>
+            <a:off x="722313" y="2906713"/>
+            <a:ext cx="7772400" cy="1500187"/>
+          </a:xfrm>
+        </p:spPr>
+        <p:txBody>
+          <a:bodyPr anchor="b"/>
+          <a:lstStyle>
+            <a:lvl1pPr marL="0" indent="0">
+              <a:buNone/>
+              <a:defRPr sz="2000">
+                <a:solidFill>
+                  <a:schemeClr val="bg1"/>
+                </a:solidFill>
+              </a:defRPr>
+            </a:lvl1pPr>
+            <a:lvl2pPr marL="457200" indent="0">
+              <a:buNone/>
+              <a:defRPr sz="1800"/>
+            </a:lvl2pPr>
+            <a:lvl3pPr marL="914400" indent="0">
+              <a:buNone/>
+              <a:defRPr sz="1600"/>
+            </a:lvl3pPr>
+            <a:lvl4pPr marL="1371600" indent="0">
+              <a:buNone/>
+              <a:defRPr sz="1400"/>
+            </a:lvl4pPr>
+            <a:lvl5pPr marL="1828800" indent="0">
+              <a:buNone/>
+              <a:defRPr sz="1400"/>
+            </a:lvl5pPr>
+            <a:lvl6pPr marL="2286000" indent="0">
+              <a:buNone/>
+              <a:defRPr sz="1400"/>
+            </a:lvl6pPr>
+            <a:lvl7pPr marL="2743200" indent="0">
+              <a:buNone/>
+              <a:defRPr sz="1400"/>
+            </a:lvl7pPr>
+            <a:lvl8pPr marL="3200400" indent="0">
+              <a:buNone/>
+              <a:defRPr sz="1400"/>
+            </a:lvl8pPr>
+            <a:lvl9pPr marL="3657600" indent="0">
+              <a:buNone/>
+              <a:defRPr sz="1400"/>
+            </a:lvl9pPr>
+          </a:lstStyle>
+          <a:p>
+            <a:pPr lvl="0"/>
+            <a:r>
+              <a:rPr lang="en-US"/>
+              <a:t>Edit Master text styles</a:t>
+            </a:r>
+          </a:p>
+        </p:txBody>
+      </p:sp>
+      <p:sp>
+        <p:nvSpPr>
+          <p:cNvPr id="10" name="Platshållare för bildnummer 5"/>
+          <p:cNvSpPr>
+            <a:spLocks noGrp="1"/>
+          </p:cNvSpPr>
+          <p:nvPr>
+            <p:ph type="sldNum" sz="quarter" idx="4"/>
+          </p:nvPr>
+        </p:nvSpPr>
+        <p:spPr>
+          <a:xfrm>
+            <a:off x="4680064" y="6350023"/>
+            <a:ext cx="468000" cy="365125"/>
+          </a:xfrm>
+          <a:prstGeom prst="rect">
+            <a:avLst/>
+          </a:prstGeom>
+        </p:spPr>
+        <p:txBody>
+          <a:bodyPr vert="horz" lIns="91440" tIns="45720" rIns="91440" bIns="45720" rtlCol="0" anchor="ctr"/>
+          <a:lstStyle>
+            <a:lvl1pPr algn="r">
+              <a:defRPr sz="900">
+                <a:solidFill>
+                  <a:schemeClr val="bg1"/>
+                </a:solidFill>
+                <a:latin typeface="Verdana" pitchFamily="34" charset="0"/>
+                <a:ea typeface="Verdana" pitchFamily="34" charset="0"/>
+                <a:cs typeface="Verdana" pitchFamily="34" charset="0"/>
+              </a:defRPr>
+            </a:lvl1pPr>
+          </a:lstStyle>
+          <a:p>
+            <a:fld id="{CCAA386F-3D15-4B92-B297-DF453D3056C9}" type="slidenum">
+              <a:rPr lang="en-US" smtClean="0"/>
+              <a:t>‹#›</a:t>
+            </a:fld>
+            <a:endParaRPr lang="en-US"/>
+          </a:p>
+        </p:txBody>
+      </p:sp>
+    </p:spTree>
+    <p:extLst>
+      <p:ext uri="{BB962C8B-B14F-4D97-AF65-F5344CB8AC3E}">
+        <p14:creationId xmlns:p14="http://schemas.microsoft.com/office/powerpoint/2010/main" val="2205494851"/>
+      </p:ext>
+    </p:extLst>
+  </p:cSld>
+  <p:clrMapOvr>
+    <a:masterClrMapping/>
+  </p:clrMapOvr>
+</p:sldLayout>
+</file>
+
+<file path=ppt/slideLayouts/slideLayout14.xml><?xml version="1.0" encoding="utf-8"?>
+<p:sldLayout xmlns:a="http://schemas.openxmlformats.org/drawingml/2006/main" xmlns:r="http://schemas.openxmlformats.org/officeDocument/2006/relationships" xmlns:p="http://schemas.openxmlformats.org/presentationml/2006/main" type="obj" preserve="1">
+  <p:cSld name="Rubrik och innehåll">
+    <p:spTree>
+      <p:nvGrpSpPr>
+        <p:cNvPr id="1" name=""/>
+        <p:cNvGrpSpPr/>
+        <p:nvPr/>
+      </p:nvGrpSpPr>
+      <p:grpSpPr>
+        <a:xfrm>
+          <a:off x="0" y="0"/>
+          <a:ext cx="0" cy="0"/>
+          <a:chOff x="0" y="0"/>
+          <a:chExt cx="0" cy="0"/>
+        </a:xfrm>
+      </p:grpSpPr>
+      <p:sp>
+        <p:nvSpPr>
+          <p:cNvPr id="2" name="Title 1"/>
+          <p:cNvSpPr>
+            <a:spLocks noGrp="1"/>
+          </p:cNvSpPr>
+          <p:nvPr>
+            <p:ph type="title"/>
+          </p:nvPr>
+        </p:nvSpPr>
+        <p:spPr/>
+        <p:txBody>
+          <a:bodyPr/>
+          <a:lstStyle/>
+          <a:p>
+            <a:r>
+              <a:rPr lang="en-US"/>
+              <a:t>Click to edit Master title style</a:t>
+            </a:r>
+            <a:endParaRPr lang="sv-SE"/>
+          </a:p>
+        </p:txBody>
+      </p:sp>
+      <p:sp>
+        <p:nvSpPr>
+          <p:cNvPr id="3" name="Content Placeholder 2"/>
+          <p:cNvSpPr>
+            <a:spLocks noGrp="1"/>
+          </p:cNvSpPr>
+          <p:nvPr>
+            <p:ph idx="1"/>
+          </p:nvPr>
+        </p:nvSpPr>
+        <p:spPr/>
+        <p:txBody>
+          <a:bodyPr/>
+          <a:lstStyle>
+            <a:lvl1pPr marL="177800" indent="-177800">
+              <a:buClr>
+                <a:schemeClr val="accent1"/>
+              </a:buClr>
+              <a:buFont typeface="Wingdings" pitchFamily="2" charset="2"/>
+              <a:buChar char="§"/>
+              <a:defRPr/>
+            </a:lvl1pPr>
+            <a:lvl2pPr marL="541338" indent="-184150">
+              <a:buClr>
+                <a:schemeClr val="accent1"/>
+              </a:buClr>
+              <a:buFont typeface="Wingdings" pitchFamily="2" charset="2"/>
+              <a:buChar char="§"/>
+              <a:defRPr/>
+            </a:lvl2pPr>
+            <a:lvl3pPr marL="896938" indent="-176213">
+              <a:buClr>
+                <a:schemeClr val="accent1"/>
+              </a:buClr>
+              <a:buFont typeface="Wingdings" pitchFamily="2" charset="2"/>
+              <a:buChar char="§"/>
+              <a:defRPr/>
+            </a:lvl3pPr>
+            <a:lvl4pPr marL="1252538" indent="-176213">
+              <a:buClr>
+                <a:schemeClr val="accent1"/>
+              </a:buClr>
+              <a:buFont typeface="Wingdings" pitchFamily="2" charset="2"/>
+              <a:buChar char="§"/>
+              <a:defRPr/>
+            </a:lvl4pPr>
+            <a:lvl5pPr marL="1616075" indent="-184150">
+              <a:buClr>
+                <a:schemeClr val="accent1"/>
+              </a:buClr>
+              <a:buFont typeface="Wingdings" pitchFamily="2" charset="2"/>
+              <a:buChar char="§"/>
+              <a:defRPr/>
+            </a:lvl5pPr>
+          </a:lstStyle>
+          <a:p>
+            <a:pPr lvl="0"/>
+            <a:r>
+              <a:rPr lang="en-US"/>
+              <a:t>Edit Master text styles</a:t>
+            </a:r>
+          </a:p>
+          <a:p>
+            <a:pPr lvl="1"/>
+            <a:r>
+              <a:rPr lang="en-US"/>
+              <a:t>Second level</a:t>
+            </a:r>
+          </a:p>
+          <a:p>
+            <a:pPr lvl="2"/>
+            <a:r>
+              <a:rPr lang="en-US"/>
+              <a:t>Third level</a:t>
+            </a:r>
+          </a:p>
+          <a:p>
+            <a:pPr lvl="3"/>
+            <a:r>
+              <a:rPr lang="en-US"/>
+              <a:t>Fourth level</a:t>
+            </a:r>
+          </a:p>
+          <a:p>
+            <a:pPr lvl="4"/>
+            <a:r>
+              <a:rPr lang="en-US"/>
+              <a:t>Fifth level</a:t>
+            </a:r>
+            <a:endParaRPr lang="sv-SE" dirty="0"/>
+          </a:p>
+        </p:txBody>
+      </p:sp>
+    </p:spTree>
+    <p:extLst>
+      <p:ext uri="{BB962C8B-B14F-4D97-AF65-F5344CB8AC3E}">
+        <p14:creationId xmlns:p14="http://schemas.microsoft.com/office/powerpoint/2010/main" val="2068426431"/>
+      </p:ext>
+    </p:extLst>
+  </p:cSld>
+  <p:clrMapOvr>
+    <a:masterClrMapping/>
+  </p:clrMapOvr>
+</p:sldLayout>
+</file>
+
+<file path=ppt/slideLayouts/slideLayout15.xml><?xml version="1.0" encoding="utf-8"?>
+<p:sldLayout xmlns:a="http://schemas.openxmlformats.org/drawingml/2006/main" xmlns:r="http://schemas.openxmlformats.org/officeDocument/2006/relationships" xmlns:p="http://schemas.openxmlformats.org/presentationml/2006/main" type="twoObj" preserve="1">
+  <p:cSld name="Två innehållsdelar">
+    <p:spTree>
+      <p:nvGrpSpPr>
+        <p:cNvPr id="1" name=""/>
+        <p:cNvGrpSpPr/>
+        <p:nvPr/>
+      </p:nvGrpSpPr>
+      <p:grpSpPr>
+        <a:xfrm>
+          <a:off x="0" y="0"/>
+          <a:ext cx="0" cy="0"/>
+          <a:chOff x="0" y="0"/>
+          <a:chExt cx="0" cy="0"/>
+        </a:xfrm>
+      </p:grpSpPr>
+      <p:sp>
+        <p:nvSpPr>
+          <p:cNvPr id="2" name="Title 1"/>
+          <p:cNvSpPr>
+            <a:spLocks noGrp="1"/>
+          </p:cNvSpPr>
+          <p:nvPr>
+            <p:ph type="title"/>
+          </p:nvPr>
+        </p:nvSpPr>
+        <p:spPr/>
+        <p:txBody>
+          <a:bodyPr/>
+          <a:lstStyle/>
+          <a:p>
+            <a:r>
+              <a:rPr lang="en-US"/>
+              <a:t>Click to edit Master title style</a:t>
+            </a:r>
+            <a:endParaRPr lang="sv-SE"/>
+          </a:p>
+        </p:txBody>
+      </p:sp>
+      <p:sp>
+        <p:nvSpPr>
+          <p:cNvPr id="3" name="Content Placeholder 2"/>
+          <p:cNvSpPr>
+            <a:spLocks noGrp="1"/>
+          </p:cNvSpPr>
+          <p:nvPr>
+            <p:ph sz="half" idx="1"/>
+          </p:nvPr>
+        </p:nvSpPr>
+        <p:spPr>
+          <a:xfrm>
+            <a:off x="395288" y="1484313"/>
+            <a:ext cx="4100512" cy="4608512"/>
+          </a:xfrm>
+        </p:spPr>
+        <p:txBody>
+          <a:bodyPr/>
+          <a:lstStyle>
+            <a:lvl1pPr>
+              <a:defRPr sz="2800"/>
+            </a:lvl1pPr>
+            <a:lvl2pPr>
+              <a:defRPr sz="2400"/>
+            </a:lvl2pPr>
+            <a:lvl3pPr>
+              <a:defRPr sz="2000"/>
+            </a:lvl3pPr>
+            <a:lvl4pPr>
+              <a:defRPr sz="1800"/>
+            </a:lvl4pPr>
+            <a:lvl5pPr>
+              <a:defRPr sz="1800"/>
+            </a:lvl5pPr>
+            <a:lvl6pPr>
+              <a:defRPr sz="1800"/>
+            </a:lvl6pPr>
+            <a:lvl7pPr>
+              <a:defRPr sz="1800"/>
+            </a:lvl7pPr>
+            <a:lvl8pPr>
+              <a:defRPr sz="1800"/>
+            </a:lvl8pPr>
+            <a:lvl9pPr>
+              <a:defRPr sz="1800"/>
+            </a:lvl9pPr>
+          </a:lstStyle>
+          <a:p>
+            <a:pPr lvl="0"/>
+            <a:r>
+              <a:rPr lang="en-US"/>
+              <a:t>Edit Master text styles</a:t>
+            </a:r>
+          </a:p>
+          <a:p>
+            <a:pPr lvl="1"/>
+            <a:r>
+              <a:rPr lang="en-US"/>
+              <a:t>Second level</a:t>
+            </a:r>
+          </a:p>
+          <a:p>
+            <a:pPr lvl="2"/>
+            <a:r>
+              <a:rPr lang="en-US"/>
+              <a:t>Third level</a:t>
+            </a:r>
+          </a:p>
+          <a:p>
+            <a:pPr lvl="3"/>
+            <a:r>
+              <a:rPr lang="en-US"/>
+              <a:t>Fourth level</a:t>
+            </a:r>
+          </a:p>
+          <a:p>
+            <a:pPr lvl="4"/>
+            <a:r>
+              <a:rPr lang="en-US"/>
+              <a:t>Fifth level</a:t>
+            </a:r>
+            <a:endParaRPr lang="sv-SE" dirty="0"/>
+          </a:p>
+        </p:txBody>
+      </p:sp>
+      <p:sp>
+        <p:nvSpPr>
+          <p:cNvPr id="4" name="Content Placeholder 3"/>
+          <p:cNvSpPr>
+            <a:spLocks noGrp="1"/>
+          </p:cNvSpPr>
+          <p:nvPr>
+            <p:ph sz="half" idx="2"/>
+          </p:nvPr>
+        </p:nvSpPr>
+        <p:spPr>
+          <a:xfrm>
+            <a:off x="4648200" y="1484313"/>
+            <a:ext cx="4100513" cy="4608512"/>
+          </a:xfrm>
+        </p:spPr>
+        <p:txBody>
+          <a:bodyPr/>
+          <a:lstStyle>
+            <a:lvl1pPr>
+              <a:defRPr sz="2800"/>
+            </a:lvl1pPr>
+            <a:lvl2pPr>
+              <a:defRPr sz="2400"/>
+            </a:lvl2pPr>
+            <a:lvl3pPr>
+              <a:defRPr sz="2000"/>
+            </a:lvl3pPr>
+            <a:lvl4pPr>
+              <a:defRPr sz="1800"/>
+            </a:lvl4pPr>
+            <a:lvl5pPr>
+              <a:defRPr sz="1800"/>
+            </a:lvl5pPr>
+            <a:lvl6pPr>
+              <a:defRPr sz="1800"/>
+            </a:lvl6pPr>
+            <a:lvl7pPr>
+              <a:defRPr sz="1800"/>
+            </a:lvl7pPr>
+            <a:lvl8pPr>
+              <a:defRPr sz="1800"/>
+            </a:lvl8pPr>
+            <a:lvl9pPr>
+              <a:defRPr sz="1800"/>
+            </a:lvl9pPr>
+          </a:lstStyle>
+          <a:p>
+            <a:pPr lvl="0"/>
+            <a:r>
+              <a:rPr lang="en-US"/>
+              <a:t>Edit Master text styles</a:t>
+            </a:r>
+          </a:p>
+          <a:p>
+            <a:pPr lvl="1"/>
+            <a:r>
+              <a:rPr lang="en-US"/>
+              <a:t>Second level</a:t>
+            </a:r>
+          </a:p>
+          <a:p>
+            <a:pPr lvl="2"/>
+            <a:r>
+              <a:rPr lang="en-US"/>
+              <a:t>Third level</a:t>
+            </a:r>
+          </a:p>
+          <a:p>
+            <a:pPr lvl="3"/>
+            <a:r>
+              <a:rPr lang="en-US"/>
+              <a:t>Fourth level</a:t>
+            </a:r>
+          </a:p>
+          <a:p>
+            <a:pPr lvl="4"/>
+            <a:r>
+              <a:rPr lang="en-US"/>
+              <a:t>Fifth level</a:t>
+            </a:r>
+            <a:endParaRPr lang="sv-SE" dirty="0"/>
+          </a:p>
+        </p:txBody>
+      </p:sp>
+    </p:spTree>
+    <p:extLst>
+      <p:ext uri="{BB962C8B-B14F-4D97-AF65-F5344CB8AC3E}">
+        <p14:creationId xmlns:p14="http://schemas.microsoft.com/office/powerpoint/2010/main" val="2375387315"/>
+      </p:ext>
+    </p:extLst>
+  </p:cSld>
+  <p:clrMapOvr>
+    <a:masterClrMapping/>
+  </p:clrMapOvr>
+</p:sldLayout>
+</file>
+
+<file path=ppt/slideLayouts/slideLayout16.xml><?xml version="1.0" encoding="utf-8"?>
+<p:sldLayout xmlns:a="http://schemas.openxmlformats.org/drawingml/2006/main" xmlns:r="http://schemas.openxmlformats.org/officeDocument/2006/relationships" xmlns:p="http://schemas.openxmlformats.org/presentationml/2006/main" type="twoTxTwoObj" preserve="1">
+  <p:cSld name="Jämförelse">
+    <p:spTree>
+      <p:nvGrpSpPr>
+        <p:cNvPr id="1" name=""/>
+        <p:cNvGrpSpPr/>
+        <p:nvPr/>
+      </p:nvGrpSpPr>
+      <p:grpSpPr>
+        <a:xfrm>
+          <a:off x="0" y="0"/>
+          <a:ext cx="0" cy="0"/>
+          <a:chOff x="0" y="0"/>
+          <a:chExt cx="0" cy="0"/>
+        </a:xfrm>
+      </p:grpSpPr>
+      <p:sp>
+        <p:nvSpPr>
+          <p:cNvPr id="2" name="Title 1"/>
+          <p:cNvSpPr>
+            <a:spLocks noGrp="1"/>
+          </p:cNvSpPr>
+          <p:nvPr>
+            <p:ph type="title"/>
+          </p:nvPr>
+        </p:nvSpPr>
+        <p:spPr>
+          <a:xfrm>
+            <a:off x="457200" y="274638"/>
+            <a:ext cx="8229600" cy="1143000"/>
+          </a:xfrm>
+        </p:spPr>
+        <p:txBody>
+          <a:bodyPr/>
+          <a:lstStyle>
+            <a:lvl1pPr>
+              <a:defRPr/>
+            </a:lvl1pPr>
+          </a:lstStyle>
+          <a:p>
+            <a:r>
+              <a:rPr lang="en-US"/>
+              <a:t>Click to edit Master title style</a:t>
+            </a:r>
+            <a:endParaRPr lang="sv-SE"/>
+          </a:p>
+        </p:txBody>
+      </p:sp>
+      <p:sp>
+        <p:nvSpPr>
+          <p:cNvPr id="3" name="Text Placeholder 2"/>
+          <p:cNvSpPr>
+            <a:spLocks noGrp="1"/>
+          </p:cNvSpPr>
+          <p:nvPr>
+            <p:ph type="body" idx="1"/>
+          </p:nvPr>
+        </p:nvSpPr>
+        <p:spPr>
+          <a:xfrm>
+            <a:off x="457200" y="1535113"/>
+            <a:ext cx="4040188" cy="639762"/>
+          </a:xfrm>
+        </p:spPr>
+        <p:txBody>
+          <a:bodyPr anchor="b"/>
+          <a:lstStyle>
+            <a:lvl1pPr marL="0" indent="0">
+              <a:buNone/>
+              <a:defRPr sz="2400" b="1"/>
+            </a:lvl1pPr>
+            <a:lvl2pPr marL="457200" indent="0">
+              <a:buNone/>
+              <a:defRPr sz="2000" b="1"/>
+            </a:lvl2pPr>
+            <a:lvl3pPr marL="914400" indent="0">
+              <a:buNone/>
+              <a:defRPr sz="1800" b="1"/>
+            </a:lvl3pPr>
+            <a:lvl4pPr marL="1371600" indent="0">
+              <a:buNone/>
+              <a:defRPr sz="1600" b="1"/>
+            </a:lvl4pPr>
+            <a:lvl5pPr marL="1828800" indent="0">
+              <a:buNone/>
+              <a:defRPr sz="1600" b="1"/>
+            </a:lvl5pPr>
+            <a:lvl6pPr marL="2286000" indent="0">
+              <a:buNone/>
+              <a:defRPr sz="1600" b="1"/>
+            </a:lvl6pPr>
+            <a:lvl7pPr marL="2743200" indent="0">
+              <a:buNone/>
+              <a:defRPr sz="1600" b="1"/>
+            </a:lvl7pPr>
+            <a:lvl8pPr marL="3200400" indent="0">
+              <a:buNone/>
+              <a:defRPr sz="1600" b="1"/>
+            </a:lvl8pPr>
+            <a:lvl9pPr marL="3657600" indent="0">
+              <a:buNone/>
+              <a:defRPr sz="1600" b="1"/>
+            </a:lvl9pPr>
+          </a:lstStyle>
+          <a:p>
+            <a:pPr lvl="0"/>
+            <a:r>
+              <a:rPr lang="en-US"/>
+              <a:t>Edit Master text styles</a:t>
+            </a:r>
+          </a:p>
+        </p:txBody>
+      </p:sp>
+      <p:sp>
+        <p:nvSpPr>
+          <p:cNvPr id="4" name="Content Placeholder 3"/>
+          <p:cNvSpPr>
+            <a:spLocks noGrp="1"/>
+          </p:cNvSpPr>
+          <p:nvPr>
+            <p:ph sz="half" idx="2"/>
+          </p:nvPr>
+        </p:nvSpPr>
+        <p:spPr>
+          <a:xfrm>
+            <a:off x="457200" y="2174875"/>
+            <a:ext cx="4040188" cy="3951288"/>
+          </a:xfrm>
+        </p:spPr>
+        <p:txBody>
+          <a:bodyPr/>
+          <a:lstStyle>
+            <a:lvl1pPr>
+              <a:defRPr sz="2400"/>
+            </a:lvl1pPr>
+            <a:lvl2pPr>
+              <a:defRPr sz="2000"/>
+            </a:lvl2pPr>
+            <a:lvl3pPr>
+              <a:defRPr sz="1800"/>
+            </a:lvl3pPr>
+            <a:lvl4pPr>
+              <a:defRPr sz="1600"/>
+            </a:lvl4pPr>
+            <a:lvl5pPr>
+              <a:defRPr sz="1600"/>
+            </a:lvl5pPr>
+            <a:lvl6pPr>
+              <a:defRPr sz="1600"/>
+            </a:lvl6pPr>
+            <a:lvl7pPr>
+              <a:defRPr sz="1600"/>
+            </a:lvl7pPr>
+            <a:lvl8pPr>
+              <a:defRPr sz="1600"/>
+            </a:lvl8pPr>
+            <a:lvl9pPr>
+              <a:defRPr sz="1600"/>
+            </a:lvl9pPr>
+          </a:lstStyle>
+          <a:p>
+            <a:pPr lvl="0"/>
+            <a:r>
+              <a:rPr lang="en-US"/>
+              <a:t>Edit Master text styles</a:t>
+            </a:r>
+          </a:p>
+          <a:p>
+            <a:pPr lvl="1"/>
+            <a:r>
+              <a:rPr lang="en-US"/>
+              <a:t>Second level</a:t>
+            </a:r>
+          </a:p>
+          <a:p>
+            <a:pPr lvl="2"/>
+            <a:r>
+              <a:rPr lang="en-US"/>
+              <a:t>Third level</a:t>
+            </a:r>
+          </a:p>
+          <a:p>
+            <a:pPr lvl="3"/>
+            <a:r>
+              <a:rPr lang="en-US"/>
+              <a:t>Fourth level</a:t>
+            </a:r>
+          </a:p>
+          <a:p>
+            <a:pPr lvl="4"/>
+            <a:r>
+              <a:rPr lang="en-US"/>
+              <a:t>Fifth level</a:t>
+            </a:r>
+            <a:endParaRPr lang="sv-SE" dirty="0"/>
+          </a:p>
+        </p:txBody>
+      </p:sp>
+      <p:sp>
+        <p:nvSpPr>
+          <p:cNvPr id="5" name="Text Placeholder 4"/>
+          <p:cNvSpPr>
+            <a:spLocks noGrp="1"/>
+          </p:cNvSpPr>
+          <p:nvPr>
+            <p:ph type="body" sz="quarter" idx="3"/>
+          </p:nvPr>
+        </p:nvSpPr>
+        <p:spPr>
+          <a:xfrm>
+            <a:off x="4645025" y="1535113"/>
+            <a:ext cx="4041775" cy="639762"/>
+          </a:xfrm>
+        </p:spPr>
+        <p:txBody>
+          <a:bodyPr anchor="b"/>
+          <a:lstStyle>
+            <a:lvl1pPr marL="0" indent="0">
+              <a:buNone/>
+              <a:defRPr sz="2400" b="1"/>
+            </a:lvl1pPr>
+            <a:lvl2pPr marL="457200" indent="0">
+              <a:buNone/>
+              <a:defRPr sz="2000" b="1"/>
+            </a:lvl2pPr>
+            <a:lvl3pPr marL="914400" indent="0">
+              <a:buNone/>
+              <a:defRPr sz="1800" b="1"/>
+            </a:lvl3pPr>
+            <a:lvl4pPr marL="1371600" indent="0">
+              <a:buNone/>
+              <a:defRPr sz="1600" b="1"/>
+            </a:lvl4pPr>
+            <a:lvl5pPr marL="1828800" indent="0">
+              <a:buNone/>
+              <a:defRPr sz="1600" b="1"/>
+            </a:lvl5pPr>
+            <a:lvl6pPr marL="2286000" indent="0">
+              <a:buNone/>
+              <a:defRPr sz="1600" b="1"/>
+            </a:lvl6pPr>
+            <a:lvl7pPr marL="2743200" indent="0">
+              <a:buNone/>
+              <a:defRPr sz="1600" b="1"/>
+            </a:lvl7pPr>
+            <a:lvl8pPr marL="3200400" indent="0">
+              <a:buNone/>
+              <a:defRPr sz="1600" b="1"/>
+            </a:lvl8pPr>
+            <a:lvl9pPr marL="3657600" indent="0">
+              <a:buNone/>
+              <a:defRPr sz="1600" b="1"/>
+            </a:lvl9pPr>
+          </a:lstStyle>
+          <a:p>
+            <a:pPr lvl="0"/>
+            <a:r>
+              <a:rPr lang="en-US"/>
+              <a:t>Edit Master text styles</a:t>
+            </a:r>
+          </a:p>
+        </p:txBody>
+      </p:sp>
+      <p:sp>
+        <p:nvSpPr>
+          <p:cNvPr id="6" name="Content Placeholder 5"/>
+          <p:cNvSpPr>
+            <a:spLocks noGrp="1"/>
+          </p:cNvSpPr>
+          <p:nvPr>
+            <p:ph sz="quarter" idx="4"/>
+          </p:nvPr>
+        </p:nvSpPr>
+        <p:spPr>
+          <a:xfrm>
+            <a:off x="4645025" y="2174875"/>
+            <a:ext cx="4041775" cy="3951288"/>
+          </a:xfrm>
+        </p:spPr>
+        <p:txBody>
+          <a:bodyPr/>
+          <a:lstStyle>
+            <a:lvl1pPr>
+              <a:defRPr sz="2400"/>
+            </a:lvl1pPr>
+            <a:lvl2pPr>
+              <a:defRPr sz="2000"/>
+            </a:lvl2pPr>
+            <a:lvl3pPr>
+              <a:defRPr sz="1800"/>
+            </a:lvl3pPr>
+            <a:lvl4pPr>
+              <a:defRPr sz="1600"/>
+            </a:lvl4pPr>
+            <a:lvl5pPr>
+              <a:defRPr sz="1600"/>
+            </a:lvl5pPr>
+            <a:lvl6pPr>
+              <a:defRPr sz="1600"/>
+            </a:lvl6pPr>
+            <a:lvl7pPr>
+              <a:defRPr sz="1600"/>
+            </a:lvl7pPr>
+            <a:lvl8pPr>
+              <a:defRPr sz="1600"/>
+            </a:lvl8pPr>
+            <a:lvl9pPr>
+              <a:defRPr sz="1600"/>
+            </a:lvl9pPr>
+          </a:lstStyle>
+          <a:p>
+            <a:pPr lvl="0"/>
+            <a:r>
+              <a:rPr lang="en-US"/>
+              <a:t>Edit Master text styles</a:t>
+            </a:r>
+          </a:p>
+          <a:p>
+            <a:pPr lvl="1"/>
+            <a:r>
+              <a:rPr lang="en-US"/>
+              <a:t>Second level</a:t>
+            </a:r>
+          </a:p>
+          <a:p>
+            <a:pPr lvl="2"/>
+            <a:r>
+              <a:rPr lang="en-US"/>
+              <a:t>Third level</a:t>
+            </a:r>
+          </a:p>
+          <a:p>
+            <a:pPr lvl="3"/>
+            <a:r>
+              <a:rPr lang="en-US"/>
+              <a:t>Fourth level</a:t>
+            </a:r>
+          </a:p>
+          <a:p>
+            <a:pPr lvl="4"/>
+            <a:r>
+              <a:rPr lang="en-US"/>
+              <a:t>Fifth level</a:t>
+            </a:r>
+            <a:endParaRPr lang="sv-SE" dirty="0"/>
+          </a:p>
+        </p:txBody>
+      </p:sp>
+    </p:spTree>
+    <p:extLst>
+      <p:ext uri="{BB962C8B-B14F-4D97-AF65-F5344CB8AC3E}">
+        <p14:creationId xmlns:p14="http://schemas.microsoft.com/office/powerpoint/2010/main" val="181563687"/>
+      </p:ext>
+    </p:extLst>
+  </p:cSld>
+  <p:clrMapOvr>
+    <a:masterClrMapping/>
+  </p:clrMapOvr>
+</p:sldLayout>
+</file>
+
+<file path=ppt/slideLayouts/slideLayout17.xml><?xml version="1.0" encoding="utf-8"?>
+<p:sldLayout xmlns:a="http://schemas.openxmlformats.org/drawingml/2006/main" xmlns:r="http://schemas.openxmlformats.org/officeDocument/2006/relationships" xmlns:p="http://schemas.openxmlformats.org/presentationml/2006/main" type="titleOnly" preserve="1">
+  <p:cSld name="Endast rubrik">
+    <p:spTree>
+      <p:nvGrpSpPr>
+        <p:cNvPr id="1" name=""/>
+        <p:cNvGrpSpPr/>
+        <p:nvPr/>
+      </p:nvGrpSpPr>
+      <p:grpSpPr>
+        <a:xfrm>
+          <a:off x="0" y="0"/>
+          <a:ext cx="0" cy="0"/>
+          <a:chOff x="0" y="0"/>
+          <a:chExt cx="0" cy="0"/>
+        </a:xfrm>
+      </p:grpSpPr>
+      <p:sp>
+        <p:nvSpPr>
+          <p:cNvPr id="2" name="Title 1"/>
+          <p:cNvSpPr>
+            <a:spLocks noGrp="1"/>
+          </p:cNvSpPr>
+          <p:nvPr>
+            <p:ph type="title"/>
+          </p:nvPr>
+        </p:nvSpPr>
+        <p:spPr/>
+        <p:txBody>
+          <a:bodyPr/>
+          <a:lstStyle/>
+          <a:p>
+            <a:r>
+              <a:rPr lang="en-US"/>
+              <a:t>Click to edit Master title style</a:t>
+            </a:r>
+            <a:endParaRPr lang="sv-SE"/>
+          </a:p>
+        </p:txBody>
+      </p:sp>
+    </p:spTree>
+    <p:extLst>
+      <p:ext uri="{BB962C8B-B14F-4D97-AF65-F5344CB8AC3E}">
+        <p14:creationId xmlns:p14="http://schemas.microsoft.com/office/powerpoint/2010/main" val="1699872579"/>
+      </p:ext>
+    </p:extLst>
+  </p:cSld>
+  <p:clrMapOvr>
+    <a:masterClrMapping/>
+  </p:clrMapOvr>
+</p:sldLayout>
+</file>
+
+<file path=ppt/slideLayouts/slideLayout18.xml><?xml version="1.0" encoding="utf-8"?>
+<p:sldLayout xmlns:a="http://schemas.openxmlformats.org/drawingml/2006/main" xmlns:r="http://schemas.openxmlformats.org/officeDocument/2006/relationships" xmlns:p="http://schemas.openxmlformats.org/presentationml/2006/main" type="titleOnly" preserve="1">
+  <p:cSld name="Endast rubrik utan logga">
+    <p:spTree>
+      <p:nvGrpSpPr>
+        <p:cNvPr id="1" name=""/>
+        <p:cNvGrpSpPr/>
+        <p:nvPr/>
+      </p:nvGrpSpPr>
+      <p:grpSpPr>
+        <a:xfrm>
+          <a:off x="0" y="0"/>
+          <a:ext cx="0" cy="0"/>
+          <a:chOff x="0" y="0"/>
+          <a:chExt cx="0" cy="0"/>
+        </a:xfrm>
+      </p:grpSpPr>
+      <p:sp>
+        <p:nvSpPr>
+          <p:cNvPr id="2" name="Title 1"/>
+          <p:cNvSpPr>
+            <a:spLocks noGrp="1"/>
+          </p:cNvSpPr>
+          <p:nvPr>
+            <p:ph type="title"/>
+          </p:nvPr>
+        </p:nvSpPr>
+        <p:spPr/>
+        <p:txBody>
+          <a:bodyPr/>
+          <a:lstStyle/>
+          <a:p>
+            <a:r>
+              <a:rPr lang="en-US"/>
+              <a:t>Click to edit Master title style</a:t>
+            </a:r>
+            <a:endParaRPr lang="sv-SE"/>
+          </a:p>
+        </p:txBody>
+      </p:sp>
+      <p:sp>
+        <p:nvSpPr>
+          <p:cNvPr id="3" name="Rectangle 2"/>
+          <p:cNvSpPr/>
+          <p:nvPr/>
+        </p:nvSpPr>
+        <p:spPr bwMode="auto">
+          <a:xfrm>
+            <a:off x="7040947" y="5974854"/>
+            <a:ext cx="2088232" cy="864096"/>
+          </a:xfrm>
+          <a:prstGeom prst="rect">
+            <a:avLst/>
+          </a:prstGeom>
+          <a:solidFill>
+            <a:schemeClr val="accent3"/>
+          </a:solidFill>
+          <a:ln w="9525" cap="flat" cmpd="sng" algn="ctr">
+            <a:solidFill>
+              <a:schemeClr val="bg1"/>
+            </a:solidFill>
+            <a:prstDash val="solid"/>
+            <a:round/>
+            <a:headEnd type="none" w="med" len="med"/>
+            <a:tailEnd type="none" w="med" len="med"/>
+          </a:ln>
+          <a:effectLst/>
+        </p:spPr>
+        <p:txBody>
+          <a:bodyPr vert="horz" wrap="none" lIns="0" tIns="0" rIns="0" bIns="0" numCol="1" rtlCol="0" anchor="ctr" anchorCtr="0" compatLnSpc="1">
+            <a:prstTxWarp prst="textNoShape">
+              <a:avLst/>
+            </a:prstTxWarp>
+          </a:bodyPr>
+          <a:lstStyle/>
+          <a:p>
+            <a:pPr marL="0" marR="0" indent="0" algn="ctr" defTabSz="914400" rtl="0" eaLnBrk="1" fontAlgn="base" latinLnBrk="0" hangingPunct="1">
+              <a:lnSpc>
+                <a:spcPct val="100000"/>
+              </a:lnSpc>
+              <a:spcBef>
+                <a:spcPct val="0"/>
+              </a:spcBef>
+              <a:spcAft>
+                <a:spcPct val="0"/>
+              </a:spcAft>
+              <a:buClr>
+                <a:schemeClr val="bg2"/>
+              </a:buClr>
+              <a:buSzTx/>
+              <a:buFontTx/>
+              <a:buNone/>
+              <a:tabLst/>
+            </a:pPr>
+            <a:endParaRPr kumimoji="0" lang="sv-SE" sz="1600" b="0" i="0" u="none" strike="noStrike" cap="none" normalizeH="0" baseline="0">
+              <a:ln>
+                <a:noFill/>
+              </a:ln>
+              <a:solidFill>
+                <a:schemeClr val="tx1"/>
+              </a:solidFill>
+              <a:effectLst/>
+              <a:latin typeface="Arial" charset="0"/>
+            </a:endParaRPr>
+          </a:p>
+        </p:txBody>
+      </p:sp>
+    </p:spTree>
+    <p:extLst>
+      <p:ext uri="{BB962C8B-B14F-4D97-AF65-F5344CB8AC3E}">
+        <p14:creationId xmlns:p14="http://schemas.microsoft.com/office/powerpoint/2010/main" val="1981787093"/>
+      </p:ext>
+    </p:extLst>
+  </p:cSld>
+  <p:clrMapOvr>
+    <a:masterClrMapping/>
+  </p:clrMapOvr>
+</p:sldLayout>
+</file>
+
+<file path=ppt/slideLayouts/slideLayout19.xml><?xml version="1.0" encoding="utf-8"?>
+<p:sldLayout xmlns:a="http://schemas.openxmlformats.org/drawingml/2006/main" xmlns:r="http://schemas.openxmlformats.org/officeDocument/2006/relationships" xmlns:p="http://schemas.openxmlformats.org/presentationml/2006/main" type="blank" preserve="1">
+  <p:cSld name="Tom">
+    <p:spTree>
+      <p:nvGrpSpPr>
+        <p:cNvPr id="1" name=""/>
+        <p:cNvGrpSpPr/>
+        <p:nvPr/>
+      </p:nvGrpSpPr>
+      <p:grpSpPr>
+        <a:xfrm>
+          <a:off x="0" y="0"/>
+          <a:ext cx="0" cy="0"/>
+          <a:chOff x="0" y="0"/>
+          <a:chExt cx="0" cy="0"/>
+        </a:xfrm>
+      </p:grpSpPr>
+    </p:spTree>
+    <p:extLst>
+      <p:ext uri="{BB962C8B-B14F-4D97-AF65-F5344CB8AC3E}">
+        <p14:creationId xmlns:p14="http://schemas.microsoft.com/office/powerpoint/2010/main" val="3981916602"/>
       </p:ext>
     </p:extLst>
   </p:cSld>
@@ -3726,7 +5003,7 @@
           <a:p>
             <a:fld id="{076141BC-180D-4B6E-943F-01699F625B70}" type="datetimeFigureOut">
               <a:rPr lang="en-US" smtClean="0"/>
-              <a:t>12/13/2016</a:t>
+              <a:t>12/16/2016</a:t>
             </a:fld>
             <a:endParaRPr lang="en-US"/>
           </a:p>
@@ -3778,6 +5055,1062 @@
     <p:extLst>
       <p:ext uri="{BB962C8B-B14F-4D97-AF65-F5344CB8AC3E}">
         <p14:creationId xmlns:p14="http://schemas.microsoft.com/office/powerpoint/2010/main" val="166217396"/>
+      </p:ext>
+    </p:extLst>
+  </p:cSld>
+  <p:clrMapOvr>
+    <a:masterClrMapping/>
+  </p:clrMapOvr>
+</p:sldLayout>
+</file>
+
+<file path=ppt/slideLayouts/slideLayout20.xml><?xml version="1.0" encoding="utf-8"?>
+<p:sldLayout xmlns:a="http://schemas.openxmlformats.org/drawingml/2006/main" xmlns:r="http://schemas.openxmlformats.org/officeDocument/2006/relationships" xmlns:p="http://schemas.openxmlformats.org/presentationml/2006/main" showMasterSp="0" type="titleOnly" preserve="1">
+  <p:cSld name="Helt tom med rubrik">
+    <p:spTree>
+      <p:nvGrpSpPr>
+        <p:cNvPr id="1" name=""/>
+        <p:cNvGrpSpPr/>
+        <p:nvPr/>
+      </p:nvGrpSpPr>
+      <p:grpSpPr>
+        <a:xfrm>
+          <a:off x="0" y="0"/>
+          <a:ext cx="0" cy="0"/>
+          <a:chOff x="0" y="0"/>
+          <a:chExt cx="0" cy="0"/>
+        </a:xfrm>
+      </p:grpSpPr>
+      <p:sp>
+        <p:nvSpPr>
+          <p:cNvPr id="2" name="Title 1"/>
+          <p:cNvSpPr>
+            <a:spLocks noGrp="1"/>
+          </p:cNvSpPr>
+          <p:nvPr>
+            <p:ph type="title"/>
+          </p:nvPr>
+        </p:nvSpPr>
+        <p:spPr/>
+        <p:txBody>
+          <a:bodyPr/>
+          <a:lstStyle/>
+          <a:p>
+            <a:r>
+              <a:rPr lang="en-US"/>
+              <a:t>Click to edit Master title style</a:t>
+            </a:r>
+            <a:endParaRPr lang="sv-SE"/>
+          </a:p>
+        </p:txBody>
+      </p:sp>
+    </p:spTree>
+    <p:extLst>
+      <p:ext uri="{BB962C8B-B14F-4D97-AF65-F5344CB8AC3E}">
+        <p14:creationId xmlns:p14="http://schemas.microsoft.com/office/powerpoint/2010/main" val="460601039"/>
+      </p:ext>
+    </p:extLst>
+  </p:cSld>
+  <p:clrMapOvr>
+    <a:masterClrMapping/>
+  </p:clrMapOvr>
+</p:sldLayout>
+</file>
+
+<file path=ppt/slideLayouts/slideLayout21.xml><?xml version="1.0" encoding="utf-8"?>
+<p:sldLayout xmlns:a="http://schemas.openxmlformats.org/drawingml/2006/main" xmlns:r="http://schemas.openxmlformats.org/officeDocument/2006/relationships" xmlns:p="http://schemas.openxmlformats.org/presentationml/2006/main" showMasterSp="0" type="blank" preserve="1">
+  <p:cSld name="HeltTom">
+    <p:spTree>
+      <p:nvGrpSpPr>
+        <p:cNvPr id="1" name=""/>
+        <p:cNvGrpSpPr/>
+        <p:nvPr/>
+      </p:nvGrpSpPr>
+      <p:grpSpPr>
+        <a:xfrm>
+          <a:off x="0" y="0"/>
+          <a:ext cx="0" cy="0"/>
+          <a:chOff x="0" y="0"/>
+          <a:chExt cx="0" cy="0"/>
+        </a:xfrm>
+      </p:grpSpPr>
+    </p:spTree>
+    <p:extLst>
+      <p:ext uri="{BB962C8B-B14F-4D97-AF65-F5344CB8AC3E}">
+        <p14:creationId xmlns:p14="http://schemas.microsoft.com/office/powerpoint/2010/main" val="440730678"/>
+      </p:ext>
+    </p:extLst>
+  </p:cSld>
+  <p:clrMapOvr>
+    <a:masterClrMapping/>
+  </p:clrMapOvr>
+</p:sldLayout>
+</file>
+
+<file path=ppt/slideLayouts/slideLayout22.xml><?xml version="1.0" encoding="utf-8"?>
+<p:sldLayout xmlns:a="http://schemas.openxmlformats.org/drawingml/2006/main" xmlns:r="http://schemas.openxmlformats.org/officeDocument/2006/relationships" xmlns:p="http://schemas.openxmlformats.org/presentationml/2006/main" type="objTx" preserve="1">
+  <p:cSld name="Innehåll med bildtext">
+    <p:spTree>
+      <p:nvGrpSpPr>
+        <p:cNvPr id="1" name=""/>
+        <p:cNvGrpSpPr/>
+        <p:nvPr/>
+      </p:nvGrpSpPr>
+      <p:grpSpPr>
+        <a:xfrm>
+          <a:off x="0" y="0"/>
+          <a:ext cx="0" cy="0"/>
+          <a:chOff x="0" y="0"/>
+          <a:chExt cx="0" cy="0"/>
+        </a:xfrm>
+      </p:grpSpPr>
+      <p:sp>
+        <p:nvSpPr>
+          <p:cNvPr id="2" name="Title 1"/>
+          <p:cNvSpPr>
+            <a:spLocks noGrp="1"/>
+          </p:cNvSpPr>
+          <p:nvPr>
+            <p:ph type="title"/>
+          </p:nvPr>
+        </p:nvSpPr>
+        <p:spPr>
+          <a:xfrm>
+            <a:off x="457200" y="273050"/>
+            <a:ext cx="3008313" cy="1162050"/>
+          </a:xfrm>
+        </p:spPr>
+        <p:txBody>
+          <a:bodyPr anchor="b"/>
+          <a:lstStyle>
+            <a:lvl1pPr algn="l">
+              <a:defRPr sz="2000" b="1"/>
+            </a:lvl1pPr>
+          </a:lstStyle>
+          <a:p>
+            <a:r>
+              <a:rPr lang="en-US"/>
+              <a:t>Click to edit Master title style</a:t>
+            </a:r>
+            <a:endParaRPr lang="sv-SE"/>
+          </a:p>
+        </p:txBody>
+      </p:sp>
+      <p:sp>
+        <p:nvSpPr>
+          <p:cNvPr id="3" name="Content Placeholder 2"/>
+          <p:cNvSpPr>
+            <a:spLocks noGrp="1"/>
+          </p:cNvSpPr>
+          <p:nvPr>
+            <p:ph idx="1"/>
+          </p:nvPr>
+        </p:nvSpPr>
+        <p:spPr>
+          <a:xfrm>
+            <a:off x="3575050" y="273050"/>
+            <a:ext cx="5111750" cy="5853113"/>
+          </a:xfrm>
+        </p:spPr>
+        <p:txBody>
+          <a:bodyPr/>
+          <a:lstStyle>
+            <a:lvl1pPr>
+              <a:defRPr sz="3200"/>
+            </a:lvl1pPr>
+            <a:lvl2pPr>
+              <a:defRPr sz="2800"/>
+            </a:lvl2pPr>
+            <a:lvl3pPr>
+              <a:defRPr sz="2400"/>
+            </a:lvl3pPr>
+            <a:lvl4pPr>
+              <a:defRPr sz="2000"/>
+            </a:lvl4pPr>
+            <a:lvl5pPr>
+              <a:defRPr sz="2000"/>
+            </a:lvl5pPr>
+            <a:lvl6pPr>
+              <a:defRPr sz="2000"/>
+            </a:lvl6pPr>
+            <a:lvl7pPr>
+              <a:defRPr sz="2000"/>
+            </a:lvl7pPr>
+            <a:lvl8pPr>
+              <a:defRPr sz="2000"/>
+            </a:lvl8pPr>
+            <a:lvl9pPr>
+              <a:defRPr sz="2000"/>
+            </a:lvl9pPr>
+          </a:lstStyle>
+          <a:p>
+            <a:pPr lvl="0"/>
+            <a:r>
+              <a:rPr lang="en-US"/>
+              <a:t>Edit Master text styles</a:t>
+            </a:r>
+          </a:p>
+          <a:p>
+            <a:pPr lvl="1"/>
+            <a:r>
+              <a:rPr lang="en-US"/>
+              <a:t>Second level</a:t>
+            </a:r>
+          </a:p>
+          <a:p>
+            <a:pPr lvl="2"/>
+            <a:r>
+              <a:rPr lang="en-US"/>
+              <a:t>Third level</a:t>
+            </a:r>
+          </a:p>
+          <a:p>
+            <a:pPr lvl="3"/>
+            <a:r>
+              <a:rPr lang="en-US"/>
+              <a:t>Fourth level</a:t>
+            </a:r>
+          </a:p>
+          <a:p>
+            <a:pPr lvl="4"/>
+            <a:r>
+              <a:rPr lang="en-US"/>
+              <a:t>Fifth level</a:t>
+            </a:r>
+            <a:endParaRPr lang="sv-SE"/>
+          </a:p>
+        </p:txBody>
+      </p:sp>
+      <p:sp>
+        <p:nvSpPr>
+          <p:cNvPr id="4" name="Text Placeholder 3"/>
+          <p:cNvSpPr>
+            <a:spLocks noGrp="1"/>
+          </p:cNvSpPr>
+          <p:nvPr>
+            <p:ph type="body" sz="half" idx="2"/>
+          </p:nvPr>
+        </p:nvSpPr>
+        <p:spPr>
+          <a:xfrm>
+            <a:off x="457200" y="1435100"/>
+            <a:ext cx="3008313" cy="4691063"/>
+          </a:xfrm>
+        </p:spPr>
+        <p:txBody>
+          <a:bodyPr/>
+          <a:lstStyle>
+            <a:lvl1pPr marL="0" indent="0">
+              <a:buNone/>
+              <a:defRPr sz="1400"/>
+            </a:lvl1pPr>
+            <a:lvl2pPr marL="457200" indent="0">
+              <a:buNone/>
+              <a:defRPr sz="1200"/>
+            </a:lvl2pPr>
+            <a:lvl3pPr marL="914400" indent="0">
+              <a:buNone/>
+              <a:defRPr sz="1000"/>
+            </a:lvl3pPr>
+            <a:lvl4pPr marL="1371600" indent="0">
+              <a:buNone/>
+              <a:defRPr sz="900"/>
+            </a:lvl4pPr>
+            <a:lvl5pPr marL="1828800" indent="0">
+              <a:buNone/>
+              <a:defRPr sz="900"/>
+            </a:lvl5pPr>
+            <a:lvl6pPr marL="2286000" indent="0">
+              <a:buNone/>
+              <a:defRPr sz="900"/>
+            </a:lvl6pPr>
+            <a:lvl7pPr marL="2743200" indent="0">
+              <a:buNone/>
+              <a:defRPr sz="900"/>
+            </a:lvl7pPr>
+            <a:lvl8pPr marL="3200400" indent="0">
+              <a:buNone/>
+              <a:defRPr sz="900"/>
+            </a:lvl8pPr>
+            <a:lvl9pPr marL="3657600" indent="0">
+              <a:buNone/>
+              <a:defRPr sz="900"/>
+            </a:lvl9pPr>
+          </a:lstStyle>
+          <a:p>
+            <a:pPr lvl="0"/>
+            <a:r>
+              <a:rPr lang="en-US"/>
+              <a:t>Edit Master text styles</a:t>
+            </a:r>
+          </a:p>
+        </p:txBody>
+      </p:sp>
+    </p:spTree>
+    <p:extLst>
+      <p:ext uri="{BB962C8B-B14F-4D97-AF65-F5344CB8AC3E}">
+        <p14:creationId xmlns:p14="http://schemas.microsoft.com/office/powerpoint/2010/main" val="1059266741"/>
+      </p:ext>
+    </p:extLst>
+  </p:cSld>
+  <p:clrMapOvr>
+    <a:masterClrMapping/>
+  </p:clrMapOvr>
+</p:sldLayout>
+</file>
+
+<file path=ppt/slideLayouts/slideLayout23.xml><?xml version="1.0" encoding="utf-8"?>
+<p:sldLayout xmlns:a="http://schemas.openxmlformats.org/drawingml/2006/main" xmlns:r="http://schemas.openxmlformats.org/officeDocument/2006/relationships" xmlns:p="http://schemas.openxmlformats.org/presentationml/2006/main" type="picTx" preserve="1">
+  <p:cSld name="Bild med bildtext">
+    <p:spTree>
+      <p:nvGrpSpPr>
+        <p:cNvPr id="1" name=""/>
+        <p:cNvGrpSpPr/>
+        <p:nvPr/>
+      </p:nvGrpSpPr>
+      <p:grpSpPr>
+        <a:xfrm>
+          <a:off x="0" y="0"/>
+          <a:ext cx="0" cy="0"/>
+          <a:chOff x="0" y="0"/>
+          <a:chExt cx="0" cy="0"/>
+        </a:xfrm>
+      </p:grpSpPr>
+      <p:sp>
+        <p:nvSpPr>
+          <p:cNvPr id="2" name="Title 1"/>
+          <p:cNvSpPr>
+            <a:spLocks noGrp="1"/>
+          </p:cNvSpPr>
+          <p:nvPr>
+            <p:ph type="title"/>
+          </p:nvPr>
+        </p:nvSpPr>
+        <p:spPr>
+          <a:xfrm>
+            <a:off x="1792288" y="4800600"/>
+            <a:ext cx="5486400" cy="566738"/>
+          </a:xfrm>
+        </p:spPr>
+        <p:txBody>
+          <a:bodyPr anchor="b"/>
+          <a:lstStyle>
+            <a:lvl1pPr algn="l">
+              <a:defRPr sz="2000" b="1"/>
+            </a:lvl1pPr>
+          </a:lstStyle>
+          <a:p>
+            <a:r>
+              <a:rPr lang="en-US"/>
+              <a:t>Click to edit Master title style</a:t>
+            </a:r>
+            <a:endParaRPr lang="sv-SE"/>
+          </a:p>
+        </p:txBody>
+      </p:sp>
+      <p:sp>
+        <p:nvSpPr>
+          <p:cNvPr id="3" name="Picture Placeholder 2"/>
+          <p:cNvSpPr>
+            <a:spLocks noGrp="1"/>
+          </p:cNvSpPr>
+          <p:nvPr>
+            <p:ph type="pic" idx="1"/>
+          </p:nvPr>
+        </p:nvSpPr>
+        <p:spPr>
+          <a:xfrm>
+            <a:off x="1792288" y="612775"/>
+            <a:ext cx="5486400" cy="4114800"/>
+          </a:xfrm>
+        </p:spPr>
+        <p:txBody>
+          <a:bodyPr/>
+          <a:lstStyle>
+            <a:lvl1pPr marL="0" indent="0">
+              <a:buNone/>
+              <a:defRPr sz="3200"/>
+            </a:lvl1pPr>
+            <a:lvl2pPr marL="457200" indent="0">
+              <a:buNone/>
+              <a:defRPr sz="2800"/>
+            </a:lvl2pPr>
+            <a:lvl3pPr marL="914400" indent="0">
+              <a:buNone/>
+              <a:defRPr sz="2400"/>
+            </a:lvl3pPr>
+            <a:lvl4pPr marL="1371600" indent="0">
+              <a:buNone/>
+              <a:defRPr sz="2000"/>
+            </a:lvl4pPr>
+            <a:lvl5pPr marL="1828800" indent="0">
+              <a:buNone/>
+              <a:defRPr sz="2000"/>
+            </a:lvl5pPr>
+            <a:lvl6pPr marL="2286000" indent="0">
+              <a:buNone/>
+              <a:defRPr sz="2000"/>
+            </a:lvl6pPr>
+            <a:lvl7pPr marL="2743200" indent="0">
+              <a:buNone/>
+              <a:defRPr sz="2000"/>
+            </a:lvl7pPr>
+            <a:lvl8pPr marL="3200400" indent="0">
+              <a:buNone/>
+              <a:defRPr sz="2000"/>
+            </a:lvl8pPr>
+            <a:lvl9pPr marL="3657600" indent="0">
+              <a:buNone/>
+              <a:defRPr sz="2000"/>
+            </a:lvl9pPr>
+          </a:lstStyle>
+          <a:p>
+            <a:pPr lvl="0"/>
+            <a:r>
+              <a:rPr lang="en-US" noProof="0"/>
+              <a:t>Click icon to add picture</a:t>
+            </a:r>
+            <a:endParaRPr lang="sv-SE" noProof="0"/>
+          </a:p>
+        </p:txBody>
+      </p:sp>
+      <p:sp>
+        <p:nvSpPr>
+          <p:cNvPr id="4" name="Text Placeholder 3"/>
+          <p:cNvSpPr>
+            <a:spLocks noGrp="1"/>
+          </p:cNvSpPr>
+          <p:nvPr>
+            <p:ph type="body" sz="half" idx="2"/>
+          </p:nvPr>
+        </p:nvSpPr>
+        <p:spPr>
+          <a:xfrm>
+            <a:off x="1792288" y="5367338"/>
+            <a:ext cx="5486400" cy="804862"/>
+          </a:xfrm>
+        </p:spPr>
+        <p:txBody>
+          <a:bodyPr/>
+          <a:lstStyle>
+            <a:lvl1pPr marL="0" indent="0">
+              <a:buNone/>
+              <a:defRPr sz="1400"/>
+            </a:lvl1pPr>
+            <a:lvl2pPr marL="457200" indent="0">
+              <a:buNone/>
+              <a:defRPr sz="1200"/>
+            </a:lvl2pPr>
+            <a:lvl3pPr marL="914400" indent="0">
+              <a:buNone/>
+              <a:defRPr sz="1000"/>
+            </a:lvl3pPr>
+            <a:lvl4pPr marL="1371600" indent="0">
+              <a:buNone/>
+              <a:defRPr sz="900"/>
+            </a:lvl4pPr>
+            <a:lvl5pPr marL="1828800" indent="0">
+              <a:buNone/>
+              <a:defRPr sz="900"/>
+            </a:lvl5pPr>
+            <a:lvl6pPr marL="2286000" indent="0">
+              <a:buNone/>
+              <a:defRPr sz="900"/>
+            </a:lvl6pPr>
+            <a:lvl7pPr marL="2743200" indent="0">
+              <a:buNone/>
+              <a:defRPr sz="900"/>
+            </a:lvl7pPr>
+            <a:lvl8pPr marL="3200400" indent="0">
+              <a:buNone/>
+              <a:defRPr sz="900"/>
+            </a:lvl8pPr>
+            <a:lvl9pPr marL="3657600" indent="0">
+              <a:buNone/>
+              <a:defRPr sz="900"/>
+            </a:lvl9pPr>
+          </a:lstStyle>
+          <a:p>
+            <a:pPr lvl="0"/>
+            <a:r>
+              <a:rPr lang="en-US"/>
+              <a:t>Edit Master text styles</a:t>
+            </a:r>
+          </a:p>
+        </p:txBody>
+      </p:sp>
+    </p:spTree>
+    <p:extLst>
+      <p:ext uri="{BB962C8B-B14F-4D97-AF65-F5344CB8AC3E}">
+        <p14:creationId xmlns:p14="http://schemas.microsoft.com/office/powerpoint/2010/main" val="2077417681"/>
+      </p:ext>
+    </p:extLst>
+  </p:cSld>
+  <p:clrMapOvr>
+    <a:masterClrMapping/>
+  </p:clrMapOvr>
+</p:sldLayout>
+</file>
+
+<file path=ppt/slideLayouts/slideLayout24.xml><?xml version="1.0" encoding="utf-8"?>
+<p:sldLayout xmlns:a="http://schemas.openxmlformats.org/drawingml/2006/main" xmlns:r="http://schemas.openxmlformats.org/officeDocument/2006/relationships" xmlns:p="http://schemas.openxmlformats.org/presentationml/2006/main" type="vertTx" preserve="1">
+  <p:cSld name="Rubrik och lodrät text">
+    <p:spTree>
+      <p:nvGrpSpPr>
+        <p:cNvPr id="1" name=""/>
+        <p:cNvGrpSpPr/>
+        <p:nvPr/>
+      </p:nvGrpSpPr>
+      <p:grpSpPr>
+        <a:xfrm>
+          <a:off x="0" y="0"/>
+          <a:ext cx="0" cy="0"/>
+          <a:chOff x="0" y="0"/>
+          <a:chExt cx="0" cy="0"/>
+        </a:xfrm>
+      </p:grpSpPr>
+      <p:sp>
+        <p:nvSpPr>
+          <p:cNvPr id="2" name="Title 1"/>
+          <p:cNvSpPr>
+            <a:spLocks noGrp="1"/>
+          </p:cNvSpPr>
+          <p:nvPr>
+            <p:ph type="title"/>
+          </p:nvPr>
+        </p:nvSpPr>
+        <p:spPr/>
+        <p:txBody>
+          <a:bodyPr/>
+          <a:lstStyle/>
+          <a:p>
+            <a:r>
+              <a:rPr lang="en-US"/>
+              <a:t>Click to edit Master title style</a:t>
+            </a:r>
+            <a:endParaRPr lang="sv-SE"/>
+          </a:p>
+        </p:txBody>
+      </p:sp>
+      <p:sp>
+        <p:nvSpPr>
+          <p:cNvPr id="3" name="Vertical Text Placeholder 2"/>
+          <p:cNvSpPr>
+            <a:spLocks noGrp="1"/>
+          </p:cNvSpPr>
+          <p:nvPr>
+            <p:ph type="body" orient="vert" idx="1"/>
+          </p:nvPr>
+        </p:nvSpPr>
+        <p:spPr/>
+        <p:txBody>
+          <a:bodyPr vert="eaVert"/>
+          <a:lstStyle/>
+          <a:p>
+            <a:pPr lvl="0"/>
+            <a:r>
+              <a:rPr lang="en-US"/>
+              <a:t>Edit Master text styles</a:t>
+            </a:r>
+          </a:p>
+          <a:p>
+            <a:pPr lvl="1"/>
+            <a:r>
+              <a:rPr lang="en-US"/>
+              <a:t>Second level</a:t>
+            </a:r>
+          </a:p>
+          <a:p>
+            <a:pPr lvl="2"/>
+            <a:r>
+              <a:rPr lang="en-US"/>
+              <a:t>Third level</a:t>
+            </a:r>
+          </a:p>
+          <a:p>
+            <a:pPr lvl="3"/>
+            <a:r>
+              <a:rPr lang="en-US"/>
+              <a:t>Fourth level</a:t>
+            </a:r>
+          </a:p>
+          <a:p>
+            <a:pPr lvl="4"/>
+            <a:r>
+              <a:rPr lang="en-US"/>
+              <a:t>Fifth level</a:t>
+            </a:r>
+            <a:endParaRPr lang="sv-SE"/>
+          </a:p>
+        </p:txBody>
+      </p:sp>
+    </p:spTree>
+    <p:extLst>
+      <p:ext uri="{BB962C8B-B14F-4D97-AF65-F5344CB8AC3E}">
+        <p14:creationId xmlns:p14="http://schemas.microsoft.com/office/powerpoint/2010/main" val="4247611126"/>
+      </p:ext>
+    </p:extLst>
+  </p:cSld>
+  <p:clrMapOvr>
+    <a:masterClrMapping/>
+  </p:clrMapOvr>
+</p:sldLayout>
+</file>
+
+<file path=ppt/slideLayouts/slideLayout25.xml><?xml version="1.0" encoding="utf-8"?>
+<p:sldLayout xmlns:a="http://schemas.openxmlformats.org/drawingml/2006/main" xmlns:r="http://schemas.openxmlformats.org/officeDocument/2006/relationships" xmlns:p="http://schemas.openxmlformats.org/presentationml/2006/main" type="vertTitleAndTx" preserve="1">
+  <p:cSld name="Lodrät rubrik och text">
+    <p:spTree>
+      <p:nvGrpSpPr>
+        <p:cNvPr id="1" name=""/>
+        <p:cNvGrpSpPr/>
+        <p:nvPr/>
+      </p:nvGrpSpPr>
+      <p:grpSpPr>
+        <a:xfrm>
+          <a:off x="0" y="0"/>
+          <a:ext cx="0" cy="0"/>
+          <a:chOff x="0" y="0"/>
+          <a:chExt cx="0" cy="0"/>
+        </a:xfrm>
+      </p:grpSpPr>
+      <p:sp>
+        <p:nvSpPr>
+          <p:cNvPr id="2" name="Vertical Title 1"/>
+          <p:cNvSpPr>
+            <a:spLocks noGrp="1"/>
+          </p:cNvSpPr>
+          <p:nvPr>
+            <p:ph type="title" orient="vert"/>
+          </p:nvPr>
+        </p:nvSpPr>
+        <p:spPr>
+          <a:xfrm>
+            <a:off x="6661150" y="765175"/>
+            <a:ext cx="2087563" cy="5327650"/>
+          </a:xfrm>
+        </p:spPr>
+        <p:txBody>
+          <a:bodyPr vert="eaVert"/>
+          <a:lstStyle/>
+          <a:p>
+            <a:r>
+              <a:rPr lang="en-US"/>
+              <a:t>Click to edit Master title style</a:t>
+            </a:r>
+            <a:endParaRPr lang="sv-SE"/>
+          </a:p>
+        </p:txBody>
+      </p:sp>
+      <p:sp>
+        <p:nvSpPr>
+          <p:cNvPr id="3" name="Vertical Text Placeholder 2"/>
+          <p:cNvSpPr>
+            <a:spLocks noGrp="1"/>
+          </p:cNvSpPr>
+          <p:nvPr>
+            <p:ph type="body" orient="vert" idx="1"/>
+          </p:nvPr>
+        </p:nvSpPr>
+        <p:spPr>
+          <a:xfrm>
+            <a:off x="395288" y="765175"/>
+            <a:ext cx="6113462" cy="5327650"/>
+          </a:xfrm>
+        </p:spPr>
+        <p:txBody>
+          <a:bodyPr vert="eaVert"/>
+          <a:lstStyle/>
+          <a:p>
+            <a:pPr lvl="0"/>
+            <a:r>
+              <a:rPr lang="en-US"/>
+              <a:t>Edit Master text styles</a:t>
+            </a:r>
+          </a:p>
+          <a:p>
+            <a:pPr lvl="1"/>
+            <a:r>
+              <a:rPr lang="en-US"/>
+              <a:t>Second level</a:t>
+            </a:r>
+          </a:p>
+          <a:p>
+            <a:pPr lvl="2"/>
+            <a:r>
+              <a:rPr lang="en-US"/>
+              <a:t>Third level</a:t>
+            </a:r>
+          </a:p>
+          <a:p>
+            <a:pPr lvl="3"/>
+            <a:r>
+              <a:rPr lang="en-US"/>
+              <a:t>Fourth level</a:t>
+            </a:r>
+          </a:p>
+          <a:p>
+            <a:pPr lvl="4"/>
+            <a:r>
+              <a:rPr lang="en-US"/>
+              <a:t>Fifth level</a:t>
+            </a:r>
+            <a:endParaRPr lang="sv-SE"/>
+          </a:p>
+        </p:txBody>
+      </p:sp>
+    </p:spTree>
+    <p:extLst>
+      <p:ext uri="{BB962C8B-B14F-4D97-AF65-F5344CB8AC3E}">
+        <p14:creationId xmlns:p14="http://schemas.microsoft.com/office/powerpoint/2010/main" val="311518321"/>
+      </p:ext>
+    </p:extLst>
+  </p:cSld>
+  <p:clrMapOvr>
+    <a:masterClrMapping/>
+  </p:clrMapOvr>
+</p:sldLayout>
+</file>
+
+<file path=ppt/slideLayouts/slideLayout26.xml><?xml version="1.0" encoding="utf-8"?>
+<p:sldLayout xmlns:a="http://schemas.openxmlformats.org/drawingml/2006/main" xmlns:r="http://schemas.openxmlformats.org/officeDocument/2006/relationships" xmlns:p="http://schemas.openxmlformats.org/presentationml/2006/main" type="tbl">
+  <p:cSld name="Title and Table">
+    <p:spTree>
+      <p:nvGrpSpPr>
+        <p:cNvPr id="1" name=""/>
+        <p:cNvGrpSpPr/>
+        <p:nvPr/>
+      </p:nvGrpSpPr>
+      <p:grpSpPr>
+        <a:xfrm>
+          <a:off x="0" y="0"/>
+          <a:ext cx="0" cy="0"/>
+          <a:chOff x="0" y="0"/>
+          <a:chExt cx="0" cy="0"/>
+        </a:xfrm>
+      </p:grpSpPr>
+      <p:sp>
+        <p:nvSpPr>
+          <p:cNvPr id="2" name="Title 1"/>
+          <p:cNvSpPr>
+            <a:spLocks noGrp="1"/>
+          </p:cNvSpPr>
+          <p:nvPr>
+            <p:ph type="title"/>
+          </p:nvPr>
+        </p:nvSpPr>
+        <p:spPr>
+          <a:xfrm>
+            <a:off x="460375" y="167357"/>
+            <a:ext cx="7773988" cy="741363"/>
+          </a:xfrm>
+        </p:spPr>
+        <p:txBody>
+          <a:bodyPr/>
+          <a:lstStyle/>
+          <a:p>
+            <a:r>
+              <a:rPr lang="en-US"/>
+              <a:t>Click to edit Master title style</a:t>
+            </a:r>
+          </a:p>
+        </p:txBody>
+      </p:sp>
+      <p:sp>
+        <p:nvSpPr>
+          <p:cNvPr id="3" name="Table Placeholder 2"/>
+          <p:cNvSpPr>
+            <a:spLocks noGrp="1"/>
+          </p:cNvSpPr>
+          <p:nvPr>
+            <p:ph type="tbl" idx="1"/>
+          </p:nvPr>
+        </p:nvSpPr>
+        <p:spPr>
+          <a:xfrm>
+            <a:off x="458788" y="992188"/>
+            <a:ext cx="7751762" cy="4386262"/>
+          </a:xfrm>
+        </p:spPr>
+        <p:txBody>
+          <a:bodyPr/>
+          <a:lstStyle/>
+          <a:p>
+            <a:pPr lvl="0"/>
+            <a:r>
+              <a:rPr lang="en-US" noProof="0"/>
+              <a:t>Click icon to add table</a:t>
+            </a:r>
+          </a:p>
+        </p:txBody>
+      </p:sp>
+    </p:spTree>
+    <p:extLst>
+      <p:ext uri="{BB962C8B-B14F-4D97-AF65-F5344CB8AC3E}">
+        <p14:creationId xmlns:p14="http://schemas.microsoft.com/office/powerpoint/2010/main" val="348806386"/>
+      </p:ext>
+    </p:extLst>
+  </p:cSld>
+  <p:clrMapOvr>
+    <a:masterClrMapping/>
+  </p:clrMapOvr>
+</p:sldLayout>
+</file>
+
+<file path=ppt/slideLayouts/slideLayout27.xml><?xml version="1.0" encoding="utf-8"?>
+<p:sldLayout xmlns:a="http://schemas.openxmlformats.org/drawingml/2006/main" xmlns:r="http://schemas.openxmlformats.org/officeDocument/2006/relationships" xmlns:p="http://schemas.openxmlformats.org/presentationml/2006/main">
+  <p:cSld name="1_Title and Content">
+    <p:spTree>
+      <p:nvGrpSpPr>
+        <p:cNvPr id="1" name=""/>
+        <p:cNvGrpSpPr/>
+        <p:nvPr/>
+      </p:nvGrpSpPr>
+      <p:grpSpPr>
+        <a:xfrm>
+          <a:off x="0" y="0"/>
+          <a:ext cx="0" cy="0"/>
+          <a:chOff x="0" y="0"/>
+          <a:chExt cx="0" cy="0"/>
+        </a:xfrm>
+      </p:grpSpPr>
+      <p:sp>
+        <p:nvSpPr>
+          <p:cNvPr id="2" name="Title 1"/>
+          <p:cNvSpPr>
+            <a:spLocks noGrp="1"/>
+          </p:cNvSpPr>
+          <p:nvPr>
+            <p:ph type="title"/>
+          </p:nvPr>
+        </p:nvSpPr>
+        <p:spPr/>
+        <p:txBody>
+          <a:bodyPr/>
+          <a:lstStyle>
+            <a:lvl1pPr>
+              <a:defRPr>
+                <a:latin typeface="+mj-lt"/>
+              </a:defRPr>
+            </a:lvl1pPr>
+          </a:lstStyle>
+          <a:p>
+            <a:r>
+              <a:rPr lang="en-US"/>
+              <a:t>Click to edit Master title style</a:t>
+            </a:r>
+            <a:endParaRPr lang="en-US" dirty="0"/>
+          </a:p>
+        </p:txBody>
+      </p:sp>
+      <p:sp>
+        <p:nvSpPr>
+          <p:cNvPr id="6" name="Text Placeholder 5"/>
+          <p:cNvSpPr>
+            <a:spLocks noGrp="1"/>
+          </p:cNvSpPr>
+          <p:nvPr>
+            <p:ph type="body" sz="quarter" idx="10"/>
+          </p:nvPr>
+        </p:nvSpPr>
+        <p:spPr>
+          <a:xfrm>
+            <a:off x="381000" y="1411552"/>
+            <a:ext cx="8382000" cy="2210862"/>
+          </a:xfrm>
+        </p:spPr>
+        <p:txBody>
+          <a:bodyPr/>
+          <a:lstStyle>
+            <a:lvl1pPr>
+              <a:lnSpc>
+                <a:spcPct val="90000"/>
+              </a:lnSpc>
+              <a:defRPr>
+                <a:latin typeface="+mn-lt"/>
+              </a:defRPr>
+            </a:lvl1pPr>
+            <a:lvl2pPr>
+              <a:lnSpc>
+                <a:spcPct val="90000"/>
+              </a:lnSpc>
+              <a:defRPr>
+                <a:latin typeface="+mn-lt"/>
+              </a:defRPr>
+            </a:lvl2pPr>
+            <a:lvl3pPr>
+              <a:lnSpc>
+                <a:spcPct val="90000"/>
+              </a:lnSpc>
+              <a:defRPr>
+                <a:latin typeface="+mn-lt"/>
+              </a:defRPr>
+            </a:lvl3pPr>
+            <a:lvl4pPr>
+              <a:lnSpc>
+                <a:spcPct val="90000"/>
+              </a:lnSpc>
+              <a:defRPr>
+                <a:latin typeface="+mn-lt"/>
+              </a:defRPr>
+            </a:lvl4pPr>
+            <a:lvl5pPr>
+              <a:lnSpc>
+                <a:spcPct val="90000"/>
+              </a:lnSpc>
+              <a:defRPr>
+                <a:latin typeface="+mn-lt"/>
+              </a:defRPr>
+            </a:lvl5pPr>
+          </a:lstStyle>
+          <a:p>
+            <a:pPr lvl="0"/>
+            <a:r>
+              <a:rPr lang="en-US"/>
+              <a:t>Edit Master text styles</a:t>
+            </a:r>
+          </a:p>
+          <a:p>
+            <a:pPr lvl="1"/>
+            <a:r>
+              <a:rPr lang="en-US"/>
+              <a:t>Second level</a:t>
+            </a:r>
+          </a:p>
+          <a:p>
+            <a:pPr lvl="2"/>
+            <a:r>
+              <a:rPr lang="en-US"/>
+              <a:t>Third level</a:t>
+            </a:r>
+          </a:p>
+          <a:p>
+            <a:pPr lvl="3"/>
+            <a:r>
+              <a:rPr lang="en-US"/>
+              <a:t>Fourth level</a:t>
+            </a:r>
+          </a:p>
+          <a:p>
+            <a:pPr lvl="4"/>
+            <a:r>
+              <a:rPr lang="en-US"/>
+              <a:t>Fifth level</a:t>
+            </a:r>
+            <a:endParaRPr lang="en-US" dirty="0"/>
+          </a:p>
+        </p:txBody>
+      </p:sp>
+    </p:spTree>
+    <p:extLst>
+      <p:ext uri="{BB962C8B-B14F-4D97-AF65-F5344CB8AC3E}">
+        <p14:creationId xmlns:p14="http://schemas.microsoft.com/office/powerpoint/2010/main" val="4062191496"/>
+      </p:ext>
+    </p:extLst>
+  </p:cSld>
+  <p:clrMapOvr>
+    <a:masterClrMapping/>
+  </p:clrMapOvr>
+  <p:transition>
+    <p:fade/>
+  </p:transition>
+</p:sldLayout>
+</file>
+
+<file path=ppt/slideLayouts/slideLayout28.xml><?xml version="1.0" encoding="utf-8"?>
+<p:sldLayout xmlns:a="http://schemas.openxmlformats.org/drawingml/2006/main" xmlns:r="http://schemas.openxmlformats.org/officeDocument/2006/relationships" xmlns:p="http://schemas.openxmlformats.org/presentationml/2006/main" type="tx">
+  <p:cSld name="Title and Text">
+    <p:spTree>
+      <p:nvGrpSpPr>
+        <p:cNvPr id="1" name=""/>
+        <p:cNvGrpSpPr/>
+        <p:nvPr/>
+      </p:nvGrpSpPr>
+      <p:grpSpPr>
+        <a:xfrm>
+          <a:off x="0" y="0"/>
+          <a:ext cx="0" cy="0"/>
+          <a:chOff x="0" y="0"/>
+          <a:chExt cx="0" cy="0"/>
+        </a:xfrm>
+      </p:grpSpPr>
+      <p:sp>
+        <p:nvSpPr>
+          <p:cNvPr id="2" name="Shape 1"/>
+          <p:cNvSpPr>
+            <a:spLocks noGrp="1"/>
+          </p:cNvSpPr>
+          <p:nvPr>
+            <p:ph type="title"/>
+          </p:nvPr>
+        </p:nvSpPr>
+        <p:spPr/>
+        <p:txBody>
+          <a:bodyPr rtlCol="0"/>
+          <a:lstStyle/>
+          <a:p>
+            <a:r>
+              <a:rPr lang="en-US"/>
+              <a:t>Click to edit Master title style</a:t>
+            </a:r>
+          </a:p>
+        </p:txBody>
+      </p:sp>
+      <p:sp>
+        <p:nvSpPr>
+          <p:cNvPr id="3" name="Shape 2"/>
+          <p:cNvSpPr>
+            <a:spLocks noGrp="1"/>
+          </p:cNvSpPr>
+          <p:nvPr>
+            <p:ph type="body" idx="1"/>
+          </p:nvPr>
+        </p:nvSpPr>
+        <p:spPr/>
+        <p:txBody>
+          <a:bodyPr rtlCol="0"/>
+          <a:lstStyle/>
+          <a:p>
+            <a:pPr lvl="0"/>
+            <a:r>
+              <a:rPr lang="en-US"/>
+              <a:t>Edit Master text styles</a:t>
+            </a:r>
+          </a:p>
+          <a:p>
+            <a:pPr lvl="1"/>
+            <a:r>
+              <a:rPr lang="en-US"/>
+              <a:t>Second level</a:t>
+            </a:r>
+          </a:p>
+          <a:p>
+            <a:pPr lvl="2"/>
+            <a:r>
+              <a:rPr lang="en-US"/>
+              <a:t>Third level</a:t>
+            </a:r>
+          </a:p>
+          <a:p>
+            <a:pPr lvl="3"/>
+            <a:r>
+              <a:rPr lang="en-US"/>
+              <a:t>Fourth level</a:t>
+            </a:r>
+          </a:p>
+          <a:p>
+            <a:pPr lvl="4"/>
+            <a:r>
+              <a:rPr lang="en-US"/>
+              <a:t>Fifth level</a:t>
+            </a:r>
+          </a:p>
+        </p:txBody>
+      </p:sp>
+    </p:spTree>
+    <p:extLst>
+      <p:ext uri="{BB962C8B-B14F-4D97-AF65-F5344CB8AC3E}">
+        <p14:creationId xmlns:p14="http://schemas.microsoft.com/office/powerpoint/2010/main" val="2845135583"/>
       </p:ext>
     </p:extLst>
   </p:cSld>
@@ -3971,7 +6304,7 @@
           <a:p>
             <a:fld id="{076141BC-180D-4B6E-943F-01699F625B70}" type="datetimeFigureOut">
               <a:rPr lang="en-US" smtClean="0"/>
-              <a:t>12/13/2016</a:t>
+              <a:t>12/16/2016</a:t>
             </a:fld>
             <a:endParaRPr lang="en-US"/>
           </a:p>
@@ -4200,7 +6533,7 @@
           <a:p>
             <a:fld id="{076141BC-180D-4B6E-943F-01699F625B70}" type="datetimeFigureOut">
               <a:rPr lang="en-US" smtClean="0"/>
-              <a:t>12/13/2016</a:t>
+              <a:t>12/16/2016</a:t>
             </a:fld>
             <a:endParaRPr lang="en-US"/>
           </a:p>
@@ -4564,7 +6897,7 @@
           <a:p>
             <a:fld id="{076141BC-180D-4B6E-943F-01699F625B70}" type="datetimeFigureOut">
               <a:rPr lang="en-US" smtClean="0"/>
-              <a:t>12/13/2016</a:t>
+              <a:t>12/16/2016</a:t>
             </a:fld>
             <a:endParaRPr lang="en-US"/>
           </a:p>
@@ -4681,7 +7014,7 @@
           <a:p>
             <a:fld id="{076141BC-180D-4B6E-943F-01699F625B70}" type="datetimeFigureOut">
               <a:rPr lang="en-US" smtClean="0"/>
-              <a:t>12/13/2016</a:t>
+              <a:t>12/16/2016</a:t>
             </a:fld>
             <a:endParaRPr lang="en-US"/>
           </a:p>
@@ -4776,7 +7109,7 @@
           <a:p>
             <a:fld id="{076141BC-180D-4B6E-943F-01699F625B70}" type="datetimeFigureOut">
               <a:rPr lang="en-US" smtClean="0"/>
-              <a:t>12/13/2016</a:t>
+              <a:t>12/16/2016</a:t>
             </a:fld>
             <a:endParaRPr lang="en-US"/>
           </a:p>
@@ -5051,7 +7384,7 @@
           <a:p>
             <a:fld id="{076141BC-180D-4B6E-943F-01699F625B70}" type="datetimeFigureOut">
               <a:rPr lang="en-US" smtClean="0"/>
-              <a:t>12/13/2016</a:t>
+              <a:t>12/16/2016</a:t>
             </a:fld>
             <a:endParaRPr lang="en-US"/>
           </a:p>
@@ -5303,7 +7636,7 @@
           <a:p>
             <a:fld id="{076141BC-180D-4B6E-943F-01699F625B70}" type="datetimeFigureOut">
               <a:rPr lang="en-US" smtClean="0"/>
-              <a:t>12/13/2016</a:t>
+              <a:t>12/16/2016</a:t>
             </a:fld>
             <a:endParaRPr lang="en-US"/>
           </a:p>
@@ -5514,7 +7847,7 @@
           <a:p>
             <a:fld id="{076141BC-180D-4B6E-943F-01699F625B70}" type="datetimeFigureOut">
               <a:rPr lang="en-US" smtClean="0"/>
-              <a:t>12/13/2016</a:t>
+              <a:t>12/16/2016</a:t>
             </a:fld>
             <a:endParaRPr lang="en-US"/>
           </a:p>
@@ -5902,6 +8235,615 @@
 </p:sldMaster>
 </file>
 
+<file path=ppt/slideMasters/slideMaster2.xml><?xml version="1.0" encoding="utf-8"?>
+<p:sldMaster xmlns:a="http://schemas.openxmlformats.org/drawingml/2006/main" xmlns:r="http://schemas.openxmlformats.org/officeDocument/2006/relationships" xmlns:p="http://schemas.openxmlformats.org/presentationml/2006/main" preserve="1">
+  <p:cSld>
+    <p:bg>
+      <p:bgPr>
+        <a:solidFill>
+          <a:schemeClr val="bg1"/>
+        </a:solidFill>
+        <a:effectLst/>
+      </p:bgPr>
+    </p:bg>
+    <p:spTree>
+      <p:nvGrpSpPr>
+        <p:cNvPr id="1" name=""/>
+        <p:cNvGrpSpPr/>
+        <p:nvPr/>
+      </p:nvGrpSpPr>
+      <p:grpSpPr>
+        <a:xfrm>
+          <a:off x="0" y="0"/>
+          <a:ext cx="0" cy="0"/>
+          <a:chOff x="0" y="0"/>
+          <a:chExt cx="0" cy="0"/>
+        </a:xfrm>
+      </p:grpSpPr>
+      <p:sp>
+        <p:nvSpPr>
+          <p:cNvPr id="1028" name="Rectangle 4"/>
+          <p:cNvSpPr>
+            <a:spLocks noGrp="1" noChangeArrowheads="1"/>
+          </p:cNvSpPr>
+          <p:nvPr>
+            <p:ph type="body" idx="1"/>
+          </p:nvPr>
+        </p:nvSpPr>
+        <p:spPr bwMode="gray">
+          <a:xfrm>
+            <a:off x="395288" y="1484313"/>
+            <a:ext cx="8353425" cy="4608512"/>
+          </a:xfrm>
+          <a:prstGeom prst="rect">
+            <a:avLst/>
+          </a:prstGeom>
+          <a:extLst>
+            <a:ext uri="{909E8E84-426E-40DD-AFC4-6F175D3DCCD1}">
+              <a14:hiddenFill xmlns:a14="http://schemas.microsoft.com/office/drawing/2010/main">
+                <a:solidFill>
+                  <a:srgbClr val="FFFFFF"/>
+                </a:solidFill>
+              </a14:hiddenFill>
+            </a:ext>
+            <a:ext uri="{91240B29-F687-4F45-9708-019B960494DF}">
+              <a14:hiddenLine xmlns:a14="http://schemas.microsoft.com/office/drawing/2010/main" w="9525">
+                <a:solidFill>
+                  <a:srgbClr val="000000"/>
+                </a:solidFill>
+                <a:miter lim="800000"/>
+                <a:headEnd/>
+                <a:tailEnd/>
+              </a14:hiddenLine>
+            </a:ext>
+            <a:ext uri="{53640926-AAD7-44D8-BBD7-CCE9431645EC}">
+              <a14:shadowObscured xmlns:a14="http://schemas.microsoft.com/office/drawing/2010/main" val="1"/>
+            </a:ext>
+          </a:extLst>
+        </p:spPr>
+        <p:txBody>
+          <a:bodyPr vert="horz" wrap="square" lIns="0" tIns="0" rIns="0" bIns="0" numCol="1" anchor="t" anchorCtr="0" compatLnSpc="1">
+            <a:prstTxWarp prst="textNoShape">
+              <a:avLst/>
+            </a:prstTxWarp>
+          </a:bodyPr>
+          <a:lstStyle/>
+          <a:p>
+            <a:pPr lvl="0"/>
+            <a:r>
+              <a:rPr lang="sv-SE" dirty="0"/>
+              <a:t>Klicka här för att ändra format på bakgrundstexten</a:t>
+            </a:r>
+          </a:p>
+          <a:p>
+            <a:pPr lvl="1"/>
+            <a:r>
+              <a:rPr lang="sv-SE" dirty="0"/>
+              <a:t>Nivå två</a:t>
+            </a:r>
+          </a:p>
+          <a:p>
+            <a:pPr lvl="2"/>
+            <a:r>
+              <a:rPr lang="sv-SE" dirty="0"/>
+              <a:t>Nivå tre</a:t>
+            </a:r>
+          </a:p>
+          <a:p>
+            <a:pPr lvl="3"/>
+            <a:r>
+              <a:rPr lang="sv-SE" dirty="0"/>
+              <a:t>Nivå fyra</a:t>
+            </a:r>
+          </a:p>
+          <a:p>
+            <a:pPr lvl="4"/>
+            <a:r>
+              <a:rPr lang="sv-SE" dirty="0"/>
+              <a:t>Nivå fem</a:t>
+            </a:r>
+            <a:endParaRPr lang="en-GB" dirty="0"/>
+          </a:p>
+        </p:txBody>
+      </p:sp>
+      <p:sp>
+        <p:nvSpPr>
+          <p:cNvPr id="1029" name="Rectangle 5"/>
+          <p:cNvSpPr>
+            <a:spLocks noGrp="1" noChangeArrowheads="1"/>
+          </p:cNvSpPr>
+          <p:nvPr>
+            <p:ph type="title"/>
+          </p:nvPr>
+        </p:nvSpPr>
+        <p:spPr bwMode="gray">
+          <a:xfrm>
+            <a:off x="395288" y="765175"/>
+            <a:ext cx="8353425" cy="360363"/>
+          </a:xfrm>
+          <a:prstGeom prst="rect">
+            <a:avLst/>
+          </a:prstGeom>
+          <a:extLst>
+            <a:ext uri="{909E8E84-426E-40DD-AFC4-6F175D3DCCD1}">
+              <a14:hiddenFill xmlns:a14="http://schemas.microsoft.com/office/drawing/2010/main">
+                <a:solidFill>
+                  <a:srgbClr val="FFFFFF"/>
+                </a:solidFill>
+              </a14:hiddenFill>
+            </a:ext>
+            <a:ext uri="{91240B29-F687-4F45-9708-019B960494DF}">
+              <a14:hiddenLine xmlns:a14="http://schemas.microsoft.com/office/drawing/2010/main" w="9525">
+                <a:solidFill>
+                  <a:srgbClr val="000000"/>
+                </a:solidFill>
+                <a:miter lim="800000"/>
+                <a:headEnd/>
+                <a:tailEnd/>
+              </a14:hiddenLine>
+            </a:ext>
+            <a:ext uri="{53640926-AAD7-44D8-BBD7-CCE9431645EC}">
+              <a14:shadowObscured xmlns:a14="http://schemas.microsoft.com/office/drawing/2010/main" val="1"/>
+            </a:ext>
+          </a:extLst>
+        </p:spPr>
+        <p:txBody>
+          <a:bodyPr vert="horz" wrap="square" lIns="0" tIns="0" rIns="0" bIns="0" numCol="1" anchor="ctr" anchorCtr="0" compatLnSpc="1">
+            <a:prstTxWarp prst="textNoShape">
+              <a:avLst/>
+            </a:prstTxWarp>
+          </a:bodyPr>
+          <a:lstStyle/>
+          <a:p>
+            <a:pPr lvl="0"/>
+            <a:r>
+              <a:rPr lang="en-GB" dirty="0"/>
+              <a:t>Click to add title</a:t>
+            </a:r>
+          </a:p>
+        </p:txBody>
+      </p:sp>
+    </p:spTree>
+    <p:extLst>
+      <p:ext uri="{BB962C8B-B14F-4D97-AF65-F5344CB8AC3E}">
+        <p14:creationId xmlns:p14="http://schemas.microsoft.com/office/powerpoint/2010/main" val="2459019674"/>
+      </p:ext>
+    </p:extLst>
+  </p:cSld>
+  <p:clrMap bg1="lt1" tx1="dk1" bg2="lt2" tx2="dk2" accent1="accent1" accent2="accent2" accent3="accent3" accent4="accent4" accent5="accent5" accent6="accent6" hlink="hlink" folHlink="folHlink"/>
+  <p:sldLayoutIdLst>
+    <p:sldLayoutId id="2147484035" r:id="rId1"/>
+    <p:sldLayoutId id="2147484036" r:id="rId2"/>
+    <p:sldLayoutId id="2147484037" r:id="rId3"/>
+    <p:sldLayoutId id="2147484038" r:id="rId4"/>
+    <p:sldLayoutId id="2147484039" r:id="rId5"/>
+    <p:sldLayoutId id="2147484040" r:id="rId6"/>
+    <p:sldLayoutId id="2147484041" r:id="rId7"/>
+    <p:sldLayoutId id="2147484042" r:id="rId8"/>
+    <p:sldLayoutId id="2147484043" r:id="rId9"/>
+    <p:sldLayoutId id="2147484044" r:id="rId10"/>
+    <p:sldLayoutId id="2147484045" r:id="rId11"/>
+    <p:sldLayoutId id="2147484046" r:id="rId12"/>
+    <p:sldLayoutId id="2147484047" r:id="rId13"/>
+    <p:sldLayoutId id="2147484048" r:id="rId14"/>
+    <p:sldLayoutId id="2147484049" r:id="rId15"/>
+    <p:sldLayoutId id="2147484050" r:id="rId16"/>
+    <p:sldLayoutId id="2147484051" r:id="rId17"/>
+  </p:sldLayoutIdLst>
+  <p:txStyles>
+    <p:titleStyle>
+      <a:lvl1pPr algn="l" rtl="0" eaLnBrk="1" fontAlgn="base" hangingPunct="1">
+        <a:spcBef>
+          <a:spcPct val="0"/>
+        </a:spcBef>
+        <a:spcAft>
+          <a:spcPct val="0"/>
+        </a:spcAft>
+        <a:defRPr sz="2000" b="1">
+          <a:solidFill>
+            <a:schemeClr val="tx1"/>
+          </a:solidFill>
+          <a:latin typeface="+mj-lt"/>
+          <a:ea typeface="+mj-ea"/>
+          <a:cs typeface="+mj-cs"/>
+        </a:defRPr>
+      </a:lvl1pPr>
+      <a:lvl2pPr algn="l" rtl="0" eaLnBrk="1" fontAlgn="base" hangingPunct="1">
+        <a:spcBef>
+          <a:spcPct val="0"/>
+        </a:spcBef>
+        <a:spcAft>
+          <a:spcPct val="0"/>
+        </a:spcAft>
+        <a:defRPr sz="2000" b="1">
+          <a:solidFill>
+            <a:schemeClr val="bg1"/>
+          </a:solidFill>
+          <a:latin typeface="Arial" charset="0"/>
+        </a:defRPr>
+      </a:lvl2pPr>
+      <a:lvl3pPr algn="l" rtl="0" eaLnBrk="1" fontAlgn="base" hangingPunct="1">
+        <a:spcBef>
+          <a:spcPct val="0"/>
+        </a:spcBef>
+        <a:spcAft>
+          <a:spcPct val="0"/>
+        </a:spcAft>
+        <a:defRPr sz="2000" b="1">
+          <a:solidFill>
+            <a:schemeClr val="bg1"/>
+          </a:solidFill>
+          <a:latin typeface="Arial" charset="0"/>
+        </a:defRPr>
+      </a:lvl3pPr>
+      <a:lvl4pPr algn="l" rtl="0" eaLnBrk="1" fontAlgn="base" hangingPunct="1">
+        <a:spcBef>
+          <a:spcPct val="0"/>
+        </a:spcBef>
+        <a:spcAft>
+          <a:spcPct val="0"/>
+        </a:spcAft>
+        <a:defRPr sz="2000" b="1">
+          <a:solidFill>
+            <a:schemeClr val="bg1"/>
+          </a:solidFill>
+          <a:latin typeface="Arial" charset="0"/>
+        </a:defRPr>
+      </a:lvl4pPr>
+      <a:lvl5pPr algn="l" rtl="0" eaLnBrk="1" fontAlgn="base" hangingPunct="1">
+        <a:spcBef>
+          <a:spcPct val="0"/>
+        </a:spcBef>
+        <a:spcAft>
+          <a:spcPct val="0"/>
+        </a:spcAft>
+        <a:defRPr sz="2000" b="1">
+          <a:solidFill>
+            <a:schemeClr val="bg1"/>
+          </a:solidFill>
+          <a:latin typeface="Arial" charset="0"/>
+        </a:defRPr>
+      </a:lvl5pPr>
+      <a:lvl6pPr marL="457200" algn="l" rtl="0" eaLnBrk="1" fontAlgn="base" hangingPunct="1">
+        <a:spcBef>
+          <a:spcPct val="0"/>
+        </a:spcBef>
+        <a:spcAft>
+          <a:spcPct val="0"/>
+        </a:spcAft>
+        <a:defRPr sz="2000" b="1">
+          <a:solidFill>
+            <a:schemeClr val="bg1"/>
+          </a:solidFill>
+          <a:latin typeface="Arial" charset="0"/>
+        </a:defRPr>
+      </a:lvl6pPr>
+      <a:lvl7pPr marL="914400" algn="l" rtl="0" eaLnBrk="1" fontAlgn="base" hangingPunct="1">
+        <a:spcBef>
+          <a:spcPct val="0"/>
+        </a:spcBef>
+        <a:spcAft>
+          <a:spcPct val="0"/>
+        </a:spcAft>
+        <a:defRPr sz="2000" b="1">
+          <a:solidFill>
+            <a:schemeClr val="bg1"/>
+          </a:solidFill>
+          <a:latin typeface="Arial" charset="0"/>
+        </a:defRPr>
+      </a:lvl7pPr>
+      <a:lvl8pPr marL="1371600" algn="l" rtl="0" eaLnBrk="1" fontAlgn="base" hangingPunct="1">
+        <a:spcBef>
+          <a:spcPct val="0"/>
+        </a:spcBef>
+        <a:spcAft>
+          <a:spcPct val="0"/>
+        </a:spcAft>
+        <a:defRPr sz="2000" b="1">
+          <a:solidFill>
+            <a:schemeClr val="bg1"/>
+          </a:solidFill>
+          <a:latin typeface="Arial" charset="0"/>
+        </a:defRPr>
+      </a:lvl8pPr>
+      <a:lvl9pPr marL="1828800" algn="l" rtl="0" eaLnBrk="1" fontAlgn="base" hangingPunct="1">
+        <a:spcBef>
+          <a:spcPct val="0"/>
+        </a:spcBef>
+        <a:spcAft>
+          <a:spcPct val="0"/>
+        </a:spcAft>
+        <a:defRPr sz="2000" b="1">
+          <a:solidFill>
+            <a:schemeClr val="bg1"/>
+          </a:solidFill>
+          <a:latin typeface="Arial" charset="0"/>
+        </a:defRPr>
+      </a:lvl9pPr>
+    </p:titleStyle>
+    <p:bodyStyle>
+      <a:lvl1pPr marL="177800" indent="-177800" algn="l" rtl="0" eaLnBrk="1" fontAlgn="base" hangingPunct="1">
+        <a:spcBef>
+          <a:spcPct val="40000"/>
+        </a:spcBef>
+        <a:spcAft>
+          <a:spcPct val="0"/>
+        </a:spcAft>
+        <a:buClr>
+          <a:schemeClr val="accent1"/>
+        </a:buClr>
+        <a:buFont typeface="Wingdings" pitchFamily="2" charset="2"/>
+        <a:buChar char="§"/>
+        <a:defRPr lang="sv-SE" dirty="0" smtClean="0">
+          <a:solidFill>
+            <a:schemeClr val="tx1"/>
+          </a:solidFill>
+          <a:latin typeface="+mn-lt"/>
+          <a:ea typeface="+mn-ea"/>
+          <a:cs typeface="+mn-cs"/>
+        </a:defRPr>
+      </a:lvl1pPr>
+      <a:lvl2pPr marL="541338" indent="-184150" algn="l" rtl="0" eaLnBrk="1" fontAlgn="base" hangingPunct="1">
+        <a:spcBef>
+          <a:spcPct val="40000"/>
+        </a:spcBef>
+        <a:spcAft>
+          <a:spcPct val="0"/>
+        </a:spcAft>
+        <a:buClr>
+          <a:schemeClr val="accent1"/>
+        </a:buClr>
+        <a:buFont typeface="Wingdings" pitchFamily="2" charset="2"/>
+        <a:buChar char="§"/>
+        <a:defRPr lang="sv-SE" sz="1600" dirty="0" smtClean="0">
+          <a:solidFill>
+            <a:schemeClr val="tx1"/>
+          </a:solidFill>
+          <a:latin typeface="+mn-lt"/>
+          <a:ea typeface="+mn-ea"/>
+          <a:cs typeface="+mn-cs"/>
+        </a:defRPr>
+      </a:lvl2pPr>
+      <a:lvl3pPr marL="896938" indent="-176213" algn="l" rtl="0" eaLnBrk="1" fontAlgn="base" hangingPunct="1">
+        <a:spcBef>
+          <a:spcPct val="40000"/>
+        </a:spcBef>
+        <a:spcAft>
+          <a:spcPct val="0"/>
+        </a:spcAft>
+        <a:buClr>
+          <a:schemeClr val="accent1"/>
+        </a:buClr>
+        <a:buFont typeface="Wingdings" pitchFamily="2" charset="2"/>
+        <a:buChar char="§"/>
+        <a:defRPr lang="sv-SE" sz="1600" dirty="0" smtClean="0">
+          <a:solidFill>
+            <a:schemeClr val="tx1"/>
+          </a:solidFill>
+          <a:latin typeface="+mn-lt"/>
+          <a:ea typeface="+mn-ea"/>
+          <a:cs typeface="+mn-cs"/>
+        </a:defRPr>
+      </a:lvl3pPr>
+      <a:lvl4pPr marL="1252538" indent="-176213" algn="l" rtl="0" eaLnBrk="1" fontAlgn="base" hangingPunct="1">
+        <a:spcBef>
+          <a:spcPct val="40000"/>
+        </a:spcBef>
+        <a:spcAft>
+          <a:spcPct val="0"/>
+        </a:spcAft>
+        <a:buClr>
+          <a:schemeClr val="accent1"/>
+        </a:buClr>
+        <a:buSzPct val="120000"/>
+        <a:buFont typeface="Wingdings" pitchFamily="2" charset="2"/>
+        <a:buChar char="§"/>
+        <a:defRPr lang="sv-SE" sz="1400" dirty="0" smtClean="0">
+          <a:solidFill>
+            <a:schemeClr val="tx1"/>
+          </a:solidFill>
+          <a:latin typeface="+mn-lt"/>
+          <a:ea typeface="+mn-ea"/>
+          <a:cs typeface="+mn-cs"/>
+        </a:defRPr>
+      </a:lvl4pPr>
+      <a:lvl5pPr marL="1616075" indent="-184150" algn="l" rtl="0" eaLnBrk="1" fontAlgn="base" hangingPunct="1">
+        <a:spcBef>
+          <a:spcPct val="40000"/>
+        </a:spcBef>
+        <a:spcAft>
+          <a:spcPct val="0"/>
+        </a:spcAft>
+        <a:buClr>
+          <a:schemeClr val="accent1"/>
+        </a:buClr>
+        <a:buFont typeface="Wingdings" pitchFamily="2" charset="2"/>
+        <a:buChar char="§"/>
+        <a:defRPr lang="en-GB" sz="1400" dirty="0" smtClean="0">
+          <a:solidFill>
+            <a:schemeClr val="tx1"/>
+          </a:solidFill>
+          <a:latin typeface="+mn-lt"/>
+          <a:ea typeface="+mn-ea"/>
+          <a:cs typeface="+mn-cs"/>
+        </a:defRPr>
+      </a:lvl5pPr>
+      <a:lvl6pPr marL="2073275" indent="-184150" algn="l" rtl="0" eaLnBrk="1" fontAlgn="base" hangingPunct="1">
+        <a:spcBef>
+          <a:spcPct val="40000"/>
+        </a:spcBef>
+        <a:spcAft>
+          <a:spcPct val="0"/>
+        </a:spcAft>
+        <a:buClr>
+          <a:schemeClr val="bg2"/>
+        </a:buClr>
+        <a:buFont typeface="Arial" charset="0"/>
+        <a:buChar char="–"/>
+        <a:defRPr sz="1400">
+          <a:solidFill>
+            <a:schemeClr val="tx1"/>
+          </a:solidFill>
+          <a:latin typeface="+mn-lt"/>
+        </a:defRPr>
+      </a:lvl6pPr>
+      <a:lvl7pPr marL="2530475" indent="-184150" algn="l" rtl="0" eaLnBrk="1" fontAlgn="base" hangingPunct="1">
+        <a:spcBef>
+          <a:spcPct val="40000"/>
+        </a:spcBef>
+        <a:spcAft>
+          <a:spcPct val="0"/>
+        </a:spcAft>
+        <a:buClr>
+          <a:schemeClr val="bg2"/>
+        </a:buClr>
+        <a:buFont typeface="Arial" charset="0"/>
+        <a:buChar char="–"/>
+        <a:defRPr sz="1400">
+          <a:solidFill>
+            <a:schemeClr val="tx1"/>
+          </a:solidFill>
+          <a:latin typeface="+mn-lt"/>
+        </a:defRPr>
+      </a:lvl7pPr>
+      <a:lvl8pPr marL="2987675" indent="-184150" algn="l" rtl="0" eaLnBrk="1" fontAlgn="base" hangingPunct="1">
+        <a:spcBef>
+          <a:spcPct val="40000"/>
+        </a:spcBef>
+        <a:spcAft>
+          <a:spcPct val="0"/>
+        </a:spcAft>
+        <a:buClr>
+          <a:schemeClr val="bg2"/>
+        </a:buClr>
+        <a:buFont typeface="Arial" charset="0"/>
+        <a:buChar char="–"/>
+        <a:defRPr sz="1400">
+          <a:solidFill>
+            <a:schemeClr val="tx1"/>
+          </a:solidFill>
+          <a:latin typeface="+mn-lt"/>
+        </a:defRPr>
+      </a:lvl8pPr>
+      <a:lvl9pPr marL="3444875" indent="-184150" algn="l" rtl="0" eaLnBrk="1" fontAlgn="base" hangingPunct="1">
+        <a:spcBef>
+          <a:spcPct val="40000"/>
+        </a:spcBef>
+        <a:spcAft>
+          <a:spcPct val="0"/>
+        </a:spcAft>
+        <a:buClr>
+          <a:schemeClr val="bg2"/>
+        </a:buClr>
+        <a:buFont typeface="Arial" charset="0"/>
+        <a:buChar char="–"/>
+        <a:defRPr sz="1400">
+          <a:solidFill>
+            <a:schemeClr val="tx1"/>
+          </a:solidFill>
+          <a:latin typeface="+mn-lt"/>
+        </a:defRPr>
+      </a:lvl9pPr>
+    </p:bodyStyle>
+    <p:otherStyle>
+      <a:defPPr>
+        <a:defRPr lang="sv-SE"/>
+      </a:defPPr>
+      <a:lvl1pPr marL="0" algn="l" defTabSz="914400" rtl="0" eaLnBrk="1" latinLnBrk="0" hangingPunct="1">
+        <a:defRPr sz="1800" kern="1200">
+          <a:solidFill>
+            <a:schemeClr val="tx1"/>
+          </a:solidFill>
+          <a:latin typeface="+mn-lt"/>
+          <a:ea typeface="+mn-ea"/>
+          <a:cs typeface="+mn-cs"/>
+        </a:defRPr>
+      </a:lvl1pPr>
+      <a:lvl2pPr marL="457200" algn="l" defTabSz="914400" rtl="0" eaLnBrk="1" latinLnBrk="0" hangingPunct="1">
+        <a:defRPr sz="1800" kern="1200">
+          <a:solidFill>
+            <a:schemeClr val="tx1"/>
+          </a:solidFill>
+          <a:latin typeface="+mn-lt"/>
+          <a:ea typeface="+mn-ea"/>
+          <a:cs typeface="+mn-cs"/>
+        </a:defRPr>
+      </a:lvl2pPr>
+      <a:lvl3pPr marL="914400" algn="l" defTabSz="914400" rtl="0" eaLnBrk="1" latinLnBrk="0" hangingPunct="1">
+        <a:defRPr sz="1800" kern="1200">
+          <a:solidFill>
+            <a:schemeClr val="tx1"/>
+          </a:solidFill>
+          <a:latin typeface="+mn-lt"/>
+          <a:ea typeface="+mn-ea"/>
+          <a:cs typeface="+mn-cs"/>
+        </a:defRPr>
+      </a:lvl3pPr>
+      <a:lvl4pPr marL="1371600" algn="l" defTabSz="914400" rtl="0" eaLnBrk="1" latinLnBrk="0" hangingPunct="1">
+        <a:defRPr sz="1800" kern="1200">
+          <a:solidFill>
+            <a:schemeClr val="tx1"/>
+          </a:solidFill>
+          <a:latin typeface="+mn-lt"/>
+          <a:ea typeface="+mn-ea"/>
+          <a:cs typeface="+mn-cs"/>
+        </a:defRPr>
+      </a:lvl4pPr>
+      <a:lvl5pPr marL="1828800" algn="l" defTabSz="914400" rtl="0" eaLnBrk="1" latinLnBrk="0" hangingPunct="1">
+        <a:defRPr sz="1800" kern="1200">
+          <a:solidFill>
+            <a:schemeClr val="tx1"/>
+          </a:solidFill>
+          <a:latin typeface="+mn-lt"/>
+          <a:ea typeface="+mn-ea"/>
+          <a:cs typeface="+mn-cs"/>
+        </a:defRPr>
+      </a:lvl5pPr>
+      <a:lvl6pPr marL="2286000" algn="l" defTabSz="914400" rtl="0" eaLnBrk="1" latinLnBrk="0" hangingPunct="1">
+        <a:defRPr sz="1800" kern="1200">
+          <a:solidFill>
+            <a:schemeClr val="tx1"/>
+          </a:solidFill>
+          <a:latin typeface="+mn-lt"/>
+          <a:ea typeface="+mn-ea"/>
+          <a:cs typeface="+mn-cs"/>
+        </a:defRPr>
+      </a:lvl6pPr>
+      <a:lvl7pPr marL="2743200" algn="l" defTabSz="914400" rtl="0" eaLnBrk="1" latinLnBrk="0" hangingPunct="1">
+        <a:defRPr sz="1800" kern="1200">
+          <a:solidFill>
+            <a:schemeClr val="tx1"/>
+          </a:solidFill>
+          <a:latin typeface="+mn-lt"/>
+          <a:ea typeface="+mn-ea"/>
+          <a:cs typeface="+mn-cs"/>
+        </a:defRPr>
+      </a:lvl7pPr>
+      <a:lvl8pPr marL="3200400" algn="l" defTabSz="914400" rtl="0" eaLnBrk="1" latinLnBrk="0" hangingPunct="1">
+        <a:defRPr sz="1800" kern="1200">
+          <a:solidFill>
+            <a:schemeClr val="tx1"/>
+          </a:solidFill>
+          <a:latin typeface="+mn-lt"/>
+          <a:ea typeface="+mn-ea"/>
+          <a:cs typeface="+mn-cs"/>
+        </a:defRPr>
+      </a:lvl8pPr>
+      <a:lvl9pPr marL="3657600" algn="l" defTabSz="914400" rtl="0" eaLnBrk="1" latinLnBrk="0" hangingPunct="1">
+        <a:defRPr sz="1800" kern="1200">
+          <a:solidFill>
+            <a:schemeClr val="tx1"/>
+          </a:solidFill>
+          <a:latin typeface="+mn-lt"/>
+          <a:ea typeface="+mn-ea"/>
+          <a:cs typeface="+mn-cs"/>
+        </a:defRPr>
+      </a:lvl9pPr>
+    </p:otherStyle>
+  </p:txStyles>
+</p:sldMaster>
+</file>
+
 <file path=ppt/slides/slide1.xml><?xml version="1.0" encoding="utf-8"?>
 <p:sld xmlns:a="http://schemas.openxmlformats.org/drawingml/2006/main" xmlns:r="http://schemas.openxmlformats.org/officeDocument/2006/relationships" xmlns:p="http://schemas.openxmlformats.org/presentationml/2006/main">
   <p:cSld>
@@ -5921,6 +8863,29 @@
       </p:grpSpPr>
       <p:sp>
         <p:nvSpPr>
+          <p:cNvPr id="4098" name="Underrubrik 6"/>
+          <p:cNvSpPr>
+            <a:spLocks noGrp="1"/>
+          </p:cNvSpPr>
+          <p:nvPr>
+            <p:ph type="subTitle" idx="1"/>
+          </p:nvPr>
+        </p:nvSpPr>
+        <p:spPr/>
+        <p:txBody>
+          <a:bodyPr/>
+          <a:lstStyle/>
+          <a:p>
+            <a:r>
+              <a:rPr lang="en-GB"/>
+              <a:t>Schemas </a:t>
+            </a:r>
+            <a:endParaRPr lang="en-GB" dirty="0"/>
+          </a:p>
+        </p:txBody>
+      </p:sp>
+      <p:sp>
+        <p:nvSpPr>
           <p:cNvPr id="4099" name="Rubrik 5"/>
           <p:cNvSpPr>
             <a:spLocks noGrp="1"/>
@@ -5937,29 +8902,6 @@
             <a:r>
               <a:rPr lang="en-US" dirty="0"/>
               <a:t>Developing Integration Solutions using Microsoft BizTalk Server 2016</a:t>
-            </a:r>
-            <a:endParaRPr lang="en-GB" dirty="0"/>
-          </a:p>
-        </p:txBody>
-      </p:sp>
-      <p:sp>
-        <p:nvSpPr>
-          <p:cNvPr id="4098" name="Underrubrik 6"/>
-          <p:cNvSpPr>
-            <a:spLocks noGrp="1"/>
-          </p:cNvSpPr>
-          <p:nvPr>
-            <p:ph type="subTitle" idx="1"/>
-          </p:nvPr>
-        </p:nvSpPr>
-        <p:spPr/>
-        <p:txBody>
-          <a:bodyPr/>
-          <a:lstStyle/>
-          <a:p>
-            <a:r>
-              <a:rPr lang="en-GB"/>
-              <a:t>Schemas </a:t>
             </a:r>
             <a:endParaRPr lang="en-GB" dirty="0"/>
           </a:p>
@@ -16785,7 +19727,7 @@
         <p:spPr/>
         <p:txBody>
           <a:bodyPr>
-            <a:normAutofit fontScale="77500" lnSpcReduction="20000"/>
+            <a:normAutofit fontScale="70000" lnSpcReduction="20000"/>
           </a:bodyPr>
           <a:lstStyle/>
           <a:p>
@@ -30084,6 +33026,407 @@
 </file>
 
 <file path=ppt/theme/theme2.xml><?xml version="1.0" encoding="utf-8"?>
+<a:theme xmlns:a="http://schemas.openxmlformats.org/drawingml/2006/main" name="Anpassad Addskills Theme">
+  <a:themeElements>
+    <a:clrScheme name="© 2008 Logica Slide Master 1">
+      <a:dk1>
+        <a:srgbClr val="000000"/>
+      </a:dk1>
+      <a:lt1>
+        <a:srgbClr val="FFFFFF"/>
+      </a:lt1>
+      <a:dk2>
+        <a:srgbClr val="DDDDDD"/>
+      </a:dk2>
+      <a:lt2>
+        <a:srgbClr val="5F5F5F"/>
+      </a:lt2>
+      <a:accent1>
+        <a:srgbClr val="FFCC00"/>
+      </a:accent1>
+      <a:accent2>
+        <a:srgbClr val="8D979B"/>
+      </a:accent2>
+      <a:accent3>
+        <a:srgbClr val="FFFFFF"/>
+      </a:accent3>
+      <a:accent4>
+        <a:srgbClr val="000000"/>
+      </a:accent4>
+      <a:accent5>
+        <a:srgbClr val="FFE2AA"/>
+      </a:accent5>
+      <a:accent6>
+        <a:srgbClr val="7F888C"/>
+      </a:accent6>
+      <a:hlink>
+        <a:srgbClr val="A5AA78"/>
+      </a:hlink>
+      <a:folHlink>
+        <a:srgbClr val="CE6700"/>
+      </a:folHlink>
+    </a:clrScheme>
+    <a:fontScheme name="© 2008 Logica Slide Master">
+      <a:majorFont>
+        <a:latin typeface="Arial"/>
+        <a:ea typeface=""/>
+        <a:cs typeface=""/>
+      </a:majorFont>
+      <a:minorFont>
+        <a:latin typeface="Arial"/>
+        <a:ea typeface=""/>
+        <a:cs typeface=""/>
+      </a:minorFont>
+    </a:fontScheme>
+    <a:fmtScheme name="Office">
+      <a:fillStyleLst>
+        <a:solidFill>
+          <a:schemeClr val="phClr"/>
+        </a:solidFill>
+        <a:gradFill rotWithShape="1">
+          <a:gsLst>
+            <a:gs pos="0">
+              <a:schemeClr val="phClr">
+                <a:tint val="50000"/>
+                <a:satMod val="300000"/>
+              </a:schemeClr>
+            </a:gs>
+            <a:gs pos="35000">
+              <a:schemeClr val="phClr">
+                <a:tint val="37000"/>
+                <a:satMod val="300000"/>
+              </a:schemeClr>
+            </a:gs>
+            <a:gs pos="100000">
+              <a:schemeClr val="phClr">
+                <a:tint val="15000"/>
+                <a:satMod val="350000"/>
+              </a:schemeClr>
+            </a:gs>
+          </a:gsLst>
+          <a:lin ang="16200000" scaled="1"/>
+        </a:gradFill>
+        <a:gradFill rotWithShape="1">
+          <a:gsLst>
+            <a:gs pos="0">
+              <a:schemeClr val="phClr">
+                <a:shade val="51000"/>
+                <a:satMod val="130000"/>
+              </a:schemeClr>
+            </a:gs>
+            <a:gs pos="80000">
+              <a:schemeClr val="phClr">
+                <a:shade val="93000"/>
+                <a:satMod val="130000"/>
+              </a:schemeClr>
+            </a:gs>
+            <a:gs pos="100000">
+              <a:schemeClr val="phClr">
+                <a:shade val="94000"/>
+                <a:satMod val="135000"/>
+              </a:schemeClr>
+            </a:gs>
+          </a:gsLst>
+          <a:lin ang="16200000" scaled="0"/>
+        </a:gradFill>
+      </a:fillStyleLst>
+      <a:lnStyleLst>
+        <a:ln w="9525" cap="flat" cmpd="sng" algn="ctr">
+          <a:solidFill>
+            <a:schemeClr val="phClr">
+              <a:shade val="95000"/>
+              <a:satMod val="105000"/>
+            </a:schemeClr>
+          </a:solidFill>
+          <a:prstDash val="solid"/>
+        </a:ln>
+        <a:ln w="25400" cap="flat" cmpd="sng" algn="ctr">
+          <a:solidFill>
+            <a:schemeClr val="phClr"/>
+          </a:solidFill>
+          <a:prstDash val="solid"/>
+        </a:ln>
+        <a:ln w="38100" cap="flat" cmpd="sng" algn="ctr">
+          <a:solidFill>
+            <a:schemeClr val="phClr"/>
+          </a:solidFill>
+          <a:prstDash val="solid"/>
+        </a:ln>
+      </a:lnStyleLst>
+      <a:effectStyleLst>
+        <a:effectStyle>
+          <a:effectLst>
+            <a:outerShdw blurRad="40000" dist="20000" dir="5400000" rotWithShape="0">
+              <a:srgbClr val="000000">
+                <a:alpha val="38000"/>
+              </a:srgbClr>
+            </a:outerShdw>
+          </a:effectLst>
+        </a:effectStyle>
+        <a:effectStyle>
+          <a:effectLst>
+            <a:outerShdw blurRad="40000" dist="23000" dir="5400000" rotWithShape="0">
+              <a:srgbClr val="000000">
+                <a:alpha val="35000"/>
+              </a:srgbClr>
+            </a:outerShdw>
+          </a:effectLst>
+        </a:effectStyle>
+        <a:effectStyle>
+          <a:effectLst>
+            <a:outerShdw blurRad="40000" dist="23000" dir="5400000" rotWithShape="0">
+              <a:srgbClr val="000000">
+                <a:alpha val="35000"/>
+              </a:srgbClr>
+            </a:outerShdw>
+          </a:effectLst>
+          <a:scene3d>
+            <a:camera prst="orthographicFront">
+              <a:rot lat="0" lon="0" rev="0"/>
+            </a:camera>
+            <a:lightRig rig="threePt" dir="t">
+              <a:rot lat="0" lon="0" rev="1200000"/>
+            </a:lightRig>
+          </a:scene3d>
+          <a:sp3d>
+            <a:bevelT w="63500" h="25400"/>
+          </a:sp3d>
+        </a:effectStyle>
+      </a:effectStyleLst>
+      <a:bgFillStyleLst>
+        <a:solidFill>
+          <a:schemeClr val="phClr"/>
+        </a:solidFill>
+        <a:gradFill rotWithShape="1">
+          <a:gsLst>
+            <a:gs pos="0">
+              <a:schemeClr val="phClr">
+                <a:tint val="40000"/>
+                <a:satMod val="350000"/>
+              </a:schemeClr>
+            </a:gs>
+            <a:gs pos="40000">
+              <a:schemeClr val="phClr">
+                <a:tint val="45000"/>
+                <a:shade val="99000"/>
+                <a:satMod val="350000"/>
+              </a:schemeClr>
+            </a:gs>
+            <a:gs pos="100000">
+              <a:schemeClr val="phClr">
+                <a:shade val="20000"/>
+                <a:satMod val="255000"/>
+              </a:schemeClr>
+            </a:gs>
+          </a:gsLst>
+          <a:path path="circle">
+            <a:fillToRect l="50000" t="-80000" r="50000" b="180000"/>
+          </a:path>
+        </a:gradFill>
+        <a:gradFill rotWithShape="1">
+          <a:gsLst>
+            <a:gs pos="0">
+              <a:schemeClr val="phClr">
+                <a:tint val="80000"/>
+                <a:satMod val="300000"/>
+              </a:schemeClr>
+            </a:gs>
+            <a:gs pos="100000">
+              <a:schemeClr val="phClr">
+                <a:shade val="30000"/>
+                <a:satMod val="200000"/>
+              </a:schemeClr>
+            </a:gs>
+          </a:gsLst>
+          <a:path path="circle">
+            <a:fillToRect l="50000" t="50000" r="50000" b="50000"/>
+          </a:path>
+        </a:gradFill>
+      </a:bgFillStyleLst>
+    </a:fmtScheme>
+  </a:themeElements>
+  <a:objectDefaults>
+    <a:spDef>
+      <a:spPr bwMode="auto">
+        <a:xfrm>
+          <a:off x="0" y="0"/>
+          <a:ext cx="1" cy="1"/>
+        </a:xfrm>
+        <a:custGeom>
+          <a:avLst/>
+          <a:gdLst/>
+          <a:ahLst/>
+          <a:cxnLst/>
+          <a:rect l="0" t="0" r="0" b="0"/>
+          <a:pathLst/>
+        </a:custGeom>
+        <a:solidFill>
+          <a:schemeClr val="bg1"/>
+        </a:solidFill>
+        <a:ln w="9525" cap="flat" cmpd="sng" algn="ctr">
+          <a:solidFill>
+            <a:schemeClr val="tx1"/>
+          </a:solidFill>
+          <a:prstDash val="solid"/>
+          <a:round/>
+          <a:headEnd type="none" w="med" len="med"/>
+          <a:tailEnd type="none" w="med" len="med"/>
+        </a:ln>
+        <a:effectLst/>
+      </a:spPr>
+      <a:bodyPr vert="horz" wrap="none" lIns="0" tIns="0" rIns="0" bIns="0" numCol="1" anchor="ctr" anchorCtr="0" compatLnSpc="1">
+        <a:prstTxWarp prst="textNoShape">
+          <a:avLst/>
+        </a:prstTxWarp>
+      </a:bodyPr>
+      <a:lstStyle>
+        <a:defPPr marL="0" marR="0" indent="0" algn="ctr" defTabSz="914400" rtl="0" eaLnBrk="1" fontAlgn="base" latinLnBrk="0" hangingPunct="1">
+          <a:lnSpc>
+            <a:spcPct val="100000"/>
+          </a:lnSpc>
+          <a:spcBef>
+            <a:spcPct val="0"/>
+          </a:spcBef>
+          <a:spcAft>
+            <a:spcPct val="0"/>
+          </a:spcAft>
+          <a:buClr>
+            <a:schemeClr val="bg2"/>
+          </a:buClr>
+          <a:buSzTx/>
+          <a:buFontTx/>
+          <a:buNone/>
+          <a:tabLst/>
+          <a:defRPr kumimoji="0" lang="de-DE" sz="1600" b="0" i="0" u="none" strike="noStrike" cap="none" normalizeH="0" baseline="0" smtClean="0">
+            <a:ln>
+              <a:noFill/>
+            </a:ln>
+            <a:solidFill>
+              <a:schemeClr val="tx1"/>
+            </a:solidFill>
+            <a:effectLst/>
+            <a:latin typeface="Arial" charset="0"/>
+          </a:defRPr>
+        </a:defPPr>
+      </a:lstStyle>
+    </a:spDef>
+    <a:lnDef>
+      <a:spPr bwMode="auto">
+        <a:xfrm>
+          <a:off x="0" y="0"/>
+          <a:ext cx="1" cy="1"/>
+        </a:xfrm>
+        <a:custGeom>
+          <a:avLst/>
+          <a:gdLst/>
+          <a:ahLst/>
+          <a:cxnLst/>
+          <a:rect l="0" t="0" r="0" b="0"/>
+          <a:pathLst/>
+        </a:custGeom>
+        <a:solidFill>
+          <a:schemeClr val="bg1"/>
+        </a:solidFill>
+        <a:ln w="9525" cap="flat" cmpd="sng" algn="ctr">
+          <a:solidFill>
+            <a:schemeClr val="tx1"/>
+          </a:solidFill>
+          <a:prstDash val="solid"/>
+          <a:round/>
+          <a:headEnd type="none" w="med" len="med"/>
+          <a:tailEnd type="none" w="med" len="med"/>
+        </a:ln>
+        <a:effectLst/>
+      </a:spPr>
+      <a:bodyPr vert="horz" wrap="none" lIns="0" tIns="0" rIns="0" bIns="0" numCol="1" anchor="ctr" anchorCtr="0" compatLnSpc="1">
+        <a:prstTxWarp prst="textNoShape">
+          <a:avLst/>
+        </a:prstTxWarp>
+      </a:bodyPr>
+      <a:lstStyle>
+        <a:defPPr marL="0" marR="0" indent="0" algn="ctr" defTabSz="914400" rtl="0" eaLnBrk="1" fontAlgn="base" latinLnBrk="0" hangingPunct="1">
+          <a:lnSpc>
+            <a:spcPct val="100000"/>
+          </a:lnSpc>
+          <a:spcBef>
+            <a:spcPct val="0"/>
+          </a:spcBef>
+          <a:spcAft>
+            <a:spcPct val="0"/>
+          </a:spcAft>
+          <a:buClr>
+            <a:schemeClr val="bg2"/>
+          </a:buClr>
+          <a:buSzTx/>
+          <a:buFontTx/>
+          <a:buNone/>
+          <a:tabLst/>
+          <a:defRPr kumimoji="0" lang="de-DE" sz="1600" b="0" i="0" u="none" strike="noStrike" cap="none" normalizeH="0" baseline="0" smtClean="0">
+            <a:ln>
+              <a:noFill/>
+            </a:ln>
+            <a:solidFill>
+              <a:schemeClr val="tx1"/>
+            </a:solidFill>
+            <a:effectLst/>
+            <a:latin typeface="Arial" charset="0"/>
+          </a:defRPr>
+        </a:defPPr>
+      </a:lstStyle>
+    </a:lnDef>
+  </a:objectDefaults>
+  <a:extraClrSchemeLst>
+    <a:extraClrScheme>
+      <a:clrScheme name="© 2008 Logica Slide Master 1">
+        <a:dk1>
+          <a:srgbClr val="000000"/>
+        </a:dk1>
+        <a:lt1>
+          <a:srgbClr val="FFFFFF"/>
+        </a:lt1>
+        <a:dk2>
+          <a:srgbClr val="DDDDDD"/>
+        </a:dk2>
+        <a:lt2>
+          <a:srgbClr val="5F5F5F"/>
+        </a:lt2>
+        <a:accent1>
+          <a:srgbClr val="FFCC00"/>
+        </a:accent1>
+        <a:accent2>
+          <a:srgbClr val="8D979B"/>
+        </a:accent2>
+        <a:accent3>
+          <a:srgbClr val="FFFFFF"/>
+        </a:accent3>
+        <a:accent4>
+          <a:srgbClr val="000000"/>
+        </a:accent4>
+        <a:accent5>
+          <a:srgbClr val="FFE2AA"/>
+        </a:accent5>
+        <a:accent6>
+          <a:srgbClr val="7F888C"/>
+        </a:accent6>
+        <a:hlink>
+          <a:srgbClr val="A5AA78"/>
+        </a:hlink>
+        <a:folHlink>
+          <a:srgbClr val="CE6700"/>
+        </a:folHlink>
+      </a:clrScheme>
+      <a:clrMap bg1="lt1" tx1="dk1" bg2="lt2" tx2="dk2" accent1="accent1" accent2="accent2" accent3="accent3" accent4="accent4" accent5="accent5" accent6="accent6" hlink="hlink" folHlink="folHlink"/>
+    </a:extraClrScheme>
+  </a:extraClrSchemeLst>
+  <a:extLst>
+    <a:ext uri="{05A4C25C-085E-4340-85A3-A5531E510DB2}">
+      <thm15:themeFamily xmlns:thm15="http://schemas.microsoft.com/office/thememl/2012/main" name="Default.potx" id="{50080178-9A08-4EFD-9B63-B252A6E24CE2}" vid="{E87812AB-6A0B-4E42-B8B8-4F8BBA431F6F}"/>
+    </a:ext>
+  </a:extLst>
+</a:theme>
+</file>
+
+<file path=ppt/theme/theme3.xml><?xml version="1.0" encoding="utf-8"?>
 <a:theme xmlns:a="http://schemas.openxmlformats.org/drawingml/2006/main" name="Office Theme">
   <a:themeElements>
     <a:clrScheme name="">
@@ -30366,7 +33709,7 @@
 </a:theme>
 </file>
 
-<file path=ppt/theme/theme3.xml><?xml version="1.0" encoding="utf-8"?>
+<file path=ppt/theme/theme4.xml><?xml version="1.0" encoding="utf-8"?>
 <a:theme xmlns:a="http://schemas.openxmlformats.org/drawingml/2006/main" name="Office Theme">
   <a:themeElements>
     <a:clrScheme name="">

--- a/Slides/Module 2 - Schemas.pptx
+++ b/Slides/Module 2 - Schemas.pptx
@@ -6,10 +6,10 @@
     <p:sldMasterId id="2147484034" r:id="rId3"/>
   </p:sldMasterIdLst>
   <p:notesMasterIdLst>
-    <p:notesMasterId r:id="rId29"/>
+    <p:notesMasterId r:id="rId30"/>
   </p:notesMasterIdLst>
   <p:handoutMasterIdLst>
-    <p:handoutMasterId r:id="rId30"/>
+    <p:handoutMasterId r:id="rId31"/>
   </p:handoutMasterIdLst>
   <p:sldIdLst>
     <p:sldId id="309" r:id="rId4"/>
@@ -21,22 +21,23 @@
     <p:sldId id="316" r:id="rId10"/>
     <p:sldId id="291" r:id="rId11"/>
     <p:sldId id="292" r:id="rId12"/>
-    <p:sldId id="293" r:id="rId13"/>
-    <p:sldId id="294" r:id="rId14"/>
-    <p:sldId id="317" r:id="rId15"/>
-    <p:sldId id="300" r:id="rId16"/>
-    <p:sldId id="310" r:id="rId17"/>
-    <p:sldId id="298" r:id="rId18"/>
-    <p:sldId id="296" r:id="rId19"/>
-    <p:sldId id="301" r:id="rId20"/>
-    <p:sldId id="302" r:id="rId21"/>
-    <p:sldId id="303" r:id="rId22"/>
-    <p:sldId id="304" r:id="rId23"/>
-    <p:sldId id="305" r:id="rId24"/>
-    <p:sldId id="311" r:id="rId25"/>
-    <p:sldId id="312" r:id="rId26"/>
-    <p:sldId id="313" r:id="rId27"/>
-    <p:sldId id="314" r:id="rId28"/>
+    <p:sldId id="318" r:id="rId13"/>
+    <p:sldId id="293" r:id="rId14"/>
+    <p:sldId id="294" r:id="rId15"/>
+    <p:sldId id="317" r:id="rId16"/>
+    <p:sldId id="300" r:id="rId17"/>
+    <p:sldId id="310" r:id="rId18"/>
+    <p:sldId id="298" r:id="rId19"/>
+    <p:sldId id="296" r:id="rId20"/>
+    <p:sldId id="301" r:id="rId21"/>
+    <p:sldId id="302" r:id="rId22"/>
+    <p:sldId id="303" r:id="rId23"/>
+    <p:sldId id="304" r:id="rId24"/>
+    <p:sldId id="305" r:id="rId25"/>
+    <p:sldId id="311" r:id="rId26"/>
+    <p:sldId id="312" r:id="rId27"/>
+    <p:sldId id="313" r:id="rId28"/>
+    <p:sldId id="314" r:id="rId29"/>
   </p:sldIdLst>
   <p:sldSz cx="9144000" cy="6858000" type="screen4x3"/>
   <p:notesSz cx="6858000" cy="9144000"/>
@@ -187,6 +188,10 @@
 </p:presentation>
 </file>
 
+<file path=ppt/revisionInfo.xml><?xml version="1.0" encoding="utf-8"?>
+<p1510:revInfo xmlns:a="http://schemas.openxmlformats.org/drawingml/2006/main" xmlns:r="http://schemas.openxmlformats.org/officeDocument/2006/relationships" xmlns:p1510="http://schemas.microsoft.com/office/powerpoint/2015/10/main"/>
+</file>
+
 <file path=ppt/handoutMasters/handoutMaster1.xml><?xml version="1.0" encoding="utf-8"?>
 <p:handoutMaster xmlns:a="http://schemas.openxmlformats.org/drawingml/2006/main" xmlns:r="http://schemas.openxmlformats.org/officeDocument/2006/relationships" xmlns:p="http://schemas.openxmlformats.org/presentationml/2006/main">
   <p:cSld>
@@ -313,7 +318,7 @@
               <a:pPr>
                 <a:defRPr/>
               </a:pPr>
-              <a:t>16 December 2016</a:t>
+              <a:t>28 January 2018</a:t>
             </a:fld>
             <a:endParaRPr lang="de-DE"/>
           </a:p>
@@ -625,7 +630,7 @@
               <a:pPr>
                 <a:defRPr/>
               </a:pPr>
-              <a:t>16. Dezember 2016</a:t>
+              <a:t>28. Januar 2018</a:t>
             </a:fld>
             <a:r>
               <a:rPr lang="de-DE"/>
@@ -943,7 +948,7 @@
               <a:pPr>
                 <a:defRPr/>
               </a:pPr>
-              <a:t>16. Dezember 2016</a:t>
+              <a:t>28. Januar 2018</a:t>
             </a:fld>
             <a:r>
               <a:rPr lang="de-DE"/>
@@ -1067,7 +1072,7 @@
               <a:pPr>
                 <a:defRPr/>
               </a:pPr>
-              <a:t>16. Dezember 2016</a:t>
+              <a:t>28. Januar 2018</a:t>
             </a:fld>
             <a:r>
               <a:rPr lang="de-DE"/>
@@ -1099,7 +1104,7 @@
               <a:pPr>
                 <a:defRPr/>
               </a:pPr>
-              <a:t>23</a:t>
+              <a:t>24</a:t>
             </a:fld>
             <a:endParaRPr lang="de-DE"/>
           </a:p>
@@ -1189,7 +1194,7 @@
               <a:pPr>
                 <a:defRPr/>
               </a:pPr>
-              <a:t>16. Dezember 2016</a:t>
+              <a:t>28. Januar 2018</a:t>
             </a:fld>
             <a:r>
               <a:rPr lang="de-DE"/>
@@ -1221,7 +1226,7 @@
               <a:pPr>
                 <a:defRPr/>
               </a:pPr>
-              <a:t>25</a:t>
+              <a:t>26</a:t>
             </a:fld>
             <a:endParaRPr lang="de-DE"/>
           </a:p>
@@ -1719,7 +1724,7 @@
               <a:pPr>
                 <a:defRPr/>
               </a:pPr>
-              <a:t>16. Dezember 2016</a:t>
+              <a:t>28. Januar 2018</a:t>
             </a:fld>
             <a:r>
               <a:rPr lang="de-DE"/>
@@ -1841,7 +1846,7 @@
               <a:pPr>
                 <a:defRPr/>
               </a:pPr>
-              <a:t>16. Dezember 2016</a:t>
+              <a:t>28. Januar 2018</a:t>
             </a:fld>
             <a:r>
               <a:rPr lang="de-DE"/>
@@ -2022,7 +2027,7 @@
               <a:pPr>
                 <a:defRPr/>
               </a:pPr>
-              <a:t>16. Dezember 2016</a:t>
+              <a:t>28. Januar 2018</a:t>
             </a:fld>
             <a:r>
               <a:rPr lang="de-DE"/>
@@ -2204,7 +2209,7 @@
               <a:pPr>
                 <a:defRPr/>
               </a:pPr>
-              <a:t>16. Dezember 2016</a:t>
+              <a:t>28. Januar 2018</a:t>
             </a:fld>
             <a:r>
               <a:rPr lang="de-DE"/>
@@ -2350,7 +2355,7 @@
               <a:pPr>
                 <a:defRPr/>
               </a:pPr>
-              <a:t>16. Dezember 2016</a:t>
+              <a:t>28. Januar 2018</a:t>
             </a:fld>
             <a:r>
               <a:rPr lang="de-DE"/>
@@ -2382,7 +2387,7 @@
               <a:pPr>
                 <a:defRPr/>
               </a:pPr>
-              <a:t>11</a:t>
+              <a:t>12</a:t>
             </a:fld>
             <a:endParaRPr lang="de-DE"/>
           </a:p>
@@ -2480,7 +2485,7 @@
               <a:pPr>
                 <a:defRPr/>
               </a:pPr>
-              <a:t>16. Dezember 2016</a:t>
+              <a:t>28. Januar 2018</a:t>
             </a:fld>
             <a:r>
               <a:rPr lang="de-DE"/>
@@ -2512,7 +2517,7 @@
               <a:pPr>
                 <a:defRPr/>
               </a:pPr>
-              <a:t>12</a:t>
+              <a:t>13</a:t>
             </a:fld>
             <a:endParaRPr lang="de-DE"/>
           </a:p>
@@ -2755,7 +2760,7 @@
               <a:pPr>
                 <a:defRPr/>
               </a:pPr>
-              <a:t>16. Dezember 2016</a:t>
+              <a:t>28. Januar 2018</a:t>
             </a:fld>
             <a:r>
               <a:rPr lang="de-DE"/>
@@ -2787,7 +2792,7 @@
               <a:pPr>
                 <a:defRPr/>
               </a:pPr>
-              <a:t>19</a:t>
+              <a:t>20</a:t>
             </a:fld>
             <a:endParaRPr lang="de-DE"/>
           </a:p>
@@ -3033,7 +3038,7 @@
               <a:pPr>
                 <a:defRPr/>
               </a:pPr>
-              <a:t>16. Dezember 2016</a:t>
+              <a:t>28. Januar 2018</a:t>
             </a:fld>
             <a:r>
               <a:rPr lang="de-DE"/>
@@ -3065,7 +3070,7 @@
               <a:pPr>
                 <a:defRPr/>
               </a:pPr>
-              <a:t>21</a:t>
+              <a:t>22</a:t>
             </a:fld>
             <a:endParaRPr lang="de-DE"/>
           </a:p>
@@ -3213,7 +3218,7 @@
           <a:p>
             <a:fld id="{076141BC-180D-4B6E-943F-01699F625B70}" type="datetimeFigureOut">
               <a:rPr lang="en-US" smtClean="0"/>
-              <a:t>12/16/2016</a:t>
+              <a:t>1/28/2018</a:t>
             </a:fld>
             <a:endParaRPr lang="en-US"/>
           </a:p>
@@ -3381,7 +3386,7 @@
           <a:p>
             <a:fld id="{076141BC-180D-4B6E-943F-01699F625B70}" type="datetimeFigureOut">
               <a:rPr lang="en-US" smtClean="0"/>
-              <a:t>12/16/2016</a:t>
+              <a:t>1/28/2018</a:t>
             </a:fld>
             <a:endParaRPr lang="en-US"/>
           </a:p>
@@ -3559,7 +3564,7 @@
           <a:p>
             <a:fld id="{076141BC-180D-4B6E-943F-01699F625B70}" type="datetimeFigureOut">
               <a:rPr lang="en-US" smtClean="0"/>
-              <a:t>12/16/2016</a:t>
+              <a:t>1/28/2018</a:t>
             </a:fld>
             <a:endParaRPr lang="en-US"/>
           </a:p>
@@ -5003,7 +5008,7 @@
           <a:p>
             <a:fld id="{076141BC-180D-4B6E-943F-01699F625B70}" type="datetimeFigureOut">
               <a:rPr lang="en-US" smtClean="0"/>
-              <a:t>12/16/2016</a:t>
+              <a:t>1/28/2018</a:t>
             </a:fld>
             <a:endParaRPr lang="en-US"/>
           </a:p>
@@ -6304,7 +6309,7 @@
           <a:p>
             <a:fld id="{076141BC-180D-4B6E-943F-01699F625B70}" type="datetimeFigureOut">
               <a:rPr lang="en-US" smtClean="0"/>
-              <a:t>12/16/2016</a:t>
+              <a:t>1/28/2018</a:t>
             </a:fld>
             <a:endParaRPr lang="en-US"/>
           </a:p>
@@ -6533,7 +6538,7 @@
           <a:p>
             <a:fld id="{076141BC-180D-4B6E-943F-01699F625B70}" type="datetimeFigureOut">
               <a:rPr lang="en-US" smtClean="0"/>
-              <a:t>12/16/2016</a:t>
+              <a:t>1/28/2018</a:t>
             </a:fld>
             <a:endParaRPr lang="en-US"/>
           </a:p>
@@ -6897,7 +6902,7 @@
           <a:p>
             <a:fld id="{076141BC-180D-4B6E-943F-01699F625B70}" type="datetimeFigureOut">
               <a:rPr lang="en-US" smtClean="0"/>
-              <a:t>12/16/2016</a:t>
+              <a:t>1/28/2018</a:t>
             </a:fld>
             <a:endParaRPr lang="en-US"/>
           </a:p>
@@ -7014,7 +7019,7 @@
           <a:p>
             <a:fld id="{076141BC-180D-4B6E-943F-01699F625B70}" type="datetimeFigureOut">
               <a:rPr lang="en-US" smtClean="0"/>
-              <a:t>12/16/2016</a:t>
+              <a:t>1/28/2018</a:t>
             </a:fld>
             <a:endParaRPr lang="en-US"/>
           </a:p>
@@ -7109,7 +7114,7 @@
           <a:p>
             <a:fld id="{076141BC-180D-4B6E-943F-01699F625B70}" type="datetimeFigureOut">
               <a:rPr lang="en-US" smtClean="0"/>
-              <a:t>12/16/2016</a:t>
+              <a:t>1/28/2018</a:t>
             </a:fld>
             <a:endParaRPr lang="en-US"/>
           </a:p>
@@ -7384,7 +7389,7 @@
           <a:p>
             <a:fld id="{076141BC-180D-4B6E-943F-01699F625B70}" type="datetimeFigureOut">
               <a:rPr lang="en-US" smtClean="0"/>
-              <a:t>12/16/2016</a:t>
+              <a:t>1/28/2018</a:t>
             </a:fld>
             <a:endParaRPr lang="en-US"/>
           </a:p>
@@ -7636,7 +7641,7 @@
           <a:p>
             <a:fld id="{076141BC-180D-4B6E-943F-01699F625B70}" type="datetimeFigureOut">
               <a:rPr lang="en-US" smtClean="0"/>
-              <a:t>12/16/2016</a:t>
+              <a:t>1/28/2018</a:t>
             </a:fld>
             <a:endParaRPr lang="en-US"/>
           </a:p>
@@ -7847,7 +7852,7 @@
           <a:p>
             <a:fld id="{076141BC-180D-4B6E-943F-01699F625B70}" type="datetimeFigureOut">
               <a:rPr lang="en-US" smtClean="0"/>
-              <a:t>12/16/2016</a:t>
+              <a:t>1/28/2018</a:t>
             </a:fld>
             <a:endParaRPr lang="en-US"/>
           </a:p>
@@ -8939,6 +8944,653 @@
       </p:grpSpPr>
       <p:sp>
         <p:nvSpPr>
+          <p:cNvPr id="17410" name="Title 1"/>
+          <p:cNvSpPr>
+            <a:spLocks noGrp="1"/>
+          </p:cNvSpPr>
+          <p:nvPr>
+            <p:ph type="title"/>
+          </p:nvPr>
+        </p:nvSpPr>
+        <p:spPr/>
+        <p:txBody>
+          <a:bodyPr/>
+          <a:lstStyle/>
+          <a:p>
+            <a:r>
+              <a:rPr lang="sv-SE" dirty="0"/>
+              <a:t>Other common file formats supported by BizTalk</a:t>
+            </a:r>
+          </a:p>
+        </p:txBody>
+      </p:sp>
+      <p:graphicFrame>
+        <p:nvGraphicFramePr>
+          <p:cNvPr id="6" name="Table 5"/>
+          <p:cNvGraphicFramePr>
+            <a:graphicFrameLocks noGrp="1"/>
+          </p:cNvGraphicFramePr>
+          <p:nvPr>
+            <p:extLst>
+              <p:ext uri="{D42A27DB-BD31-4B8C-83A1-F6EECF244321}">
+                <p14:modId xmlns:p14="http://schemas.microsoft.com/office/powerpoint/2010/main" val="3775809859"/>
+              </p:ext>
+            </p:extLst>
+          </p:nvPr>
+        </p:nvGraphicFramePr>
+        <p:xfrm>
+          <a:off x="285750" y="1285875"/>
+          <a:ext cx="8643938" cy="5407431"/>
+        </p:xfrm>
+        <a:graphic>
+          <a:graphicData uri="http://schemas.openxmlformats.org/drawingml/2006/table">
+            <a:tbl>
+              <a:tblPr firstRow="1" bandRow="1">
+                <a:tableStyleId>{5C22544A-7EE6-4342-B048-85BDC9FD1C3A}</a:tableStyleId>
+              </a:tblPr>
+              <a:tblGrid>
+                <a:gridCol w="4143375">
+                  <a:extLst>
+                    <a:ext uri="{9D8B030D-6E8A-4147-A177-3AD203B41FA5}">
+                      <a16:colId xmlns:a16="http://schemas.microsoft.com/office/drawing/2014/main" val="20000"/>
+                    </a:ext>
+                  </a:extLst>
+                </a:gridCol>
+                <a:gridCol w="4500563">
+                  <a:extLst>
+                    <a:ext uri="{9D8B030D-6E8A-4147-A177-3AD203B41FA5}">
+                      <a16:colId xmlns:a16="http://schemas.microsoft.com/office/drawing/2014/main" val="20001"/>
+                    </a:ext>
+                  </a:extLst>
+                </a:gridCol>
+              </a:tblGrid>
+              <a:tr h="500127">
+                <a:tc>
+                  <a:txBody>
+                    <a:bodyPr/>
+                    <a:lstStyle/>
+                    <a:p>
+                      <a:r>
+                        <a:rPr lang="sv-SE" sz="1800" dirty="0"/>
+                        <a:t>File Type</a:t>
+                      </a:r>
+                    </a:p>
+                  </a:txBody>
+                  <a:tcPr marL="91439" marR="91439" marT="45726" marB="45726"/>
+                </a:tc>
+                <a:tc>
+                  <a:txBody>
+                    <a:bodyPr/>
+                    <a:lstStyle/>
+                    <a:p>
+                      <a:r>
+                        <a:rPr lang="sv-SE" sz="1800" dirty="0"/>
+                        <a:t>Details</a:t>
+                      </a:r>
+                    </a:p>
+                  </a:txBody>
+                  <a:tcPr marL="91439" marR="91439" marT="45726" marB="45726"/>
+                </a:tc>
+                <a:extLst>
+                  <a:ext uri="{0D108BD9-81ED-4DB2-BD59-A6C34878D82A}">
+                    <a16:rowId xmlns:a16="http://schemas.microsoft.com/office/drawing/2014/main" val="10000"/>
+                  </a:ext>
+                </a:extLst>
+              </a:tr>
+              <a:tr h="1768057">
+                <a:tc>
+                  <a:txBody>
+                    <a:bodyPr/>
+                    <a:lstStyle/>
+                    <a:p>
+                      <a:pPr marL="0" marR="0" indent="0" algn="l" defTabSz="914400" rtl="0" eaLnBrk="1" fontAlgn="auto" latinLnBrk="0" hangingPunct="1">
+                        <a:lnSpc>
+                          <a:spcPct val="100000"/>
+                        </a:lnSpc>
+                        <a:spcBef>
+                          <a:spcPts val="0"/>
+                        </a:spcBef>
+                        <a:spcAft>
+                          <a:spcPts val="0"/>
+                        </a:spcAft>
+                        <a:buClrTx/>
+                        <a:buSzTx/>
+                        <a:buFontTx/>
+                        <a:buNone/>
+                        <a:tabLst/>
+                        <a:defRPr/>
+                      </a:pPr>
+                      <a:endParaRPr lang="sv-SE" sz="1100" i="1" dirty="0">
+                        <a:effectLst/>
+                      </a:endParaRPr>
+                    </a:p>
+                    <a:p>
+                      <a:pPr marL="0" marR="0" indent="0" algn="l" defTabSz="914400" rtl="0" eaLnBrk="1" fontAlgn="auto" latinLnBrk="0" hangingPunct="1">
+                        <a:lnSpc>
+                          <a:spcPct val="100000"/>
+                        </a:lnSpc>
+                        <a:spcBef>
+                          <a:spcPts val="0"/>
+                        </a:spcBef>
+                        <a:spcAft>
+                          <a:spcPts val="0"/>
+                        </a:spcAft>
+                        <a:buClrTx/>
+                        <a:buSzTx/>
+                        <a:buFontTx/>
+                        <a:buNone/>
+                        <a:tabLst/>
+                        <a:defRPr/>
+                      </a:pPr>
+                      <a:endParaRPr lang="sv-SE" sz="1100" i="1" dirty="0">
+                        <a:effectLst/>
+                      </a:endParaRPr>
+                    </a:p>
+                    <a:p>
+                      <a:r>
+                        <a:rPr lang="en-US" sz="1800" kern="1200" dirty="0">
+                          <a:solidFill>
+                            <a:schemeClr val="dk1"/>
+                          </a:solidFill>
+                          <a:latin typeface="+mn-lt"/>
+                          <a:ea typeface="+mn-ea"/>
+                          <a:cs typeface="+mn-cs"/>
+                        </a:rPr>
+                        <a:t>{</a:t>
+                      </a:r>
+                    </a:p>
+                    <a:p>
+                      <a:r>
+                        <a:rPr lang="en-US" sz="1800" kern="1200" dirty="0">
+                          <a:solidFill>
+                            <a:schemeClr val="dk1"/>
+                          </a:solidFill>
+                          <a:latin typeface="+mn-lt"/>
+                          <a:ea typeface="+mn-ea"/>
+                          <a:cs typeface="+mn-cs"/>
+                        </a:rPr>
+                        <a:t>  "Customer": {</a:t>
+                      </a:r>
+                    </a:p>
+                    <a:p>
+                      <a:r>
+                        <a:rPr lang="en-US" sz="1800" kern="1200" dirty="0">
+                          <a:solidFill>
+                            <a:schemeClr val="dk1"/>
+                          </a:solidFill>
+                          <a:latin typeface="+mn-lt"/>
+                          <a:ea typeface="+mn-ea"/>
+                          <a:cs typeface="+mn-cs"/>
+                        </a:rPr>
+                        <a:t>    "</a:t>
+                      </a:r>
+                      <a:r>
+                        <a:rPr lang="en-US" sz="1800" kern="1200" dirty="0" err="1">
+                          <a:solidFill>
+                            <a:schemeClr val="dk1"/>
+                          </a:solidFill>
+                          <a:latin typeface="+mn-lt"/>
+                          <a:ea typeface="+mn-ea"/>
+                          <a:cs typeface="+mn-cs"/>
+                        </a:rPr>
+                        <a:t>firstName</a:t>
+                      </a:r>
+                      <a:r>
+                        <a:rPr lang="en-US" sz="1800" kern="1200" dirty="0">
+                          <a:solidFill>
+                            <a:schemeClr val="dk1"/>
+                          </a:solidFill>
+                          <a:latin typeface="+mn-lt"/>
+                          <a:ea typeface="+mn-ea"/>
+                          <a:cs typeface="+mn-cs"/>
+                        </a:rPr>
+                        <a:t>": “John",</a:t>
+                      </a:r>
+                    </a:p>
+                    <a:p>
+                      <a:r>
+                        <a:rPr lang="en-US" sz="1800" kern="1200" dirty="0">
+                          <a:solidFill>
+                            <a:schemeClr val="dk1"/>
+                          </a:solidFill>
+                          <a:latin typeface="+mn-lt"/>
+                          <a:ea typeface="+mn-ea"/>
+                          <a:cs typeface="+mn-cs"/>
+                        </a:rPr>
+                        <a:t>    "</a:t>
+                      </a:r>
+                      <a:r>
+                        <a:rPr lang="en-US" sz="1800" kern="1200" dirty="0" err="1">
+                          <a:solidFill>
+                            <a:schemeClr val="dk1"/>
+                          </a:solidFill>
+                          <a:latin typeface="+mn-lt"/>
+                          <a:ea typeface="+mn-ea"/>
+                          <a:cs typeface="+mn-cs"/>
+                        </a:rPr>
+                        <a:t>middleName</a:t>
+                      </a:r>
+                      <a:r>
+                        <a:rPr lang="en-US" sz="1800" kern="1200" dirty="0">
+                          <a:solidFill>
+                            <a:schemeClr val="dk1"/>
+                          </a:solidFill>
+                          <a:latin typeface="+mn-lt"/>
+                          <a:ea typeface="+mn-ea"/>
+                          <a:cs typeface="+mn-cs"/>
+                        </a:rPr>
+                        <a:t>": “Alan",</a:t>
+                      </a:r>
+                    </a:p>
+                    <a:p>
+                      <a:r>
+                        <a:rPr lang="en-US" sz="1800" kern="1200" dirty="0">
+                          <a:solidFill>
+                            <a:schemeClr val="dk1"/>
+                          </a:solidFill>
+                          <a:latin typeface="+mn-lt"/>
+                          <a:ea typeface="+mn-ea"/>
+                          <a:cs typeface="+mn-cs"/>
+                        </a:rPr>
+                        <a:t>    "</a:t>
+                      </a:r>
+                      <a:r>
+                        <a:rPr lang="en-US" sz="1800" kern="1200" dirty="0" err="1">
+                          <a:solidFill>
+                            <a:schemeClr val="dk1"/>
+                          </a:solidFill>
+                          <a:latin typeface="+mn-lt"/>
+                          <a:ea typeface="+mn-ea"/>
+                          <a:cs typeface="+mn-cs"/>
+                        </a:rPr>
+                        <a:t>lastName</a:t>
+                      </a:r>
+                      <a:r>
+                        <a:rPr lang="en-US" sz="1800" kern="1200" dirty="0">
+                          <a:solidFill>
+                            <a:schemeClr val="dk1"/>
+                          </a:solidFill>
+                          <a:latin typeface="+mn-lt"/>
+                          <a:ea typeface="+mn-ea"/>
+                          <a:cs typeface="+mn-cs"/>
+                        </a:rPr>
+                        <a:t>": “Doe",</a:t>
+                      </a:r>
+                    </a:p>
+                    <a:p>
+                      <a:r>
+                        <a:rPr lang="en-US" sz="1800" kern="1200" dirty="0">
+                          <a:solidFill>
+                            <a:schemeClr val="dk1"/>
+                          </a:solidFill>
+                          <a:latin typeface="+mn-lt"/>
+                          <a:ea typeface="+mn-ea"/>
+                          <a:cs typeface="+mn-cs"/>
+                        </a:rPr>
+                        <a:t>    "</a:t>
+                      </a:r>
+                      <a:r>
+                        <a:rPr lang="en-US" sz="1800" kern="1200" dirty="0" err="1">
+                          <a:solidFill>
+                            <a:schemeClr val="dk1"/>
+                          </a:solidFill>
+                          <a:latin typeface="+mn-lt"/>
+                          <a:ea typeface="+mn-ea"/>
+                          <a:cs typeface="+mn-cs"/>
+                        </a:rPr>
+                        <a:t>phoneNumber</a:t>
+                      </a:r>
+                      <a:r>
+                        <a:rPr lang="en-US" sz="1800" kern="1200" dirty="0">
+                          <a:solidFill>
+                            <a:schemeClr val="dk1"/>
+                          </a:solidFill>
+                          <a:latin typeface="+mn-lt"/>
+                          <a:ea typeface="+mn-ea"/>
+                          <a:cs typeface="+mn-cs"/>
+                        </a:rPr>
+                        <a:t>": “555-345-876"</a:t>
+                      </a:r>
+                    </a:p>
+                    <a:p>
+                      <a:r>
+                        <a:rPr lang="en-US" sz="1800" kern="1200" dirty="0">
+                          <a:solidFill>
+                            <a:schemeClr val="dk1"/>
+                          </a:solidFill>
+                          <a:latin typeface="+mn-lt"/>
+                          <a:ea typeface="+mn-ea"/>
+                          <a:cs typeface="+mn-cs"/>
+                        </a:rPr>
+                        <a:t>  }</a:t>
+                      </a:r>
+                    </a:p>
+                    <a:p>
+                      <a:r>
+                        <a:rPr lang="en-US" sz="1800" kern="1200" dirty="0">
+                          <a:solidFill>
+                            <a:schemeClr val="dk1"/>
+                          </a:solidFill>
+                          <a:latin typeface="+mn-lt"/>
+                          <a:ea typeface="+mn-ea"/>
+                          <a:cs typeface="+mn-cs"/>
+                        </a:rPr>
+                        <a:t>}</a:t>
+                      </a:r>
+                      <a:endParaRPr lang="sv-SE" sz="1100" i="1" dirty="0">
+                        <a:effectLst/>
+                      </a:endParaRPr>
+                    </a:p>
+                  </a:txBody>
+                  <a:tcPr marL="91439" marR="91439" marT="45726" marB="45726"/>
+                </a:tc>
+                <a:tc>
+                  <a:txBody>
+                    <a:bodyPr/>
+                    <a:lstStyle/>
+                    <a:p>
+                      <a:pPr marL="285750" indent="-285750">
+                        <a:buFont typeface="Arial" pitchFamily="34" charset="0"/>
+                        <a:buChar char="•"/>
+                      </a:pPr>
+                      <a:r>
+                        <a:rPr lang="en-US" sz="1600" dirty="0"/>
+                        <a:t>JavaScript Object Notation format</a:t>
+                      </a:r>
+                    </a:p>
+                    <a:p>
+                      <a:pPr marL="285750" indent="-285750">
+                        <a:buFont typeface="Arial" pitchFamily="34" charset="0"/>
+                        <a:buChar char="•"/>
+                      </a:pPr>
+                      <a:r>
+                        <a:rPr lang="en-US" sz="1600" dirty="0"/>
+                        <a:t>A “modern” format than XML</a:t>
+                      </a:r>
+                    </a:p>
+                    <a:p>
+                      <a:pPr marL="285750" indent="-285750">
+                        <a:buFont typeface="Arial" pitchFamily="34" charset="0"/>
+                        <a:buChar char="•"/>
+                      </a:pPr>
+                      <a:r>
+                        <a:rPr lang="en-US" sz="1600" dirty="0"/>
+                        <a:t>Considered more compact, more readable and more interoperable than XML</a:t>
+                      </a:r>
+                    </a:p>
+                    <a:p>
+                      <a:pPr marL="285750" indent="-285750">
+                        <a:buFont typeface="Arial" pitchFamily="34" charset="0"/>
+                        <a:buChar char="•"/>
+                      </a:pPr>
+                      <a:endParaRPr lang="en-US" sz="1600" dirty="0"/>
+                    </a:p>
+                    <a:p>
+                      <a:pPr marL="285750" indent="-285750">
+                        <a:buFont typeface="Arial" pitchFamily="34" charset="0"/>
+                        <a:buChar char="•"/>
+                      </a:pPr>
+                      <a:r>
+                        <a:rPr lang="en-US" sz="1600" dirty="0"/>
+                        <a:t>NOTE: There are no “JSON Schemas” in BizTalk.</a:t>
+                      </a:r>
+                    </a:p>
+                    <a:p>
+                      <a:pPr marL="285750" indent="-285750">
+                        <a:buFont typeface="Arial" pitchFamily="34" charset="0"/>
+                        <a:buChar char="•"/>
+                      </a:pPr>
+                      <a:endParaRPr lang="en-US" sz="1600" dirty="0"/>
+                    </a:p>
+                    <a:p>
+                      <a:pPr marL="285750" indent="-285750">
+                        <a:buFont typeface="Arial" pitchFamily="34" charset="0"/>
+                        <a:buChar char="•"/>
+                      </a:pPr>
+                      <a:endParaRPr lang="en-US" sz="1600" dirty="0"/>
+                    </a:p>
+                    <a:p>
+                      <a:endParaRPr lang="sv-SE" sz="1800" dirty="0"/>
+                    </a:p>
+                  </a:txBody>
+                  <a:tcPr marL="91439" marR="91439" marT="45726" marB="45726"/>
+                </a:tc>
+                <a:extLst>
+                  <a:ext uri="{0D108BD9-81ED-4DB2-BD59-A6C34878D82A}">
+                    <a16:rowId xmlns:a16="http://schemas.microsoft.com/office/drawing/2014/main" val="10003"/>
+                  </a:ext>
+                </a:extLst>
+              </a:tr>
+              <a:tr h="1768057">
+                <a:tc>
+                  <a:txBody>
+                    <a:bodyPr/>
+                    <a:lstStyle/>
+                    <a:p>
+                      <a:endParaRPr lang="sv-SE" sz="1100" i="1" dirty="0">
+                        <a:effectLst/>
+                      </a:endParaRPr>
+                    </a:p>
+                    <a:p>
+                      <a:endParaRPr lang="sv-SE" sz="1100" i="1" dirty="0">
+                        <a:effectLst/>
+                      </a:endParaRPr>
+                    </a:p>
+                    <a:p>
+                      <a:r>
+                        <a:rPr lang="sv-SE" sz="1100" i="1" dirty="0">
+                          <a:effectLst/>
+                        </a:rPr>
+                        <a:t>Whatever else interpretable that you can write code to interpret into XML is possible, but no out of the box capabilities exists.</a:t>
+                      </a:r>
+                    </a:p>
+                  </a:txBody>
+                  <a:tcPr marL="91439" marR="91439" marT="45726" marB="45726"/>
+                </a:tc>
+                <a:tc>
+                  <a:txBody>
+                    <a:bodyPr/>
+                    <a:lstStyle/>
+                    <a:p>
+                      <a:pPr marL="285750" indent="-285750">
+                        <a:buFont typeface="Arial" panose="020B0604020202020204" pitchFamily="34" charset="0"/>
+                        <a:buChar char="•"/>
+                      </a:pPr>
+                      <a:r>
+                        <a:rPr lang="sv-SE" sz="1800" dirty="0"/>
+                        <a:t>Binary formats</a:t>
+                      </a:r>
+                    </a:p>
+                    <a:p>
+                      <a:pPr marL="285750" indent="-285750">
+                        <a:buFont typeface="Arial" panose="020B0604020202020204" pitchFamily="34" charset="0"/>
+                        <a:buChar char="•"/>
+                      </a:pPr>
+                      <a:r>
+                        <a:rPr lang="sv-SE" sz="1800" dirty="0"/>
+                        <a:t>Specific application formats</a:t>
+                      </a:r>
+                    </a:p>
+                    <a:p>
+                      <a:pPr marL="285750" indent="-285750">
+                        <a:buFont typeface="Arial" panose="020B0604020202020204" pitchFamily="34" charset="0"/>
+                        <a:buChar char="•"/>
+                      </a:pPr>
+                      <a:endParaRPr lang="sv-SE" sz="1800" dirty="0"/>
+                    </a:p>
+                    <a:p>
+                      <a:pPr marL="285750" indent="-285750">
+                        <a:buFont typeface="Arial" panose="020B0604020202020204" pitchFamily="34" charset="0"/>
+                        <a:buChar char="•"/>
+                      </a:pPr>
+                      <a:r>
+                        <a:rPr lang="sv-SE" sz="1800" dirty="0"/>
+                        <a:t>NOTE: These are most often not handled by ”schemas”, </a:t>
+                      </a:r>
+                      <a:br>
+                        <a:rPr lang="sv-SE" sz="1800" dirty="0"/>
+                      </a:br>
+                      <a:r>
+                        <a:rPr lang="sv-SE" sz="1800" dirty="0"/>
+                        <a:t>but instead handled by ”adapters”. Something we will talk more about later.</a:t>
+                      </a:r>
+                    </a:p>
+                    <a:p>
+                      <a:pPr marL="285750" indent="-285750">
+                        <a:buFont typeface="Arial" panose="020B0604020202020204" pitchFamily="34" charset="0"/>
+                        <a:buChar char="•"/>
+                      </a:pPr>
+                      <a:endParaRPr lang="sv-SE" sz="1800" dirty="0"/>
+                    </a:p>
+                  </a:txBody>
+                  <a:tcPr marL="91439" marR="91439" marT="45726" marB="45726"/>
+                </a:tc>
+                <a:extLst>
+                  <a:ext uri="{0D108BD9-81ED-4DB2-BD59-A6C34878D82A}">
+                    <a16:rowId xmlns:a16="http://schemas.microsoft.com/office/drawing/2014/main" val="2944002245"/>
+                  </a:ext>
+                </a:extLst>
+              </a:tr>
+            </a:tbl>
+          </a:graphicData>
+        </a:graphic>
+      </p:graphicFrame>
+      <p:sp>
+        <p:nvSpPr>
+          <p:cNvPr id="12" name="TextBox 11"/>
+          <p:cNvSpPr txBox="1"/>
+          <p:nvPr/>
+        </p:nvSpPr>
+        <p:spPr>
+          <a:xfrm>
+            <a:off x="309142" y="1772816"/>
+            <a:ext cx="4071937" cy="369332"/>
+          </a:xfrm>
+          <a:prstGeom prst="rect">
+            <a:avLst/>
+          </a:prstGeom>
+          <a:noFill/>
+        </p:spPr>
+        <p:txBody>
+          <a:bodyPr>
+            <a:spAutoFit/>
+          </a:bodyPr>
+          <a:lstStyle/>
+          <a:p>
+            <a:pPr algn="ctr">
+              <a:defRPr/>
+            </a:pPr>
+            <a:r>
+              <a:rPr lang="sv-SE" sz="1800" b="1" dirty="0">
+                <a:effectLst>
+                  <a:outerShdw blurRad="38100" dist="38100" dir="2700000" algn="tl">
+                    <a:srgbClr val="000000">
+                      <a:alpha val="43137"/>
+                    </a:srgbClr>
+                  </a:outerShdw>
+                </a:effectLst>
+              </a:rPr>
+              <a:t>JSON</a:t>
+            </a:r>
+            <a:endParaRPr lang="sv-SE" b="1" dirty="0">
+              <a:effectLst>
+                <a:outerShdw blurRad="38100" dist="38100" dir="2700000" algn="tl">
+                  <a:srgbClr val="000000">
+                    <a:alpha val="43137"/>
+                  </a:srgbClr>
+                </a:outerShdw>
+              </a:effectLst>
+            </a:endParaRPr>
+          </a:p>
+        </p:txBody>
+      </p:sp>
+      <p:sp>
+        <p:nvSpPr>
+          <p:cNvPr id="11" name="TextBox 10">
+            <a:extLst>
+              <a:ext uri="{FF2B5EF4-FFF2-40B4-BE49-F238E27FC236}">
+                <a16:creationId xmlns:a16="http://schemas.microsoft.com/office/drawing/2014/main" id="{F0CC9A03-1F05-4341-B52B-B67881438EC3}"/>
+              </a:ext>
+            </a:extLst>
+          </p:cNvPr>
+          <p:cNvSpPr txBox="1"/>
+          <p:nvPr/>
+        </p:nvSpPr>
+        <p:spPr>
+          <a:xfrm>
+            <a:off x="310594" y="4437112"/>
+            <a:ext cx="4071937" cy="369332"/>
+          </a:xfrm>
+          <a:prstGeom prst="rect">
+            <a:avLst/>
+          </a:prstGeom>
+          <a:noFill/>
+        </p:spPr>
+        <p:txBody>
+          <a:bodyPr>
+            <a:spAutoFit/>
+          </a:bodyPr>
+          <a:lstStyle/>
+          <a:p>
+            <a:pPr algn="ctr">
+              <a:defRPr/>
+            </a:pPr>
+            <a:r>
+              <a:rPr lang="sv-SE" sz="1800" b="1" dirty="0">
+                <a:effectLst>
+                  <a:outerShdw blurRad="38100" dist="38100" dir="2700000" algn="tl">
+                    <a:srgbClr val="000000">
+                      <a:alpha val="43137"/>
+                    </a:srgbClr>
+                  </a:outerShdw>
+                </a:effectLst>
+              </a:rPr>
+              <a:t>Other</a:t>
+            </a:r>
+            <a:endParaRPr lang="sv-SE" b="1" dirty="0">
+              <a:effectLst>
+                <a:outerShdw blurRad="38100" dist="38100" dir="2700000" algn="tl">
+                  <a:srgbClr val="000000">
+                    <a:alpha val="43137"/>
+                  </a:srgbClr>
+                </a:outerShdw>
+              </a:effectLst>
+            </a:endParaRPr>
+          </a:p>
+        </p:txBody>
+      </p:sp>
+    </p:spTree>
+    <p:extLst>
+      <p:ext uri="{BB962C8B-B14F-4D97-AF65-F5344CB8AC3E}">
+        <p14:creationId xmlns:p14="http://schemas.microsoft.com/office/powerpoint/2010/main" val="2963703399"/>
+      </p:ext>
+    </p:extLst>
+  </p:cSld>
+  <p:clrMapOvr>
+    <a:masterClrMapping/>
+  </p:clrMapOvr>
+</p:sld>
+</file>
+
+<file path=ppt/slides/slide11.xml><?xml version="1.0" encoding="utf-8"?>
+<p:sld xmlns:a="http://schemas.openxmlformats.org/drawingml/2006/main" xmlns:r="http://schemas.openxmlformats.org/officeDocument/2006/relationships" xmlns:p="http://schemas.openxmlformats.org/presentationml/2006/main">
+  <p:cSld>
+    <p:spTree>
+      <p:nvGrpSpPr>
+        <p:cNvPr id="1" name=""/>
+        <p:cNvGrpSpPr/>
+        <p:nvPr/>
+      </p:nvGrpSpPr>
+      <p:grpSpPr>
+        <a:xfrm>
+          <a:off x="0" y="0"/>
+          <a:ext cx="0" cy="0"/>
+          <a:chOff x="0" y="0"/>
+          <a:chExt cx="0" cy="0"/>
+        </a:xfrm>
+      </p:grpSpPr>
+      <p:sp>
+        <p:nvSpPr>
           <p:cNvPr id="18434" name="Title 1"/>
           <p:cNvSpPr>
             <a:spLocks noGrp="1"/>
@@ -9690,7 +10342,7 @@
 </p:sld>
 </file>
 
-<file path=ppt/slides/slide11.xml><?xml version="1.0" encoding="utf-8"?>
+<file path=ppt/slides/slide12.xml><?xml version="1.0" encoding="utf-8"?>
 <p:sld xmlns:a="http://schemas.openxmlformats.org/drawingml/2006/main" xmlns:r="http://schemas.openxmlformats.org/officeDocument/2006/relationships" xmlns:p="http://schemas.openxmlformats.org/presentationml/2006/main">
   <p:cSld>
     <p:spTree>
@@ -10219,7 +10871,7 @@
 </p:sld>
 </file>
 
-<file path=ppt/slides/slide12.xml><?xml version="1.0" encoding="utf-8"?>
+<file path=ppt/slides/slide13.xml><?xml version="1.0" encoding="utf-8"?>
 <p:sld xmlns:a="http://schemas.openxmlformats.org/drawingml/2006/main" xmlns:r="http://schemas.openxmlformats.org/officeDocument/2006/relationships" xmlns:p="http://schemas.openxmlformats.org/presentationml/2006/main">
   <p:cSld>
     <p:spTree>
@@ -10436,7 +11088,7 @@
 </p:sld>
 </file>
 
-<file path=ppt/slides/slide13.xml><?xml version="1.0" encoding="utf-8"?>
+<file path=ppt/slides/slide14.xml><?xml version="1.0" encoding="utf-8"?>
 <p:sld xmlns:a="http://schemas.openxmlformats.org/drawingml/2006/main" xmlns:r="http://schemas.openxmlformats.org/officeDocument/2006/relationships" xmlns:p="http://schemas.openxmlformats.org/presentationml/2006/main">
   <p:cSld>
     <p:spTree>
@@ -19674,7 +20326,7 @@
 </p:sld>
 </file>
 
-<file path=ppt/slides/slide14.xml><?xml version="1.0" encoding="utf-8"?>
+<file path=ppt/slides/slide15.xml><?xml version="1.0" encoding="utf-8"?>
 <p:sld xmlns:a="http://schemas.openxmlformats.org/drawingml/2006/main" xmlns:r="http://schemas.openxmlformats.org/officeDocument/2006/relationships" xmlns:p="http://schemas.openxmlformats.org/presentationml/2006/main">
   <p:cSld>
     <p:spTree>
@@ -19819,7 +20471,7 @@
 </p:sld>
 </file>
 
-<file path=ppt/slides/slide15.xml><?xml version="1.0" encoding="utf-8"?>
+<file path=ppt/slides/slide16.xml><?xml version="1.0" encoding="utf-8"?>
 <p:sld xmlns:a="http://schemas.openxmlformats.org/drawingml/2006/main" xmlns:r="http://schemas.openxmlformats.org/officeDocument/2006/relationships" xmlns:p="http://schemas.openxmlformats.org/presentationml/2006/main">
   <p:cSld>
     <p:spTree>
@@ -19948,7 +20600,7 @@
 </p:sld>
 </file>
 
-<file path=ppt/slides/slide16.xml><?xml version="1.0" encoding="utf-8"?>
+<file path=ppt/slides/slide17.xml><?xml version="1.0" encoding="utf-8"?>
 <p:sld xmlns:a="http://schemas.openxmlformats.org/drawingml/2006/main" xmlns:r="http://schemas.openxmlformats.org/officeDocument/2006/relationships" xmlns:p="http://schemas.openxmlformats.org/presentationml/2006/main">
   <p:cSld>
     <p:spTree>
@@ -20093,7 +20745,7 @@
 </p:sld>
 </file>
 
-<file path=ppt/slides/slide17.xml><?xml version="1.0" encoding="utf-8"?>
+<file path=ppt/slides/slide18.xml><?xml version="1.0" encoding="utf-8"?>
 <p:sld xmlns:a="http://schemas.openxmlformats.org/drawingml/2006/main" xmlns:r="http://schemas.openxmlformats.org/officeDocument/2006/relationships" xmlns:p="http://schemas.openxmlformats.org/presentationml/2006/main">
   <p:cSld>
     <p:spTree>
@@ -20349,7 +21001,7 @@
 </p:sld>
 </file>
 
-<file path=ppt/slides/slide18.xml><?xml version="1.0" encoding="utf-8"?>
+<file path=ppt/slides/slide19.xml><?xml version="1.0" encoding="utf-8"?>
 <p:sld xmlns:a="http://schemas.openxmlformats.org/drawingml/2006/main" xmlns:r="http://schemas.openxmlformats.org/officeDocument/2006/relationships" xmlns:p="http://schemas.openxmlformats.org/presentationml/2006/main">
   <p:cSld>
     <p:spTree>
@@ -21068,135 +21720,6 @@
 </p:sld>
 </file>
 
-<file path=ppt/slides/slide19.xml><?xml version="1.0" encoding="utf-8"?>
-<p:sld xmlns:a="http://schemas.openxmlformats.org/drawingml/2006/main" xmlns:r="http://schemas.openxmlformats.org/officeDocument/2006/relationships" xmlns:p="http://schemas.openxmlformats.org/presentationml/2006/main">
-  <p:cSld>
-    <p:spTree>
-      <p:nvGrpSpPr>
-        <p:cNvPr id="1" name=""/>
-        <p:cNvGrpSpPr/>
-        <p:nvPr/>
-      </p:nvGrpSpPr>
-      <p:grpSpPr>
-        <a:xfrm>
-          <a:off x="0" y="0"/>
-          <a:ext cx="0" cy="0"/>
-          <a:chOff x="0" y="0"/>
-          <a:chExt cx="0" cy="0"/>
-        </a:xfrm>
-      </p:grpSpPr>
-      <p:sp>
-        <p:nvSpPr>
-          <p:cNvPr id="26626" name="Title 1"/>
-          <p:cNvSpPr>
-            <a:spLocks noGrp="1"/>
-          </p:cNvSpPr>
-          <p:nvPr>
-            <p:ph type="title"/>
-          </p:nvPr>
-        </p:nvSpPr>
-        <p:spPr/>
-        <p:txBody>
-          <a:bodyPr/>
-          <a:lstStyle/>
-          <a:p>
-            <a:r>
-              <a:rPr lang="sv-SE"/>
-              <a:t>Demo</a:t>
-            </a:r>
-          </a:p>
-        </p:txBody>
-      </p:sp>
-      <p:sp>
-        <p:nvSpPr>
-          <p:cNvPr id="26627" name="Content Placeholder 2"/>
-          <p:cNvSpPr>
-            <a:spLocks noGrp="1"/>
-          </p:cNvSpPr>
-          <p:nvPr>
-            <p:ph idx="1"/>
-          </p:nvPr>
-        </p:nvSpPr>
-        <p:spPr/>
-        <p:txBody>
-          <a:bodyPr/>
-          <a:lstStyle/>
-          <a:p>
-            <a:r>
-              <a:rPr lang="sv-SE" sz="2400" b="1"/>
-              <a:t>Create a Schema using the BizTalk Schema Editor in Visual Studio</a:t>
-            </a:r>
-          </a:p>
-          <a:p>
-            <a:r>
-              <a:rPr lang="sv-SE" sz="2400" b="1"/>
-              <a:t>Validate and test schema</a:t>
-            </a:r>
-          </a:p>
-        </p:txBody>
-      </p:sp>
-      <p:pic>
-        <p:nvPicPr>
-          <p:cNvPr id="26630" name="Picture 2" descr="http://icons.iconarchive.com/icons/artua/mac/Play-512x512.png"/>
-          <p:cNvPicPr>
-            <a:picLocks noChangeAspect="1" noChangeArrowheads="1"/>
-          </p:cNvPicPr>
-          <p:nvPr/>
-        </p:nvPicPr>
-        <p:blipFill>
-          <a:blip r:embed="rId3">
-            <a:extLst>
-              <a:ext uri="{28A0092B-C50C-407E-A947-70E740481C1C}">
-                <a14:useLocalDpi xmlns:a14="http://schemas.microsoft.com/office/drawing/2010/main" val="0"/>
-              </a:ext>
-            </a:extLst>
-          </a:blip>
-          <a:srcRect/>
-          <a:stretch>
-            <a:fillRect/>
-          </a:stretch>
-        </p:blipFill>
-        <p:spPr bwMode="auto">
-          <a:xfrm>
-            <a:off x="5357813" y="2786063"/>
-            <a:ext cx="3786187" cy="3786187"/>
-          </a:xfrm>
-          <a:prstGeom prst="rect">
-            <a:avLst/>
-          </a:prstGeom>
-          <a:noFill/>
-          <a:ln>
-            <a:noFill/>
-          </a:ln>
-          <a:extLst>
-            <a:ext uri="{909E8E84-426E-40DD-AFC4-6F175D3DCCD1}">
-              <a14:hiddenFill xmlns:a14="http://schemas.microsoft.com/office/drawing/2010/main">
-                <a:solidFill>
-                  <a:srgbClr val="FFFFFF"/>
-                </a:solidFill>
-              </a14:hiddenFill>
-            </a:ext>
-            <a:ext uri="{91240B29-F687-4F45-9708-019B960494DF}">
-              <a14:hiddenLine xmlns:a14="http://schemas.microsoft.com/office/drawing/2010/main" w="9525">
-                <a:solidFill>
-                  <a:srgbClr val="000000"/>
-                </a:solidFill>
-                <a:miter lim="800000"/>
-                <a:headEnd/>
-                <a:tailEnd/>
-              </a14:hiddenLine>
-            </a:ext>
-          </a:extLst>
-        </p:spPr>
-      </p:pic>
-    </p:spTree>
-  </p:cSld>
-  <p:clrMapOvr>
-    <a:masterClrMapping/>
-  </p:clrMapOvr>
-</p:sld>
-</file>
-
 <file path=ppt/slides/slide2.xml><?xml version="1.0" encoding="utf-8"?>
 <p:sld xmlns:a="http://schemas.openxmlformats.org/drawingml/2006/main" xmlns:r="http://schemas.openxmlformats.org/officeDocument/2006/relationships" xmlns:p="http://schemas.openxmlformats.org/presentationml/2006/main">
   <p:cSld>
@@ -21637,6 +22160,135 @@
       </p:grpSpPr>
       <p:sp>
         <p:nvSpPr>
+          <p:cNvPr id="26626" name="Title 1"/>
+          <p:cNvSpPr>
+            <a:spLocks noGrp="1"/>
+          </p:cNvSpPr>
+          <p:nvPr>
+            <p:ph type="title"/>
+          </p:nvPr>
+        </p:nvSpPr>
+        <p:spPr/>
+        <p:txBody>
+          <a:bodyPr/>
+          <a:lstStyle/>
+          <a:p>
+            <a:r>
+              <a:rPr lang="sv-SE"/>
+              <a:t>Demo</a:t>
+            </a:r>
+          </a:p>
+        </p:txBody>
+      </p:sp>
+      <p:sp>
+        <p:nvSpPr>
+          <p:cNvPr id="26627" name="Content Placeholder 2"/>
+          <p:cNvSpPr>
+            <a:spLocks noGrp="1"/>
+          </p:cNvSpPr>
+          <p:nvPr>
+            <p:ph idx="1"/>
+          </p:nvPr>
+        </p:nvSpPr>
+        <p:spPr/>
+        <p:txBody>
+          <a:bodyPr/>
+          <a:lstStyle/>
+          <a:p>
+            <a:r>
+              <a:rPr lang="sv-SE" sz="2400" b="1"/>
+              <a:t>Create a Schema using the BizTalk Schema Editor in Visual Studio</a:t>
+            </a:r>
+          </a:p>
+          <a:p>
+            <a:r>
+              <a:rPr lang="sv-SE" sz="2400" b="1"/>
+              <a:t>Validate and test schema</a:t>
+            </a:r>
+          </a:p>
+        </p:txBody>
+      </p:sp>
+      <p:pic>
+        <p:nvPicPr>
+          <p:cNvPr id="26630" name="Picture 2" descr="http://icons.iconarchive.com/icons/artua/mac/Play-512x512.png"/>
+          <p:cNvPicPr>
+            <a:picLocks noChangeAspect="1" noChangeArrowheads="1"/>
+          </p:cNvPicPr>
+          <p:nvPr/>
+        </p:nvPicPr>
+        <p:blipFill>
+          <a:blip r:embed="rId3">
+            <a:extLst>
+              <a:ext uri="{28A0092B-C50C-407E-A947-70E740481C1C}">
+                <a14:useLocalDpi xmlns:a14="http://schemas.microsoft.com/office/drawing/2010/main" val="0"/>
+              </a:ext>
+            </a:extLst>
+          </a:blip>
+          <a:srcRect/>
+          <a:stretch>
+            <a:fillRect/>
+          </a:stretch>
+        </p:blipFill>
+        <p:spPr bwMode="auto">
+          <a:xfrm>
+            <a:off x="5357813" y="2786063"/>
+            <a:ext cx="3786187" cy="3786187"/>
+          </a:xfrm>
+          <a:prstGeom prst="rect">
+            <a:avLst/>
+          </a:prstGeom>
+          <a:noFill/>
+          <a:ln>
+            <a:noFill/>
+          </a:ln>
+          <a:extLst>
+            <a:ext uri="{909E8E84-426E-40DD-AFC4-6F175D3DCCD1}">
+              <a14:hiddenFill xmlns:a14="http://schemas.microsoft.com/office/drawing/2010/main">
+                <a:solidFill>
+                  <a:srgbClr val="FFFFFF"/>
+                </a:solidFill>
+              </a14:hiddenFill>
+            </a:ext>
+            <a:ext uri="{91240B29-F687-4F45-9708-019B960494DF}">
+              <a14:hiddenLine xmlns:a14="http://schemas.microsoft.com/office/drawing/2010/main" w="9525">
+                <a:solidFill>
+                  <a:srgbClr val="000000"/>
+                </a:solidFill>
+                <a:miter lim="800000"/>
+                <a:headEnd/>
+                <a:tailEnd/>
+              </a14:hiddenLine>
+            </a:ext>
+          </a:extLst>
+        </p:spPr>
+      </p:pic>
+    </p:spTree>
+  </p:cSld>
+  <p:clrMapOvr>
+    <a:masterClrMapping/>
+  </p:clrMapOvr>
+</p:sld>
+</file>
+
+<file path=ppt/slides/slide21.xml><?xml version="1.0" encoding="utf-8"?>
+<p:sld xmlns:a="http://schemas.openxmlformats.org/drawingml/2006/main" xmlns:r="http://schemas.openxmlformats.org/officeDocument/2006/relationships" xmlns:p="http://schemas.openxmlformats.org/presentationml/2006/main">
+  <p:cSld>
+    <p:spTree>
+      <p:nvGrpSpPr>
+        <p:cNvPr id="1" name=""/>
+        <p:cNvGrpSpPr/>
+        <p:nvPr/>
+      </p:nvGrpSpPr>
+      <p:grpSpPr>
+        <a:xfrm>
+          <a:off x="0" y="0"/>
+          <a:ext cx="0" cy="0"/>
+          <a:chOff x="0" y="0"/>
+          <a:chExt cx="0" cy="0"/>
+        </a:xfrm>
+      </p:grpSpPr>
+      <p:sp>
+        <p:nvSpPr>
           <p:cNvPr id="27650" name="Title 1"/>
           <p:cNvSpPr>
             <a:spLocks noGrp="1"/>
@@ -21940,7 +22592,7 @@
 </p:sld>
 </file>
 
-<file path=ppt/slides/slide21.xml><?xml version="1.0" encoding="utf-8"?>
+<file path=ppt/slides/slide22.xml><?xml version="1.0" encoding="utf-8"?>
 <p:sld xmlns:a="http://schemas.openxmlformats.org/drawingml/2006/main" xmlns:r="http://schemas.openxmlformats.org/officeDocument/2006/relationships" xmlns:p="http://schemas.openxmlformats.org/presentationml/2006/main">
   <p:cSld>
     <p:spTree>
@@ -22069,7 +22721,7 @@
 </p:sld>
 </file>
 
-<file path=ppt/slides/slide22.xml><?xml version="1.0" encoding="utf-8"?>
+<file path=ppt/slides/slide23.xml><?xml version="1.0" encoding="utf-8"?>
 <p:sld xmlns:a="http://schemas.openxmlformats.org/drawingml/2006/main" xmlns:r="http://schemas.openxmlformats.org/officeDocument/2006/relationships" xmlns:p="http://schemas.openxmlformats.org/presentationml/2006/main">
   <p:cSld>
     <p:spTree>
@@ -22170,7 +22822,7 @@
 </p:sld>
 </file>
 
-<file path=ppt/slides/slide23.xml><?xml version="1.0" encoding="utf-8"?>
+<file path=ppt/slides/slide24.xml><?xml version="1.0" encoding="utf-8"?>
 <p:sld xmlns:a="http://schemas.openxmlformats.org/drawingml/2006/main" xmlns:r="http://schemas.openxmlformats.org/officeDocument/2006/relationships" xmlns:p="http://schemas.openxmlformats.org/presentationml/2006/main">
   <p:cSld>
     <p:spTree>
@@ -22253,7 +22905,7 @@
 </p:sld>
 </file>
 
-<file path=ppt/slides/slide24.xml><?xml version="1.0" encoding="utf-8"?>
+<file path=ppt/slides/slide25.xml><?xml version="1.0" encoding="utf-8"?>
 <p:sld xmlns:a="http://schemas.openxmlformats.org/drawingml/2006/main" xmlns:r="http://schemas.openxmlformats.org/officeDocument/2006/relationships" xmlns:p="http://schemas.openxmlformats.org/presentationml/2006/main">
   <p:cSld>
     <p:spTree>
@@ -22489,7 +23141,7 @@
 </p:sld>
 </file>
 
-<file path=ppt/slides/slide25.xml><?xml version="1.0" encoding="utf-8"?>
+<file path=ppt/slides/slide26.xml><?xml version="1.0" encoding="utf-8"?>
 <p:sld xmlns:a="http://schemas.openxmlformats.org/drawingml/2006/main" xmlns:r="http://schemas.openxmlformats.org/officeDocument/2006/relationships" xmlns:p="http://schemas.openxmlformats.org/presentationml/2006/main">
   <p:cSld>
     <p:spTree>
@@ -31450,7 +32102,13 @@
           <p:cNvGraphicFramePr>
             <a:graphicFrameLocks noGrp="1"/>
           </p:cNvGraphicFramePr>
-          <p:nvPr/>
+          <p:nvPr>
+            <p:extLst>
+              <p:ext uri="{D42A27DB-BD31-4B8C-83A1-F6EECF244321}">
+                <p14:modId xmlns:p14="http://schemas.microsoft.com/office/powerpoint/2010/main" val="1018739180"/>
+              </p:ext>
+            </p:extLst>
+          </p:nvPr>
         </p:nvGraphicFramePr>
         <p:xfrm>
           <a:off x="285750" y="1285875"/>
@@ -32673,55 +33331,6 @@
           </a:p>
         </p:txBody>
       </p:sp>
-      <p:pic>
-        <p:nvPicPr>
-          <p:cNvPr id="10" name="Picture 5" descr="C:\Users\hedbergjh\Pictures\Microsoft Clip Organizer\00432684.png"/>
-          <p:cNvPicPr>
-            <a:picLocks noChangeAspect="1" noChangeArrowheads="1"/>
-          </p:cNvPicPr>
-          <p:nvPr/>
-        </p:nvPicPr>
-        <p:blipFill>
-          <a:blip r:embed="rId2" cstate="print">
-            <a:duotone>
-              <a:prstClr val="black"/>
-              <a:schemeClr val="accent5">
-                <a:lumMod val="75000"/>
-                <a:tint val="45000"/>
-                <a:satMod val="400000"/>
-              </a:schemeClr>
-            </a:duotone>
-            <a:extLst>
-              <a:ext uri="{28A0092B-C50C-407E-A947-70E740481C1C}">
-                <a14:useLocalDpi xmlns:a14="http://schemas.microsoft.com/office/drawing/2010/main" val="0"/>
-              </a:ext>
-            </a:extLst>
-          </a:blip>
-          <a:srcRect/>
-          <a:stretch>
-            <a:fillRect/>
-          </a:stretch>
-        </p:blipFill>
-        <p:spPr bwMode="auto">
-          <a:xfrm>
-            <a:off x="-15874" y="6525344"/>
-            <a:ext cx="360040" cy="360040"/>
-          </a:xfrm>
-          <a:prstGeom prst="rect">
-            <a:avLst/>
-          </a:prstGeom>
-          <a:noFill/>
-          <a:extLst>
-            <a:ext uri="{909E8E84-426E-40DD-AFC4-6F175D3DCCD1}">
-              <a14:hiddenFill xmlns:a14="http://schemas.microsoft.com/office/drawing/2010/main">
-                <a:solidFill>
-                  <a:srgbClr val="FFFFFF"/>
-                </a:solidFill>
-              </a14:hiddenFill>
-            </a:ext>
-          </a:extLst>
-        </p:spPr>
-      </p:pic>
     </p:spTree>
   </p:cSld>
   <p:clrMapOvr>
